--- a/Week 1/Classes/Clase1.pptx
+++ b/Week 1/Classes/Clase1.pptx
@@ -5,7 +5,7 @@
     <p:sldMasterId id="2147483648" r:id="rId1"/>
   </p:sldMasterIdLst>
   <p:notesMasterIdLst>
-    <p:notesMasterId r:id="rId16"/>
+    <p:notesMasterId r:id="rId31"/>
   </p:notesMasterIdLst>
   <p:sldIdLst>
     <p:sldId id="256" r:id="rId2"/>
@@ -20,8 +20,23 @@
     <p:sldId id="267" r:id="rId11"/>
     <p:sldId id="268" r:id="rId12"/>
     <p:sldId id="269" r:id="rId13"/>
-    <p:sldId id="263" r:id="rId14"/>
-    <p:sldId id="264" r:id="rId15"/>
+    <p:sldId id="270" r:id="rId14"/>
+    <p:sldId id="271" r:id="rId15"/>
+    <p:sldId id="272" r:id="rId16"/>
+    <p:sldId id="273" r:id="rId17"/>
+    <p:sldId id="275" r:id="rId18"/>
+    <p:sldId id="276" r:id="rId19"/>
+    <p:sldId id="278" r:id="rId20"/>
+    <p:sldId id="279" r:id="rId21"/>
+    <p:sldId id="280" r:id="rId22"/>
+    <p:sldId id="281" r:id="rId23"/>
+    <p:sldId id="284" r:id="rId24"/>
+    <p:sldId id="282" r:id="rId25"/>
+    <p:sldId id="283" r:id="rId26"/>
+    <p:sldId id="285" r:id="rId27"/>
+    <p:sldId id="286" r:id="rId28"/>
+    <p:sldId id="263" r:id="rId29"/>
+    <p:sldId id="264" r:id="rId30"/>
   </p:sldIdLst>
   <p:sldSz cx="12192000" cy="6858000"/>
   <p:notesSz cx="6858000" cy="9144000"/>
@@ -4443,6 +4458,90 @@
 </p:notes>
 </file>
 
+<file path=ppt/notesSlides/notesSlide4.xml><?xml version="1.0" encoding="utf-8"?>
+<p:notes xmlns:a="http://schemas.openxmlformats.org/drawingml/2006/main" xmlns:r="http://schemas.openxmlformats.org/officeDocument/2006/relationships" xmlns:p="http://schemas.openxmlformats.org/presentationml/2006/main">
+  <p:cSld>
+    <p:spTree>
+      <p:nvGrpSpPr>
+        <p:cNvPr id="1" name=""/>
+        <p:cNvGrpSpPr/>
+        <p:nvPr/>
+      </p:nvGrpSpPr>
+      <p:grpSpPr>
+        <a:xfrm>
+          <a:off x="0" y="0"/>
+          <a:ext cx="0" cy="0"/>
+          <a:chOff x="0" y="0"/>
+          <a:chExt cx="0" cy="0"/>
+        </a:xfrm>
+      </p:grpSpPr>
+      <p:sp>
+        <p:nvSpPr>
+          <p:cNvPr id="2" name="Slide Image Placeholder 1"/>
+          <p:cNvSpPr>
+            <a:spLocks noGrp="1" noRot="1" noChangeAspect="1"/>
+          </p:cNvSpPr>
+          <p:nvPr>
+            <p:ph type="sldImg"/>
+          </p:nvPr>
+        </p:nvSpPr>
+        <p:spPr/>
+      </p:sp>
+      <p:sp>
+        <p:nvSpPr>
+          <p:cNvPr id="3" name="Notes Placeholder 2"/>
+          <p:cNvSpPr>
+            <a:spLocks noGrp="1"/>
+          </p:cNvSpPr>
+          <p:nvPr>
+            <p:ph type="body" idx="1"/>
+          </p:nvPr>
+        </p:nvSpPr>
+        <p:spPr/>
+        <p:txBody>
+          <a:bodyPr/>
+          <a:lstStyle/>
+          <a:p>
+            <a:endParaRPr lang="en-US" dirty="0"/>
+          </a:p>
+        </p:txBody>
+      </p:sp>
+      <p:sp>
+        <p:nvSpPr>
+          <p:cNvPr id="4" name="Slide Number Placeholder 3"/>
+          <p:cNvSpPr>
+            <a:spLocks noGrp="1"/>
+          </p:cNvSpPr>
+          <p:nvPr>
+            <p:ph type="sldNum" sz="quarter" idx="5"/>
+          </p:nvPr>
+        </p:nvSpPr>
+        <p:spPr/>
+        <p:txBody>
+          <a:bodyPr/>
+          <a:lstStyle/>
+          <a:p>
+            <a:fld id="{80A31774-17A8-4EEE-BD10-010F5090F255}" type="slidenum">
+              <a:rPr lang="en-US" smtClean="0"/>
+              <a:t>19</a:t>
+            </a:fld>
+            <a:endParaRPr lang="en-US"/>
+          </a:p>
+        </p:txBody>
+      </p:sp>
+    </p:spTree>
+    <p:extLst>
+      <p:ext uri="{BB962C8B-B14F-4D97-AF65-F5344CB8AC3E}">
+        <p14:creationId xmlns:p14="http://schemas.microsoft.com/office/powerpoint/2010/main" val="327272636"/>
+      </p:ext>
+    </p:extLst>
+  </p:cSld>
+  <p:clrMapOvr>
+    <a:masterClrMapping/>
+  </p:clrMapOvr>
+</p:notes>
+</file>
+
 <file path=ppt/slideLayouts/slideLayout1.xml><?xml version="1.0" encoding="utf-8"?>
 <p:sldLayout xmlns:a="http://schemas.openxmlformats.org/drawingml/2006/main" xmlns:r="http://schemas.openxmlformats.org/officeDocument/2006/relationships" xmlns:p="http://schemas.openxmlformats.org/presentationml/2006/main" type="title" preserve="1">
   <p:cSld name="Title Slide">
@@ -8147,96 +8246,12 @@
             </a:pPr>
             <a:r>
               <a:rPr lang="en-US" dirty="0" err="1"/>
-              <a:t>Clasificar</a:t>
-            </a:r>
-            <a:r>
-              <a:rPr lang="en-US" dirty="0"/>
-              <a:t> </a:t>
-            </a:r>
-            <a:r>
-              <a:rPr lang="en-US" dirty="0" err="1"/>
-              <a:t>listas</a:t>
-            </a:r>
-            <a:r>
-              <a:rPr lang="en-US" dirty="0"/>
-              <a:t> de palabras de </a:t>
-            </a:r>
-            <a:r>
-              <a:rPr lang="en-US" dirty="0" err="1"/>
-              <a:t>varias</a:t>
-            </a:r>
-            <a:r>
-              <a:rPr lang="en-US" dirty="0"/>
-              <a:t> </a:t>
-            </a:r>
-            <a:r>
-              <a:rPr lang="en-US" dirty="0" err="1"/>
-              <a:t>maneras</a:t>
-            </a:r>
-            <a:r>
-              <a:rPr lang="en-US" dirty="0"/>
-              <a:t>:</a:t>
-            </a:r>
-          </a:p>
-          <a:p>
-            <a:pPr marL="457200" lvl="1" indent="0">
-              <a:buNone/>
-            </a:pPr>
-            <a:r>
-              <a:rPr lang="en-US" dirty="0"/>
-              <a:t>Orden n</a:t>
-            </a:r>
-            <a:r>
-              <a:rPr lang="es-CO" dirty="0" err="1"/>
-              <a:t>umérico</a:t>
-            </a:r>
-            <a:endParaRPr lang="es-CO" dirty="0"/>
-          </a:p>
-          <a:p>
-            <a:pPr marL="457200" lvl="1" indent="0">
-              <a:buNone/>
-            </a:pPr>
-            <a:r>
-              <a:rPr lang="en-US" dirty="0"/>
-              <a:t>Orden </a:t>
-            </a:r>
-            <a:r>
-              <a:rPr lang="en-US" dirty="0" err="1"/>
-              <a:t>lexicográfico</a:t>
-            </a:r>
-            <a:endParaRPr lang="en-US" dirty="0"/>
-          </a:p>
-          <a:p>
-            <a:pPr marL="457200" lvl="1" indent="0">
-              <a:buNone/>
-            </a:pPr>
-            <a:r>
-              <a:rPr lang="en-US" dirty="0"/>
-              <a:t>Orden de </a:t>
-            </a:r>
-            <a:r>
-              <a:rPr lang="en-US" dirty="0" err="1"/>
-              <a:t>rima</a:t>
-            </a:r>
-            <a:endParaRPr lang="en-US" dirty="0"/>
-          </a:p>
-          <a:p>
-            <a:pPr marL="514350" indent="-514350">
-              <a:buAutoNum type="arabicPeriod"/>
-            </a:pPr>
-            <a:r>
-              <a:rPr lang="en-US" dirty="0" err="1"/>
-              <a:t>Computar</a:t>
-            </a:r>
-            <a:r>
-              <a:rPr lang="en-US" dirty="0"/>
-              <a:t> </a:t>
-            </a:r>
-            <a:r>
-              <a:rPr lang="en-US" dirty="0" err="1"/>
-              <a:t>ngrams</a:t>
-            </a:r>
-            <a:endParaRPr lang="en-US" dirty="0"/>
+              <a:t>Clasificación</a:t>
+            </a:r>
+            <a:r>
+              <a:rPr lang="en-US" dirty="0"/>
+              <a:t> de palabras </a:t>
+            </a:r>
           </a:p>
           <a:p>
             <a:pPr marL="514350" indent="-514350">
@@ -8358,25 +8373,30 @@
             </a:pPr>
             <a:r>
               <a:rPr lang="es-CO" dirty="0"/>
-              <a:t>el corpus de CEDEL2  = composiciones de estudiantes de español de instituciones universitarias y de colegios de </a:t>
-            </a:r>
-            <a:r>
-              <a:rPr lang="es-CO"/>
-              <a:t>Estados Unidos (</a:t>
+              <a:t>el corpus de CEDEL2  = composiciones de estudiantes de español de instituciones universitarias y de colegios (</a:t>
             </a:r>
             <a:r>
               <a:rPr lang="en-US" dirty="0"/>
               <a:t>~ 3034)</a:t>
+            </a:r>
+          </a:p>
+          <a:p>
+            <a:pPr marL="0" indent="0">
+              <a:buNone/>
+            </a:pPr>
+            <a:r>
+              <a:rPr lang="en-US" dirty="0"/>
+              <a:t>Datasets:</a:t>
             </a:r>
           </a:p>
         </p:txBody>
       </p:sp>
       <p:pic>
         <p:nvPicPr>
-          <p:cNvPr id="5" name="Picture 4">
+          <p:cNvPr id="6" name="Picture 5">
             <a:extLst>
               <a:ext uri="{FF2B5EF4-FFF2-40B4-BE49-F238E27FC236}">
-                <a16:creationId xmlns:a16="http://schemas.microsoft.com/office/drawing/2014/main" id="{52ABAD8C-9036-40CA-99B2-097488F95A5A}"/>
+                <a16:creationId xmlns:a16="http://schemas.microsoft.com/office/drawing/2014/main" id="{8A69C758-D5FB-42F9-9ACC-723CBC90D6CF}"/>
               </a:ext>
             </a:extLst>
           </p:cNvPr>
@@ -8393,8 +8413,38 @@
         </p:blipFill>
         <p:spPr>
           <a:xfrm>
-            <a:off x="2653408" y="3178846"/>
-            <a:ext cx="6362772" cy="3679154"/>
+            <a:off x="8486578" y="588386"/>
+            <a:ext cx="3705422" cy="1382133"/>
+          </a:xfrm>
+          <a:prstGeom prst="rect">
+            <a:avLst/>
+          </a:prstGeom>
+        </p:spPr>
+      </p:pic>
+      <p:pic>
+        <p:nvPicPr>
+          <p:cNvPr id="8" name="Picture 7">
+            <a:extLst>
+              <a:ext uri="{FF2B5EF4-FFF2-40B4-BE49-F238E27FC236}">
+                <a16:creationId xmlns:a16="http://schemas.microsoft.com/office/drawing/2014/main" id="{CD8FCEE4-B3CF-43D0-8282-5072762037DE}"/>
+              </a:ext>
+            </a:extLst>
+          </p:cNvPr>
+          <p:cNvPicPr>
+            <a:picLocks noChangeAspect="1"/>
+          </p:cNvPicPr>
+          <p:nvPr/>
+        </p:nvPicPr>
+        <p:blipFill>
+          <a:blip r:embed="rId3"/>
+          <a:stretch>
+            <a:fillRect/>
+          </a:stretch>
+        </p:blipFill>
+        <p:spPr>
+          <a:xfrm>
+            <a:off x="1730477" y="3624550"/>
+            <a:ext cx="9507793" cy="3017140"/>
           </a:xfrm>
           <a:prstGeom prst="rect">
             <a:avLst/>
@@ -8436,7 +8486,7 @@
           <p:cNvPr id="2" name="Title 1">
             <a:extLst>
               <a:ext uri="{FF2B5EF4-FFF2-40B4-BE49-F238E27FC236}">
-                <a16:creationId xmlns:a16="http://schemas.microsoft.com/office/drawing/2014/main" id="{48FD1575-20ED-4A9B-A774-B0E2EBB19EDC}"/>
+                <a16:creationId xmlns:a16="http://schemas.microsoft.com/office/drawing/2014/main" id="{ABE36089-03E8-4E86-B836-2BCED2B635E2}"/>
               </a:ext>
             </a:extLst>
           </p:cNvPr>
@@ -8454,7 +8504,7 @@
           <a:p>
             <a:r>
               <a:rPr lang="es-CO" dirty="0"/>
-              <a:t>Ejercicios</a:t>
+              <a:t>1. Contar palabras de un texto</a:t>
             </a:r>
             <a:endParaRPr lang="en-US" dirty="0"/>
           </a:p>
@@ -8465,7 +8515,7 @@
           <p:cNvPr id="3" name="Content Placeholder 2">
             <a:extLst>
               <a:ext uri="{FF2B5EF4-FFF2-40B4-BE49-F238E27FC236}">
-                <a16:creationId xmlns:a16="http://schemas.microsoft.com/office/drawing/2014/main" id="{CF81A9A2-FE34-4E98-8899-4022597CF2BA}"/>
+                <a16:creationId xmlns:a16="http://schemas.microsoft.com/office/drawing/2014/main" id="{6EB0B3A7-80AC-4E6D-B0A9-1CBA5C5E7E3E}"/>
               </a:ext>
             </a:extLst>
           </p:cNvPr>
@@ -8476,11 +8526,293 @@
             <p:ph idx="1"/>
           </p:nvPr>
         </p:nvSpPr>
-        <p:spPr/>
+        <p:spPr>
+          <a:xfrm>
+            <a:off x="587829" y="1436914"/>
+            <a:ext cx="10765971" cy="4849586"/>
+          </a:xfrm>
+        </p:spPr>
         <p:txBody>
-          <a:bodyPr/>
+          <a:bodyPr>
+            <a:normAutofit/>
+          </a:bodyPr>
           <a:lstStyle/>
           <a:p>
+            <a:pPr marL="0" indent="0">
+              <a:buNone/>
+            </a:pPr>
+            <a:r>
+              <a:rPr lang="en-US" dirty="0" err="1"/>
+              <a:t>Contexto</a:t>
+            </a:r>
+            <a:r>
+              <a:rPr lang="en-US" dirty="0"/>
+              <a:t>: </a:t>
+            </a:r>
+            <a:r>
+              <a:rPr lang="en-US" dirty="0" err="1"/>
+              <a:t>digamos</a:t>
+            </a:r>
+            <a:r>
+              <a:rPr lang="en-US" dirty="0"/>
+              <a:t> que </a:t>
+            </a:r>
+            <a:r>
+              <a:rPr lang="en-US" dirty="0" err="1"/>
+              <a:t>quieres</a:t>
+            </a:r>
+            <a:r>
+              <a:rPr lang="en-US" dirty="0"/>
+              <a:t> saber </a:t>
+            </a:r>
+            <a:r>
+              <a:rPr lang="en-US" dirty="0" err="1"/>
+              <a:t>cuantas</a:t>
+            </a:r>
+            <a:r>
+              <a:rPr lang="en-US" dirty="0"/>
+              <a:t> palabras hay </a:t>
+            </a:r>
+            <a:r>
+              <a:rPr lang="en-US" dirty="0" err="1"/>
+              <a:t>en</a:t>
+            </a:r>
+            <a:r>
+              <a:rPr lang="en-US" dirty="0"/>
+              <a:t> </a:t>
+            </a:r>
+            <a:r>
+              <a:rPr lang="en-US" dirty="0" err="1"/>
+              <a:t>el</a:t>
+            </a:r>
+            <a:r>
+              <a:rPr lang="en-US" dirty="0"/>
+              <a:t> </a:t>
+            </a:r>
+            <a:r>
+              <a:rPr lang="en-US" dirty="0" err="1"/>
+              <a:t>texto</a:t>
+            </a:r>
+            <a:r>
+              <a:rPr lang="en-US" dirty="0"/>
+              <a:t>. </a:t>
+            </a:r>
+            <a:r>
+              <a:rPr lang="en-US" dirty="0" err="1"/>
+              <a:t>Adem</a:t>
+            </a:r>
+            <a:r>
+              <a:rPr lang="es-CO" dirty="0" err="1"/>
+              <a:t>ás</a:t>
+            </a:r>
+            <a:r>
+              <a:rPr lang="es-CO" dirty="0"/>
+              <a:t> quieres saber de cuantas líneas y caracteres se compone el escrito. Con el comando </a:t>
+            </a:r>
+            <a:r>
+              <a:rPr lang="es-CO" b="1" i="1" dirty="0" err="1"/>
+              <a:t>wc</a:t>
+            </a:r>
+            <a:r>
+              <a:rPr lang="es-CO" dirty="0"/>
+              <a:t> (Word </a:t>
+            </a:r>
+            <a:r>
+              <a:rPr lang="es-CO" dirty="0" err="1"/>
+              <a:t>count</a:t>
+            </a:r>
+            <a:r>
+              <a:rPr lang="es-CO" dirty="0"/>
+              <a:t>) puedes hacer todo esto. </a:t>
+            </a:r>
+          </a:p>
+          <a:p>
+            <a:pPr marL="0" indent="0" algn="ctr">
+              <a:buNone/>
+            </a:pPr>
+            <a:r>
+              <a:rPr lang="es-CO" dirty="0"/>
+              <a:t>Sintaxis: $ </a:t>
+            </a:r>
+            <a:r>
+              <a:rPr lang="es-CO" b="1" i="1" dirty="0"/>
+              <a:t>comando </a:t>
+            </a:r>
+            <a:r>
+              <a:rPr lang="en-US" b="1" i="1" dirty="0"/>
+              <a:t>+ </a:t>
+            </a:r>
+            <a:r>
+              <a:rPr lang="en-US" b="1" i="1" dirty="0" err="1"/>
+              <a:t>opci</a:t>
+            </a:r>
+            <a:r>
+              <a:rPr lang="es-CO" b="1" i="1" dirty="0" err="1"/>
+              <a:t>ón</a:t>
+            </a:r>
+            <a:r>
+              <a:rPr lang="es-CO" b="1" i="1" dirty="0"/>
+              <a:t> </a:t>
+            </a:r>
+            <a:r>
+              <a:rPr lang="en-US" b="1" i="1" dirty="0"/>
+              <a:t>+ </a:t>
+            </a:r>
+            <a:r>
+              <a:rPr lang="en-US" b="1" i="1" dirty="0" err="1"/>
+              <a:t>archivo</a:t>
+            </a:r>
+            <a:r>
+              <a:rPr lang="en-US" b="1" i="1" dirty="0"/>
+              <a:t> de </a:t>
+            </a:r>
+            <a:r>
+              <a:rPr lang="en-US" b="1" i="1" dirty="0" err="1"/>
+              <a:t>texto</a:t>
+            </a:r>
+            <a:endParaRPr lang="en-US" b="1" i="1" dirty="0"/>
+          </a:p>
+          <a:p>
+            <a:pPr marL="0" indent="0">
+              <a:buNone/>
+            </a:pPr>
+            <a:r>
+              <a:rPr lang="en-US" dirty="0" err="1"/>
+              <a:t>Texto</a:t>
+            </a:r>
+            <a:r>
+              <a:rPr lang="en-US" dirty="0"/>
+              <a:t>: </a:t>
+            </a:r>
+            <a:r>
+              <a:rPr lang="en-US" i="1" dirty="0"/>
+              <a:t>Lower Beginner</a:t>
+            </a:r>
+          </a:p>
+          <a:p>
+            <a:pPr marL="0" indent="0">
+              <a:buNone/>
+            </a:pPr>
+            <a:r>
+              <a:rPr lang="en-US" b="1" dirty="0" err="1"/>
+              <a:t>Pregunta</a:t>
+            </a:r>
+            <a:r>
+              <a:rPr lang="en-US" b="1" dirty="0"/>
+              <a:t>					</a:t>
+            </a:r>
+            <a:r>
+              <a:rPr lang="en-US" b="1" dirty="0" err="1"/>
+              <a:t>Soluci</a:t>
+            </a:r>
+            <a:r>
+              <a:rPr lang="es-CO" b="1" dirty="0" err="1"/>
+              <a:t>ón</a:t>
+            </a:r>
+            <a:r>
+              <a:rPr lang="en-US" b="1" dirty="0"/>
+              <a:t>/</a:t>
+            </a:r>
+            <a:r>
+              <a:rPr lang="en-US" b="1" dirty="0" err="1"/>
+              <a:t>Comando</a:t>
+            </a:r>
+            <a:endParaRPr lang="en-US" b="1" dirty="0"/>
+          </a:p>
+          <a:p>
+            <a:pPr marL="514350" indent="-514350">
+              <a:buAutoNum type="alphaLcPeriod"/>
+            </a:pPr>
+            <a:r>
+              <a:rPr lang="es-CO" dirty="0"/>
+              <a:t>Cuántas palabras:			$ </a:t>
+            </a:r>
+            <a:r>
+              <a:rPr lang="es-CO" i="1" dirty="0" err="1"/>
+              <a:t>wc</a:t>
+            </a:r>
+            <a:r>
+              <a:rPr lang="es-CO" i="1" dirty="0"/>
+              <a:t> </a:t>
+            </a:r>
+            <a:r>
+              <a:rPr lang="en-US" i="1" dirty="0"/>
+              <a:t>–w </a:t>
+            </a:r>
+            <a:r>
+              <a:rPr lang="en-US" i="1" dirty="0" err="1"/>
+              <a:t>tuarchivodetexto</a:t>
+            </a:r>
+            <a:endParaRPr lang="es-CO" i="1" dirty="0"/>
+          </a:p>
+          <a:p>
+            <a:pPr marL="514350" indent="-514350">
+              <a:buAutoNum type="alphaLcPeriod"/>
+            </a:pPr>
+            <a:r>
+              <a:rPr lang="es-CO" dirty="0"/>
+              <a:t>Cuántas líneas de texto:		$ </a:t>
+            </a:r>
+            <a:r>
+              <a:rPr lang="es-CO" i="1" dirty="0" err="1"/>
+              <a:t>wc</a:t>
+            </a:r>
+            <a:r>
+              <a:rPr lang="es-CO" i="1" dirty="0"/>
+              <a:t> </a:t>
+            </a:r>
+            <a:r>
+              <a:rPr lang="en-US" i="1" dirty="0"/>
+              <a:t>–l </a:t>
+            </a:r>
+            <a:r>
+              <a:rPr lang="en-US" i="1" dirty="0" err="1"/>
+              <a:t>tuarchivodetexto</a:t>
+            </a:r>
+            <a:endParaRPr lang="es-CO" i="1" dirty="0"/>
+          </a:p>
+          <a:p>
+            <a:pPr marL="514350" indent="-514350">
+              <a:buAutoNum type="alphaLcPeriod"/>
+            </a:pPr>
+            <a:r>
+              <a:rPr lang="en-US" dirty="0" err="1"/>
+              <a:t>Cuántos</a:t>
+            </a:r>
+            <a:r>
+              <a:rPr lang="en-US" dirty="0"/>
+              <a:t> </a:t>
+            </a:r>
+            <a:r>
+              <a:rPr lang="en-US" dirty="0" err="1"/>
+              <a:t>caracteres</a:t>
+            </a:r>
+            <a:r>
+              <a:rPr lang="en-US" dirty="0"/>
+              <a:t>:		 	$ </a:t>
+            </a:r>
+            <a:r>
+              <a:rPr lang="es-CO" i="1" dirty="0" err="1"/>
+              <a:t>wc</a:t>
+            </a:r>
+            <a:r>
+              <a:rPr lang="es-CO" i="1" dirty="0"/>
+              <a:t> </a:t>
+            </a:r>
+            <a:r>
+              <a:rPr lang="en-US" i="1" dirty="0"/>
+              <a:t>–c </a:t>
+            </a:r>
+            <a:r>
+              <a:rPr lang="en-US" i="1" dirty="0" err="1"/>
+              <a:t>tuarchivodetexto</a:t>
+            </a:r>
+            <a:endParaRPr lang="es-CO" i="1" dirty="0"/>
+          </a:p>
+          <a:p>
+            <a:pPr marL="514350" indent="-514350">
+              <a:buAutoNum type="alphaLcPeriod"/>
+            </a:pPr>
             <a:endParaRPr lang="en-US" dirty="0"/>
           </a:p>
         </p:txBody>
@@ -8488,7 +8820,7 @@
     </p:spTree>
     <p:extLst>
       <p:ext uri="{BB962C8B-B14F-4D97-AF65-F5344CB8AC3E}">
-        <p14:creationId xmlns:p14="http://schemas.microsoft.com/office/powerpoint/2010/main" val="3754160743"/>
+        <p14:creationId xmlns:p14="http://schemas.microsoft.com/office/powerpoint/2010/main" val="4115543180"/>
       </p:ext>
     </p:extLst>
   </p:cSld>
@@ -8499,6 +8831,356 @@
 </file>
 
 <file path=ppt/slides/slide14.xml><?xml version="1.0" encoding="utf-8"?>
+<p:sld xmlns:a="http://schemas.openxmlformats.org/drawingml/2006/main" xmlns:r="http://schemas.openxmlformats.org/officeDocument/2006/relationships" xmlns:p="http://schemas.openxmlformats.org/presentationml/2006/main">
+  <p:cSld>
+    <p:bg>
+      <p:bgPr>
+        <a:solidFill>
+          <a:schemeClr val="bg1"/>
+        </a:solidFill>
+        <a:effectLst/>
+      </p:bgPr>
+    </p:bg>
+    <p:spTree>
+      <p:nvGrpSpPr>
+        <p:cNvPr id="1" name=""/>
+        <p:cNvGrpSpPr/>
+        <p:nvPr/>
+      </p:nvGrpSpPr>
+      <p:grpSpPr>
+        <a:xfrm>
+          <a:off x="0" y="0"/>
+          <a:ext cx="0" cy="0"/>
+          <a:chOff x="0" y="0"/>
+          <a:chExt cx="0" cy="0"/>
+        </a:xfrm>
+      </p:grpSpPr>
+      <p:cxnSp>
+        <p:nvCxnSpPr>
+          <p:cNvPr id="10" name="Straight Connector 9">
+            <a:extLst>
+              <a:ext uri="{FF2B5EF4-FFF2-40B4-BE49-F238E27FC236}">
+                <a16:creationId xmlns:a16="http://schemas.microsoft.com/office/drawing/2014/main" id="{D2E961F1-4A28-4A5F-BBD4-6E400E5E6C75}"/>
+              </a:ext>
+              <a:ext uri="{C183D7F6-B498-43B3-948B-1728B52AA6E4}">
+                <adec:decorative xmlns:adec="http://schemas.microsoft.com/office/drawing/2017/decorative" val="1"/>
+              </a:ext>
+            </a:extLst>
+          </p:cNvPr>
+          <p:cNvCxnSpPr>
+            <a:cxnSpLocks noGrp="1" noRot="1" noChangeAspect="1" noMove="1" noResize="1" noEditPoints="1" noAdjustHandles="1" noChangeArrowheads="1" noChangeShapeType="1"/>
+          </p:cNvCxnSpPr>
+          <p:nvPr>
+            <p:extLst>
+              <p:ext uri="{386F3935-93C4-4BCD-93E2-E3B085C9AB24}">
+                <p16:designElem xmlns:p16="http://schemas.microsoft.com/office/powerpoint/2015/main" val="1"/>
+              </p:ext>
+            </p:extLst>
+          </p:nvPr>
+        </p:nvCxnSpPr>
+        <p:spPr bwMode="white">
+          <a:xfrm>
+            <a:off x="0" y="272357"/>
+            <a:ext cx="12188824" cy="0"/>
+          </a:xfrm>
+          <a:prstGeom prst="line">
+            <a:avLst/>
+          </a:prstGeom>
+          <a:ln w="50800">
+            <a:solidFill>
+              <a:schemeClr val="tx1">
+                <a:lumMod val="75000"/>
+                <a:lumOff val="25000"/>
+              </a:schemeClr>
+            </a:solidFill>
+          </a:ln>
+        </p:spPr>
+        <p:style>
+          <a:lnRef idx="1">
+            <a:schemeClr val="accent1"/>
+          </a:lnRef>
+          <a:fillRef idx="0">
+            <a:schemeClr val="accent1"/>
+          </a:fillRef>
+          <a:effectRef idx="0">
+            <a:schemeClr val="accent1"/>
+          </a:effectRef>
+          <a:fontRef idx="minor">
+            <a:schemeClr val="tx1"/>
+          </a:fontRef>
+        </p:style>
+      </p:cxnSp>
+      <p:sp>
+        <p:nvSpPr>
+          <p:cNvPr id="12" name="Rectangle 11">
+            <a:extLst>
+              <a:ext uri="{FF2B5EF4-FFF2-40B4-BE49-F238E27FC236}">
+                <a16:creationId xmlns:a16="http://schemas.microsoft.com/office/drawing/2014/main" id="{7F57BEA8-497D-4AA8-8A18-BDCD696B25FE}"/>
+              </a:ext>
+              <a:ext uri="{C183D7F6-B498-43B3-948B-1728B52AA6E4}">
+                <adec:decorative xmlns:adec="http://schemas.microsoft.com/office/drawing/2017/decorative" val="1"/>
+              </a:ext>
+            </a:extLst>
+          </p:cNvPr>
+          <p:cNvSpPr>
+            <a:spLocks noGrp="1" noRot="1" noChangeAspect="1" noMove="1" noResize="1" noEditPoints="1" noAdjustHandles="1" noChangeArrowheads="1" noChangeShapeType="1" noTextEdit="1"/>
+          </p:cNvSpPr>
+          <p:nvPr>
+            <p:extLst>
+              <p:ext uri="{386F3935-93C4-4BCD-93E2-E3B085C9AB24}">
+                <p16:designElem xmlns:p16="http://schemas.microsoft.com/office/powerpoint/2015/main" val="1"/>
+              </p:ext>
+            </p:extLst>
+          </p:nvPr>
+        </p:nvSpPr>
+        <p:spPr>
+          <a:xfrm>
+            <a:off x="0" y="368596"/>
+            <a:ext cx="12192000" cy="1735555"/>
+          </a:xfrm>
+          <a:prstGeom prst="rect">
+            <a:avLst/>
+          </a:prstGeom>
+          <a:solidFill>
+            <a:schemeClr val="tx1">
+              <a:lumMod val="75000"/>
+              <a:lumOff val="25000"/>
+            </a:schemeClr>
+          </a:solidFill>
+          <a:ln>
+            <a:noFill/>
+          </a:ln>
+        </p:spPr>
+        <p:style>
+          <a:lnRef idx="2">
+            <a:schemeClr val="accent1">
+              <a:shade val="50000"/>
+            </a:schemeClr>
+          </a:lnRef>
+          <a:fillRef idx="1">
+            <a:schemeClr val="accent1"/>
+          </a:fillRef>
+          <a:effectRef idx="0">
+            <a:schemeClr val="accent1"/>
+          </a:effectRef>
+          <a:fontRef idx="minor">
+            <a:schemeClr val="lt1"/>
+          </a:fontRef>
+        </p:style>
+        <p:txBody>
+          <a:bodyPr rtlCol="0" anchor="ctr"/>
+          <a:lstStyle/>
+          <a:p>
+            <a:pPr algn="ctr"/>
+            <a:endParaRPr lang="en-US"/>
+          </a:p>
+        </p:txBody>
+      </p:sp>
+      <p:sp>
+        <p:nvSpPr>
+          <p:cNvPr id="2" name="Title 1">
+            <a:extLst>
+              <a:ext uri="{FF2B5EF4-FFF2-40B4-BE49-F238E27FC236}">
+                <a16:creationId xmlns:a16="http://schemas.microsoft.com/office/drawing/2014/main" id="{068BC1C6-A582-4F6C-BE9B-93F679F9C80D}"/>
+              </a:ext>
+            </a:extLst>
+          </p:cNvPr>
+          <p:cNvSpPr>
+            <a:spLocks noGrp="1"/>
+          </p:cNvSpPr>
+          <p:nvPr>
+            <p:ph type="title"/>
+          </p:nvPr>
+        </p:nvSpPr>
+        <p:spPr>
+          <a:xfrm>
+            <a:off x="526073" y="489439"/>
+            <a:ext cx="11139854" cy="930447"/>
+          </a:xfrm>
+        </p:spPr>
+        <p:txBody>
+          <a:bodyPr vert="horz" lIns="91440" tIns="45720" rIns="91440" bIns="45720" rtlCol="0" anchor="b">
+            <a:normAutofit/>
+          </a:bodyPr>
+          <a:lstStyle/>
+          <a:p>
+            <a:pPr algn="ctr"/>
+            <a:r>
+              <a:rPr lang="en-US" sz="5400" kern="1200" dirty="0" err="1">
+                <a:solidFill>
+                  <a:schemeClr val="bg1"/>
+                </a:solidFill>
+                <a:latin typeface="+mj-lt"/>
+                <a:ea typeface="+mj-ea"/>
+                <a:cs typeface="+mj-cs"/>
+              </a:rPr>
+              <a:t>Compilación</a:t>
+            </a:r>
+            <a:endParaRPr lang="en-US" sz="5400" kern="1200" dirty="0">
+              <a:solidFill>
+                <a:schemeClr val="bg1"/>
+              </a:solidFill>
+              <a:latin typeface="+mj-lt"/>
+              <a:ea typeface="+mj-ea"/>
+              <a:cs typeface="+mj-cs"/>
+            </a:endParaRPr>
+          </a:p>
+        </p:txBody>
+      </p:sp>
+      <p:cxnSp>
+        <p:nvCxnSpPr>
+          <p:cNvPr id="14" name="Straight Connector 13">
+            <a:extLst>
+              <a:ext uri="{FF2B5EF4-FFF2-40B4-BE49-F238E27FC236}">
+                <a16:creationId xmlns:a16="http://schemas.microsoft.com/office/drawing/2014/main" id="{A82415D3-DDE5-4D63-8CB3-23A5EC581B27}"/>
+              </a:ext>
+              <a:ext uri="{C183D7F6-B498-43B3-948B-1728B52AA6E4}">
+                <adec:decorative xmlns:adec="http://schemas.microsoft.com/office/drawing/2017/decorative" val="1"/>
+              </a:ext>
+            </a:extLst>
+          </p:cNvPr>
+          <p:cNvCxnSpPr>
+            <a:cxnSpLocks noGrp="1" noRot="1" noChangeAspect="1" noMove="1" noResize="1" noEditPoints="1" noAdjustHandles="1" noChangeArrowheads="1" noChangeShapeType="1"/>
+          </p:cNvCxnSpPr>
+          <p:nvPr>
+            <p:extLst>
+              <p:ext uri="{386F3935-93C4-4BCD-93E2-E3B085C9AB24}">
+                <p16:designElem xmlns:p16="http://schemas.microsoft.com/office/powerpoint/2015/main" val="1"/>
+              </p:ext>
+            </p:extLst>
+          </p:nvPr>
+        </p:nvCxnSpPr>
+        <p:spPr>
+          <a:xfrm>
+            <a:off x="4724400" y="1479733"/>
+            <a:ext cx="2743200" cy="0"/>
+          </a:xfrm>
+          <a:prstGeom prst="line">
+            <a:avLst/>
+          </a:prstGeom>
+          <a:ln w="19050">
+            <a:solidFill>
+              <a:schemeClr val="bg1">
+                <a:alpha val="75000"/>
+              </a:schemeClr>
+            </a:solidFill>
+          </a:ln>
+        </p:spPr>
+        <p:style>
+          <a:lnRef idx="1">
+            <a:schemeClr val="accent1"/>
+          </a:lnRef>
+          <a:fillRef idx="0">
+            <a:schemeClr val="accent1"/>
+          </a:fillRef>
+          <a:effectRef idx="0">
+            <a:schemeClr val="accent1"/>
+          </a:effectRef>
+          <a:fontRef idx="minor">
+            <a:schemeClr val="tx1"/>
+          </a:fontRef>
+        </p:style>
+      </p:cxnSp>
+      <p:cxnSp>
+        <p:nvCxnSpPr>
+          <p:cNvPr id="16" name="Straight Connector 15">
+            <a:extLst>
+              <a:ext uri="{FF2B5EF4-FFF2-40B4-BE49-F238E27FC236}">
+                <a16:creationId xmlns:a16="http://schemas.microsoft.com/office/drawing/2014/main" id="{AD7193FB-6AE6-4B3B-8F89-56B55DD63B4D}"/>
+              </a:ext>
+              <a:ext uri="{C183D7F6-B498-43B3-948B-1728B52AA6E4}">
+                <adec:decorative xmlns:adec="http://schemas.microsoft.com/office/drawing/2017/decorative" val="1"/>
+              </a:ext>
+            </a:extLst>
+          </p:cNvPr>
+          <p:cNvCxnSpPr>
+            <a:cxnSpLocks noGrp="1" noRot="1" noChangeAspect="1" noMove="1" noResize="1" noEditPoints="1" noAdjustHandles="1" noChangeArrowheads="1" noChangeShapeType="1"/>
+          </p:cNvCxnSpPr>
+          <p:nvPr>
+            <p:extLst>
+              <p:ext uri="{386F3935-93C4-4BCD-93E2-E3B085C9AB24}">
+                <p16:designElem xmlns:p16="http://schemas.microsoft.com/office/powerpoint/2015/main" val="1"/>
+              </p:ext>
+            </p:extLst>
+          </p:nvPr>
+        </p:nvCxnSpPr>
+        <p:spPr bwMode="white">
+          <a:xfrm>
+            <a:off x="0" y="2201402"/>
+            <a:ext cx="12188824" cy="0"/>
+          </a:xfrm>
+          <a:prstGeom prst="line">
+            <a:avLst/>
+          </a:prstGeom>
+          <a:ln w="50800">
+            <a:solidFill>
+              <a:schemeClr val="tx1">
+                <a:lumMod val="75000"/>
+                <a:lumOff val="25000"/>
+              </a:schemeClr>
+            </a:solidFill>
+          </a:ln>
+        </p:spPr>
+        <p:style>
+          <a:lnRef idx="1">
+            <a:schemeClr val="accent1"/>
+          </a:lnRef>
+          <a:fillRef idx="0">
+            <a:schemeClr val="accent1"/>
+          </a:fillRef>
+          <a:effectRef idx="0">
+            <a:schemeClr val="accent1"/>
+          </a:effectRef>
+          <a:fontRef idx="minor">
+            <a:schemeClr val="tx1"/>
+          </a:fontRef>
+        </p:style>
+      </p:cxnSp>
+      <p:pic>
+        <p:nvPicPr>
+          <p:cNvPr id="5" name="Content Placeholder 4" descr="Text&#10;&#10;Description automatically generated">
+            <a:extLst>
+              <a:ext uri="{FF2B5EF4-FFF2-40B4-BE49-F238E27FC236}">
+                <a16:creationId xmlns:a16="http://schemas.microsoft.com/office/drawing/2014/main" id="{A0D3F53F-E90A-42BA-A482-5CD08850CBCC}"/>
+              </a:ext>
+            </a:extLst>
+          </p:cNvPr>
+          <p:cNvPicPr>
+            <a:picLocks noGrp="1" noChangeAspect="1"/>
+          </p:cNvPicPr>
+          <p:nvPr>
+            <p:ph idx="1"/>
+          </p:nvPr>
+        </p:nvPicPr>
+        <p:blipFill rotWithShape="1">
+          <a:blip r:embed="rId2"/>
+          <a:srcRect b="12992"/>
+          <a:stretch/>
+        </p:blipFill>
+        <p:spPr>
+          <a:xfrm>
+            <a:off x="320040" y="3046740"/>
+            <a:ext cx="11496821" cy="2400748"/>
+          </a:xfrm>
+          <a:prstGeom prst="rect">
+            <a:avLst/>
+          </a:prstGeom>
+        </p:spPr>
+      </p:pic>
+    </p:spTree>
+    <p:extLst>
+      <p:ext uri="{BB962C8B-B14F-4D97-AF65-F5344CB8AC3E}">
+        <p14:creationId xmlns:p14="http://schemas.microsoft.com/office/powerpoint/2010/main" val="1474386875"/>
+      </p:ext>
+    </p:extLst>
+  </p:cSld>
+  <p:clrMapOvr>
+    <a:masterClrMapping/>
+  </p:clrMapOvr>
+</p:sld>
+</file>
+
+<file path=ppt/slides/slide15.xml><?xml version="1.0" encoding="utf-8"?>
 <p:sld xmlns:a="http://schemas.openxmlformats.org/drawingml/2006/main" xmlns:r="http://schemas.openxmlformats.org/officeDocument/2006/relationships" xmlns:p="http://schemas.openxmlformats.org/presentationml/2006/main">
   <p:cSld>
     <p:spTree>
@@ -8520,7 +9202,7 @@
           <p:cNvPr id="2" name="Title 1">
             <a:extLst>
               <a:ext uri="{FF2B5EF4-FFF2-40B4-BE49-F238E27FC236}">
-                <a16:creationId xmlns:a16="http://schemas.microsoft.com/office/drawing/2014/main" id="{67000551-428F-455C-9986-7996E8045924}"/>
+                <a16:creationId xmlns:a16="http://schemas.microsoft.com/office/drawing/2014/main" id="{20345E41-2BFD-4053-90DA-D8F0B61CA6C2}"/>
               </a:ext>
             </a:extLst>
           </p:cNvPr>
@@ -8536,11 +9218,12 @@
           <a:bodyPr/>
           <a:lstStyle/>
           <a:p>
-            <a:r>
-              <a:rPr lang="es-CO"/>
-              <a:t>Próxima clase</a:t>
-            </a:r>
-            <a:endParaRPr lang="en-US"/>
+            <a:pPr algn="ctr"/>
+            <a:r>
+              <a:rPr lang="es-CO" dirty="0"/>
+              <a:t>Práctica de Linux</a:t>
+            </a:r>
+            <a:endParaRPr lang="en-US" dirty="0"/>
           </a:p>
         </p:txBody>
       </p:sp>
@@ -8549,7 +9232,7 @@
           <p:cNvPr id="3" name="Content Placeholder 2">
             <a:extLst>
               <a:ext uri="{FF2B5EF4-FFF2-40B4-BE49-F238E27FC236}">
-                <a16:creationId xmlns:a16="http://schemas.microsoft.com/office/drawing/2014/main" id="{25BAC197-2375-47A3-8F08-72A1E0945046}"/>
+                <a16:creationId xmlns:a16="http://schemas.microsoft.com/office/drawing/2014/main" id="{0BA8C3D6-E811-4BD9-A615-01EF8F1527AD}"/>
               </a:ext>
             </a:extLst>
           </p:cNvPr>
@@ -8565,14 +9248,1858 @@
           <a:bodyPr/>
           <a:lstStyle/>
           <a:p>
-            <a:endParaRPr lang="en-US"/>
+            <a:pPr marL="0" indent="0">
+              <a:buNone/>
+            </a:pPr>
+            <a:r>
+              <a:rPr lang="en-US" dirty="0"/>
+              <a:t>0. </a:t>
+            </a:r>
+            <a:r>
+              <a:rPr lang="en-US" dirty="0" err="1"/>
+              <a:t>Manejar</a:t>
+            </a:r>
+            <a:r>
+              <a:rPr lang="en-US" dirty="0"/>
+              <a:t> </a:t>
+            </a:r>
+            <a:r>
+              <a:rPr lang="en-US" dirty="0" err="1"/>
+              <a:t>archivos</a:t>
+            </a:r>
+            <a:r>
+              <a:rPr lang="en-US" dirty="0"/>
+              <a:t> y </a:t>
+            </a:r>
+            <a:r>
+              <a:rPr lang="en-US" dirty="0" err="1"/>
+              <a:t>directorios</a:t>
+            </a:r>
+            <a:r>
+              <a:rPr lang="en-US" dirty="0"/>
+              <a:t> de </a:t>
+            </a:r>
+            <a:r>
+              <a:rPr lang="en-US" dirty="0" err="1"/>
+              <a:t>carpetas</a:t>
+            </a:r>
+            <a:endParaRPr lang="en-US" dirty="0"/>
+          </a:p>
+          <a:p>
+            <a:pPr marL="514350" indent="-514350">
+              <a:buFont typeface="+mj-lt"/>
+              <a:buAutoNum type="arabicPeriod"/>
+            </a:pPr>
+            <a:r>
+              <a:rPr lang="en-US" dirty="0" err="1"/>
+              <a:t>Contar</a:t>
+            </a:r>
+            <a:r>
+              <a:rPr lang="en-US" dirty="0"/>
+              <a:t> palabras de un </a:t>
+            </a:r>
+            <a:r>
+              <a:rPr lang="en-US" dirty="0" err="1"/>
+              <a:t>texto</a:t>
+            </a:r>
+            <a:endParaRPr lang="en-US" dirty="0"/>
+          </a:p>
+          <a:p>
+            <a:pPr marL="514350" indent="-514350">
+              <a:buAutoNum type="arabicPeriod"/>
+            </a:pPr>
+            <a:r>
+              <a:rPr lang="en-US" dirty="0" err="1">
+                <a:solidFill>
+                  <a:srgbClr val="FF0000"/>
+                </a:solidFill>
+              </a:rPr>
+              <a:t>Clasificación</a:t>
+            </a:r>
+            <a:r>
+              <a:rPr lang="en-US" dirty="0">
+                <a:solidFill>
+                  <a:srgbClr val="FF0000"/>
+                </a:solidFill>
+              </a:rPr>
+              <a:t> de palabras </a:t>
+            </a:r>
+          </a:p>
+          <a:p>
+            <a:pPr marL="514350" indent="-514350">
+              <a:buAutoNum type="arabicPeriod"/>
+            </a:pPr>
+            <a:r>
+              <a:rPr lang="en-US" dirty="0" err="1"/>
+              <a:t>Filtrar</a:t>
+            </a:r>
+            <a:r>
+              <a:rPr lang="en-US" dirty="0"/>
+              <a:t> </a:t>
+            </a:r>
+            <a:r>
+              <a:rPr lang="en-US" dirty="0" err="1"/>
+              <a:t>concordancias</a:t>
+            </a:r>
+            <a:r>
+              <a:rPr lang="en-US" dirty="0"/>
+              <a:t> de palabras</a:t>
+            </a:r>
+          </a:p>
+          <a:p>
+            <a:endParaRPr lang="en-US" dirty="0"/>
           </a:p>
         </p:txBody>
       </p:sp>
     </p:spTree>
     <p:extLst>
       <p:ext uri="{BB962C8B-B14F-4D97-AF65-F5344CB8AC3E}">
-        <p14:creationId xmlns:p14="http://schemas.microsoft.com/office/powerpoint/2010/main" val="4254646389"/>
+        <p14:creationId xmlns:p14="http://schemas.microsoft.com/office/powerpoint/2010/main" val="2733910831"/>
+      </p:ext>
+    </p:extLst>
+  </p:cSld>
+  <p:clrMapOvr>
+    <a:masterClrMapping/>
+  </p:clrMapOvr>
+</p:sld>
+</file>
+
+<file path=ppt/slides/slide16.xml><?xml version="1.0" encoding="utf-8"?>
+<p:sld xmlns:a="http://schemas.openxmlformats.org/drawingml/2006/main" xmlns:r="http://schemas.openxmlformats.org/officeDocument/2006/relationships" xmlns:p="http://schemas.openxmlformats.org/presentationml/2006/main">
+  <p:cSld>
+    <p:spTree>
+      <p:nvGrpSpPr>
+        <p:cNvPr id="1" name=""/>
+        <p:cNvGrpSpPr/>
+        <p:nvPr/>
+      </p:nvGrpSpPr>
+      <p:grpSpPr>
+        <a:xfrm>
+          <a:off x="0" y="0"/>
+          <a:ext cx="0" cy="0"/>
+          <a:chOff x="0" y="0"/>
+          <a:chExt cx="0" cy="0"/>
+        </a:xfrm>
+      </p:grpSpPr>
+      <p:sp>
+        <p:nvSpPr>
+          <p:cNvPr id="2" name="Title 1">
+            <a:extLst>
+              <a:ext uri="{FF2B5EF4-FFF2-40B4-BE49-F238E27FC236}">
+                <a16:creationId xmlns:a16="http://schemas.microsoft.com/office/drawing/2014/main" id="{ABE36089-03E8-4E86-B836-2BCED2B635E2}"/>
+              </a:ext>
+            </a:extLst>
+          </p:cNvPr>
+          <p:cNvSpPr>
+            <a:spLocks noGrp="1"/>
+          </p:cNvSpPr>
+          <p:nvPr>
+            <p:ph type="title"/>
+          </p:nvPr>
+        </p:nvSpPr>
+        <p:spPr/>
+        <p:txBody>
+          <a:bodyPr/>
+          <a:lstStyle/>
+          <a:p>
+            <a:r>
+              <a:rPr lang="es-CO" dirty="0"/>
+              <a:t>2. Clasificación de palabras</a:t>
+            </a:r>
+            <a:endParaRPr lang="en-US" dirty="0"/>
+          </a:p>
+        </p:txBody>
+      </p:sp>
+      <p:sp>
+        <p:nvSpPr>
+          <p:cNvPr id="3" name="Content Placeholder 2">
+            <a:extLst>
+              <a:ext uri="{FF2B5EF4-FFF2-40B4-BE49-F238E27FC236}">
+                <a16:creationId xmlns:a16="http://schemas.microsoft.com/office/drawing/2014/main" id="{6EB0B3A7-80AC-4E6D-B0A9-1CBA5C5E7E3E}"/>
+              </a:ext>
+            </a:extLst>
+          </p:cNvPr>
+          <p:cNvSpPr>
+            <a:spLocks noGrp="1"/>
+          </p:cNvSpPr>
+          <p:nvPr>
+            <p:ph idx="1"/>
+          </p:nvPr>
+        </p:nvSpPr>
+        <p:spPr>
+          <a:xfrm>
+            <a:off x="587829" y="1436914"/>
+            <a:ext cx="10765971" cy="4849586"/>
+          </a:xfrm>
+        </p:spPr>
+        <p:txBody>
+          <a:bodyPr>
+            <a:normAutofit/>
+          </a:bodyPr>
+          <a:lstStyle/>
+          <a:p>
+            <a:pPr marL="0" indent="0">
+              <a:buNone/>
+            </a:pPr>
+            <a:r>
+              <a:rPr lang="en-US" dirty="0" err="1"/>
+              <a:t>Contexto</a:t>
+            </a:r>
+            <a:r>
+              <a:rPr lang="en-US" dirty="0"/>
+              <a:t>: </a:t>
+            </a:r>
+            <a:r>
+              <a:rPr lang="es-CO" dirty="0"/>
+              <a:t>Ahora digamos que te interesa tener una lista de palabras del texto y saber la frecuencia léxica. Así sabrías cuáles palabras son las más frecuentes en las composiciones de estos estudiantes.</a:t>
+            </a:r>
+          </a:p>
+          <a:p>
+            <a:pPr marL="0" indent="0" algn="ctr">
+              <a:buNone/>
+            </a:pPr>
+            <a:r>
+              <a:rPr lang="es-CO" dirty="0"/>
+              <a:t>Sintaxis: $ </a:t>
+            </a:r>
+            <a:r>
+              <a:rPr lang="es-CO" b="1" i="1" dirty="0"/>
+              <a:t>comando </a:t>
+            </a:r>
+            <a:r>
+              <a:rPr lang="en-US" b="1" i="1" dirty="0"/>
+              <a:t>+ </a:t>
+            </a:r>
+            <a:r>
+              <a:rPr lang="en-US" b="1" i="1" dirty="0" err="1"/>
+              <a:t>filtro</a:t>
+            </a:r>
+            <a:r>
+              <a:rPr lang="en-US" b="1" i="1" dirty="0"/>
+              <a:t> + &lt; + </a:t>
+            </a:r>
+            <a:r>
+              <a:rPr lang="en-US" b="1" i="1" dirty="0" err="1"/>
+              <a:t>archivo</a:t>
+            </a:r>
+            <a:r>
+              <a:rPr lang="en-US" b="1" i="1" dirty="0"/>
+              <a:t> de </a:t>
+            </a:r>
+            <a:r>
+              <a:rPr lang="en-US" b="1" i="1" dirty="0" err="1"/>
+              <a:t>texto</a:t>
+            </a:r>
+            <a:endParaRPr lang="en-US" b="1" i="1" dirty="0"/>
+          </a:p>
+          <a:p>
+            <a:pPr marL="0" indent="0">
+              <a:buNone/>
+            </a:pPr>
+            <a:endParaRPr lang="en-US" dirty="0"/>
+          </a:p>
+          <a:p>
+            <a:pPr marL="0" indent="0">
+              <a:buNone/>
+            </a:pPr>
+            <a:r>
+              <a:rPr lang="en-US" dirty="0"/>
+              <a:t>El </a:t>
+            </a:r>
+            <a:r>
+              <a:rPr lang="en-US" dirty="0" err="1"/>
+              <a:t>comando</a:t>
+            </a:r>
+            <a:r>
+              <a:rPr lang="en-US" dirty="0"/>
+              <a:t> </a:t>
+            </a:r>
+            <a:r>
+              <a:rPr lang="en-US" i="1" dirty="0"/>
+              <a:t>sed</a:t>
+            </a:r>
+          </a:p>
+          <a:p>
+            <a:pPr>
+              <a:buFontTx/>
+              <a:buChar char="-"/>
+            </a:pPr>
+            <a:r>
+              <a:rPr lang="en-US" dirty="0" err="1"/>
+              <a:t>Comando</a:t>
+            </a:r>
+            <a:r>
+              <a:rPr lang="en-US" dirty="0"/>
+              <a:t> de </a:t>
+            </a:r>
+            <a:r>
+              <a:rPr lang="en-US" dirty="0" err="1"/>
+              <a:t>edici</a:t>
+            </a:r>
+            <a:r>
+              <a:rPr lang="es-CO" dirty="0" err="1"/>
+              <a:t>ón</a:t>
+            </a:r>
+            <a:r>
+              <a:rPr lang="es-CO" dirty="0"/>
+              <a:t> de Linux</a:t>
+            </a:r>
+          </a:p>
+          <a:p>
+            <a:pPr>
+              <a:buFontTx/>
+              <a:buChar char="-"/>
+            </a:pPr>
+            <a:r>
+              <a:rPr lang="es-CO" dirty="0"/>
+              <a:t>Puede realizar muchas funciones de procesamiento:</a:t>
+            </a:r>
+          </a:p>
+          <a:p>
+            <a:pPr lvl="1">
+              <a:buFontTx/>
+              <a:buChar char="-"/>
+            </a:pPr>
+            <a:r>
+              <a:rPr lang="es-CO" dirty="0"/>
+              <a:t>Buscar, filtrar, borrar, buscar, insertar, </a:t>
+            </a:r>
+            <a:r>
+              <a:rPr lang="es-CO" dirty="0" err="1"/>
+              <a:t>etc</a:t>
+            </a:r>
+            <a:r>
+              <a:rPr lang="es-CO" dirty="0"/>
+              <a:t>…</a:t>
+            </a:r>
+          </a:p>
+          <a:p>
+            <a:pPr>
+              <a:buFontTx/>
+              <a:buChar char="-"/>
+            </a:pPr>
+            <a:endParaRPr lang="es-CO" dirty="0"/>
+          </a:p>
+          <a:p>
+            <a:pPr>
+              <a:buFontTx/>
+              <a:buChar char="-"/>
+            </a:pPr>
+            <a:endParaRPr lang="en-US" dirty="0"/>
+          </a:p>
+        </p:txBody>
+      </p:sp>
+    </p:spTree>
+    <p:extLst>
+      <p:ext uri="{BB962C8B-B14F-4D97-AF65-F5344CB8AC3E}">
+        <p14:creationId xmlns:p14="http://schemas.microsoft.com/office/powerpoint/2010/main" val="4048559060"/>
+      </p:ext>
+    </p:extLst>
+  </p:cSld>
+  <p:clrMapOvr>
+    <a:masterClrMapping/>
+  </p:clrMapOvr>
+</p:sld>
+</file>
+
+<file path=ppt/slides/slide17.xml><?xml version="1.0" encoding="utf-8"?>
+<p:sld xmlns:a="http://schemas.openxmlformats.org/drawingml/2006/main" xmlns:r="http://schemas.openxmlformats.org/officeDocument/2006/relationships" xmlns:p="http://schemas.openxmlformats.org/presentationml/2006/main">
+  <p:cSld>
+    <p:spTree>
+      <p:nvGrpSpPr>
+        <p:cNvPr id="1" name=""/>
+        <p:cNvGrpSpPr/>
+        <p:nvPr/>
+      </p:nvGrpSpPr>
+      <p:grpSpPr>
+        <a:xfrm>
+          <a:off x="0" y="0"/>
+          <a:ext cx="0" cy="0"/>
+          <a:chOff x="0" y="0"/>
+          <a:chExt cx="0" cy="0"/>
+        </a:xfrm>
+      </p:grpSpPr>
+      <p:sp>
+        <p:nvSpPr>
+          <p:cNvPr id="2" name="Title 1">
+            <a:extLst>
+              <a:ext uri="{FF2B5EF4-FFF2-40B4-BE49-F238E27FC236}">
+                <a16:creationId xmlns:a16="http://schemas.microsoft.com/office/drawing/2014/main" id="{60CC2277-56D4-48F9-AA45-B8AB48C45CEF}"/>
+              </a:ext>
+            </a:extLst>
+          </p:cNvPr>
+          <p:cNvSpPr>
+            <a:spLocks noGrp="1"/>
+          </p:cNvSpPr>
+          <p:nvPr>
+            <p:ph type="title"/>
+          </p:nvPr>
+        </p:nvSpPr>
+        <p:spPr/>
+        <p:txBody>
+          <a:bodyPr/>
+          <a:lstStyle/>
+          <a:p>
+            <a:r>
+              <a:rPr lang="es-CO" dirty="0"/>
+              <a:t>2. Clasificación de palabras</a:t>
+            </a:r>
+            <a:endParaRPr lang="en-US" dirty="0"/>
+          </a:p>
+        </p:txBody>
+      </p:sp>
+      <p:sp>
+        <p:nvSpPr>
+          <p:cNvPr id="3" name="Content Placeholder 2">
+            <a:extLst>
+              <a:ext uri="{FF2B5EF4-FFF2-40B4-BE49-F238E27FC236}">
+                <a16:creationId xmlns:a16="http://schemas.microsoft.com/office/drawing/2014/main" id="{8E922BDC-0B15-4EF3-B8C2-951C4CB950CF}"/>
+              </a:ext>
+            </a:extLst>
+          </p:cNvPr>
+          <p:cNvSpPr>
+            <a:spLocks noGrp="1"/>
+          </p:cNvSpPr>
+          <p:nvPr>
+            <p:ph idx="1"/>
+          </p:nvPr>
+        </p:nvSpPr>
+        <p:spPr>
+          <a:xfrm>
+            <a:off x="838200" y="1518557"/>
+            <a:ext cx="10515600" cy="4974318"/>
+          </a:xfrm>
+        </p:spPr>
+        <p:txBody>
+          <a:bodyPr>
+            <a:normAutofit fontScale="92500" lnSpcReduction="10000"/>
+          </a:bodyPr>
+          <a:lstStyle/>
+          <a:p>
+            <a:pPr marL="0" indent="0">
+              <a:buNone/>
+            </a:pPr>
+            <a:r>
+              <a:rPr lang="es-CO" dirty="0"/>
+              <a:t>Primero veamos el texto:</a:t>
+            </a:r>
+          </a:p>
+          <a:p>
+            <a:pPr marL="0" indent="0">
+              <a:buNone/>
+            </a:pPr>
+            <a:r>
+              <a:rPr lang="es-CO" dirty="0"/>
+              <a:t>$ </a:t>
+            </a:r>
+            <a:r>
+              <a:rPr lang="es-CO" i="1" dirty="0" err="1"/>
+              <a:t>cat</a:t>
+            </a:r>
+            <a:r>
+              <a:rPr lang="es-CO" i="1" dirty="0"/>
+              <a:t> </a:t>
+            </a:r>
+            <a:r>
+              <a:rPr lang="en-US" i="1" dirty="0" err="1"/>
+              <a:t>tuarchivodetexto</a:t>
+            </a:r>
+            <a:endParaRPr lang="es-CO" i="1" dirty="0"/>
+          </a:p>
+          <a:p>
+            <a:pPr marL="0" indent="0">
+              <a:buNone/>
+            </a:pPr>
+            <a:endParaRPr lang="es-CO" dirty="0"/>
+          </a:p>
+          <a:p>
+            <a:pPr marL="0" indent="0">
+              <a:buNone/>
+            </a:pPr>
+            <a:r>
+              <a:rPr lang="es-CO" dirty="0"/>
+              <a:t>Ahora, hagamos una lista de palabras con </a:t>
+            </a:r>
+            <a:r>
+              <a:rPr lang="es-CO" i="1" dirty="0"/>
+              <a:t>sed</a:t>
+            </a:r>
+            <a:r>
+              <a:rPr lang="es-CO" dirty="0"/>
+              <a:t>. Aquí vamos a realizar esto con una opción predeterminada de </a:t>
+            </a:r>
+            <a:r>
+              <a:rPr lang="es-CO" i="1" dirty="0"/>
+              <a:t>sed </a:t>
+            </a:r>
+            <a:r>
+              <a:rPr lang="es-CO" dirty="0"/>
+              <a:t>que realiza el cambio en cada línea de texto: </a:t>
+            </a:r>
+            <a:r>
+              <a:rPr lang="en-US" dirty="0"/>
+              <a:t>'s/[      ]\+/\n/g'</a:t>
+            </a:r>
+            <a:r>
+              <a:rPr lang="es-CO" dirty="0"/>
+              <a:t> </a:t>
+            </a:r>
+          </a:p>
+          <a:p>
+            <a:pPr marL="0" indent="0">
+              <a:buNone/>
+            </a:pPr>
+            <a:r>
+              <a:rPr lang="es-CO" dirty="0"/>
+              <a:t>Entre los corchetes </a:t>
+            </a:r>
+            <a:r>
+              <a:rPr lang="en-US" dirty="0"/>
+              <a:t>[] </a:t>
+            </a:r>
+            <a:r>
+              <a:rPr lang="en-US" dirty="0" err="1"/>
+              <a:t>vamos</a:t>
+            </a:r>
+            <a:r>
+              <a:rPr lang="en-US" dirty="0"/>
+              <a:t> a </a:t>
+            </a:r>
+            <a:r>
+              <a:rPr lang="en-US" dirty="0" err="1"/>
+              <a:t>poner</a:t>
+            </a:r>
+            <a:r>
+              <a:rPr lang="en-US" dirty="0"/>
+              <a:t> lo que </a:t>
+            </a:r>
+            <a:r>
+              <a:rPr lang="en-US" dirty="0" err="1"/>
+              <a:t>queremos</a:t>
+            </a:r>
+            <a:r>
+              <a:rPr lang="en-US" dirty="0"/>
+              <a:t> que </a:t>
+            </a:r>
+            <a:r>
+              <a:rPr lang="en-US" dirty="0" err="1"/>
+              <a:t>haga</a:t>
+            </a:r>
+            <a:r>
+              <a:rPr lang="en-US" dirty="0"/>
+              <a:t>. </a:t>
+            </a:r>
+            <a:r>
+              <a:rPr lang="en-US" dirty="0" err="1"/>
+              <a:t>En</a:t>
+            </a:r>
+            <a:r>
+              <a:rPr lang="en-US" dirty="0"/>
+              <a:t> </a:t>
+            </a:r>
+            <a:r>
+              <a:rPr lang="en-US" dirty="0" err="1"/>
+              <a:t>este</a:t>
+            </a:r>
+            <a:r>
+              <a:rPr lang="en-US" dirty="0"/>
+              <a:t> </a:t>
+            </a:r>
+            <a:r>
+              <a:rPr lang="en-US" dirty="0" err="1"/>
+              <a:t>caso</a:t>
+            </a:r>
+            <a:r>
+              <a:rPr lang="en-US" dirty="0"/>
+              <a:t>, </a:t>
+            </a:r>
+            <a:r>
+              <a:rPr lang="en-US" dirty="0" err="1"/>
+              <a:t>queremos</a:t>
+            </a:r>
+            <a:r>
+              <a:rPr lang="en-US" dirty="0"/>
+              <a:t> que </a:t>
+            </a:r>
+            <a:r>
+              <a:rPr lang="en-US" dirty="0" err="1"/>
+              <a:t>encuentre</a:t>
+            </a:r>
+            <a:r>
+              <a:rPr lang="en-US" dirty="0"/>
+              <a:t> palabras que </a:t>
+            </a:r>
+            <a:r>
+              <a:rPr lang="en-US" dirty="0" err="1"/>
+              <a:t>empiecen</a:t>
+            </a:r>
+            <a:r>
+              <a:rPr lang="en-US" dirty="0"/>
+              <a:t> con </a:t>
+            </a:r>
+            <a:r>
+              <a:rPr lang="en-US" dirty="0" err="1"/>
+              <a:t>el</a:t>
+            </a:r>
+            <a:r>
+              <a:rPr lang="en-US" dirty="0"/>
+              <a:t> </a:t>
+            </a:r>
+            <a:r>
+              <a:rPr lang="en-US" dirty="0" err="1"/>
+              <a:t>alfabeto</a:t>
+            </a:r>
+            <a:r>
+              <a:rPr lang="en-US" dirty="0"/>
+              <a:t> </a:t>
+            </a:r>
+            <a:r>
+              <a:rPr lang="en-US" dirty="0" err="1"/>
+              <a:t>latino</a:t>
+            </a:r>
+            <a:r>
+              <a:rPr lang="en-US" dirty="0"/>
+              <a:t>. </a:t>
+            </a:r>
+            <a:r>
+              <a:rPr lang="en-US" dirty="0" err="1"/>
+              <a:t>Incluyendo</a:t>
+            </a:r>
+            <a:r>
+              <a:rPr lang="en-US" dirty="0"/>
+              <a:t> palabras </a:t>
+            </a:r>
+            <a:r>
+              <a:rPr lang="en-US" dirty="0" err="1"/>
+              <a:t>en</a:t>
+            </a:r>
+            <a:r>
+              <a:rPr lang="en-US" dirty="0"/>
+              <a:t> min</a:t>
+            </a:r>
+            <a:r>
+              <a:rPr lang="es-CO" dirty="0" err="1"/>
+              <a:t>úscula</a:t>
+            </a:r>
+            <a:r>
+              <a:rPr lang="es-CO" dirty="0"/>
+              <a:t> y mayúscula. Así:</a:t>
+            </a:r>
+          </a:p>
+          <a:p>
+            <a:pPr marL="0" indent="0">
+              <a:buNone/>
+            </a:pPr>
+            <a:r>
+              <a:rPr lang="es-CO" dirty="0"/>
+              <a:t>[</a:t>
+            </a:r>
+            <a:r>
+              <a:rPr kumimoji="0" lang="en-US" altLang="en-US" sz="2800" b="0" i="0" u="none" strike="noStrike" cap="none" normalizeH="0" baseline="0" dirty="0">
+                <a:ln>
+                  <a:noFill/>
+                </a:ln>
+                <a:solidFill>
+                  <a:srgbClr val="000000"/>
+                </a:solidFill>
+                <a:effectLst/>
+                <a:latin typeface="Arial Unicode MS"/>
+              </a:rPr>
+              <a:t>^a-</a:t>
+            </a:r>
+            <a:r>
+              <a:rPr kumimoji="0" lang="en-US" altLang="en-US" sz="2800" b="0" i="0" u="none" strike="noStrike" cap="none" normalizeH="0" baseline="0" dirty="0" err="1">
+                <a:ln>
+                  <a:noFill/>
+                </a:ln>
+                <a:solidFill>
+                  <a:srgbClr val="000000"/>
+                </a:solidFill>
+                <a:effectLst/>
+                <a:latin typeface="Arial Unicode MS"/>
+              </a:rPr>
+              <a:t>zA</a:t>
+            </a:r>
+            <a:r>
+              <a:rPr kumimoji="0" lang="en-US" altLang="en-US" sz="2800" b="0" i="0" u="none" strike="noStrike" cap="none" normalizeH="0" baseline="0" dirty="0">
+                <a:ln>
+                  <a:noFill/>
+                </a:ln>
+                <a:solidFill>
+                  <a:srgbClr val="000000"/>
+                </a:solidFill>
+                <a:effectLst/>
+                <a:latin typeface="Arial Unicode MS"/>
+              </a:rPr>
+              <a:t>-Z</a:t>
+            </a:r>
+            <a:r>
+              <a:rPr lang="es-CO" dirty="0"/>
+              <a:t>]</a:t>
+            </a:r>
+          </a:p>
+          <a:p>
+            <a:pPr marL="0" indent="0" algn="ctr">
+              <a:buNone/>
+            </a:pPr>
+            <a:r>
+              <a:rPr lang="es-CO" dirty="0"/>
+              <a:t>Sintaxis: $ </a:t>
+            </a:r>
+            <a:r>
+              <a:rPr lang="es-CO" b="1" i="1" dirty="0"/>
+              <a:t>comando </a:t>
+            </a:r>
+            <a:r>
+              <a:rPr lang="en-US" b="1" i="1" dirty="0"/>
+              <a:t>+ </a:t>
+            </a:r>
+            <a:r>
+              <a:rPr lang="en-US" b="1" i="1" dirty="0" err="1"/>
+              <a:t>opciones</a:t>
+            </a:r>
+            <a:r>
+              <a:rPr lang="en-US" b="1" i="1" dirty="0"/>
+              <a:t> + &lt; (feed) + </a:t>
+            </a:r>
+            <a:r>
+              <a:rPr lang="en-US" b="1" i="1" dirty="0" err="1"/>
+              <a:t>archivo</a:t>
+            </a:r>
+            <a:r>
+              <a:rPr lang="en-US" b="1" i="1" dirty="0"/>
+              <a:t> de </a:t>
+            </a:r>
+            <a:r>
+              <a:rPr lang="en-US" b="1" i="1" dirty="0" err="1"/>
+              <a:t>texto</a:t>
+            </a:r>
+            <a:endParaRPr lang="en-US" b="1" i="1" dirty="0"/>
+          </a:p>
+          <a:p>
+            <a:pPr marL="0" indent="0">
+              <a:buNone/>
+            </a:pPr>
+            <a:r>
+              <a:rPr lang="es-CO" dirty="0"/>
+              <a:t>$ </a:t>
+            </a:r>
+            <a:r>
+              <a:rPr lang="es-CO" i="1" dirty="0"/>
+              <a:t>sed </a:t>
+            </a:r>
+            <a:r>
+              <a:rPr lang="en-US" dirty="0"/>
+              <a:t>'s/[^a-</a:t>
+            </a:r>
+            <a:r>
+              <a:rPr lang="en-US" dirty="0" err="1"/>
+              <a:t>zA</a:t>
+            </a:r>
+            <a:r>
+              <a:rPr lang="en-US" dirty="0"/>
+              <a:t>-Z]\+/\n/g'</a:t>
+            </a:r>
+            <a:r>
+              <a:rPr lang="es-CO" dirty="0"/>
+              <a:t> </a:t>
+            </a:r>
+            <a:r>
+              <a:rPr lang="en-US" i="1" dirty="0"/>
+              <a:t> &lt; </a:t>
+            </a:r>
+            <a:r>
+              <a:rPr lang="en-US" i="1" dirty="0" err="1"/>
+              <a:t>tuarchivodetexto</a:t>
+            </a:r>
+            <a:endParaRPr lang="es-CO" i="1" dirty="0"/>
+          </a:p>
+          <a:p>
+            <a:pPr marL="0" indent="0" algn="ctr">
+              <a:buNone/>
+            </a:pPr>
+            <a:endParaRPr lang="en-US" b="1" i="1" dirty="0"/>
+          </a:p>
+          <a:p>
+            <a:pPr marL="0" indent="0">
+              <a:buNone/>
+            </a:pPr>
+            <a:endParaRPr lang="en-US" dirty="0"/>
+          </a:p>
+          <a:p>
+            <a:pPr marL="0" indent="0">
+              <a:buNone/>
+            </a:pPr>
+            <a:endParaRPr lang="en-US" dirty="0"/>
+          </a:p>
+        </p:txBody>
+      </p:sp>
+      <p:sp>
+        <p:nvSpPr>
+          <p:cNvPr id="9" name="Rectangle 4">
+            <a:extLst>
+              <a:ext uri="{FF2B5EF4-FFF2-40B4-BE49-F238E27FC236}">
+                <a16:creationId xmlns:a16="http://schemas.microsoft.com/office/drawing/2014/main" id="{717EDB9F-19A6-45F6-8E24-1712024CE73A}"/>
+              </a:ext>
+            </a:extLst>
+          </p:cNvPr>
+          <p:cNvSpPr>
+            <a:spLocks noChangeArrowheads="1"/>
+          </p:cNvSpPr>
+          <p:nvPr/>
+        </p:nvSpPr>
+        <p:spPr bwMode="auto">
+          <a:xfrm>
+            <a:off x="0" y="0"/>
+            <a:ext cx="12192000" cy="457200"/>
+          </a:xfrm>
+          <a:prstGeom prst="rect">
+            <a:avLst/>
+          </a:prstGeom>
+          <a:noFill/>
+          <a:ln>
+            <a:noFill/>
+          </a:ln>
+          <a:effectLst/>
+          <a:extLst>
+            <a:ext uri="{909E8E84-426E-40DD-AFC4-6F175D3DCCD1}">
+              <a14:hiddenFill xmlns:a14="http://schemas.microsoft.com/office/drawing/2010/main">
+                <a:solidFill>
+                  <a:schemeClr val="accent1"/>
+                </a:solidFill>
+              </a14:hiddenFill>
+            </a:ext>
+            <a:ext uri="{91240B29-F687-4F45-9708-019B960494DF}">
+              <a14:hiddenLine xmlns:a14="http://schemas.microsoft.com/office/drawing/2010/main" w="9525">
+                <a:solidFill>
+                  <a:schemeClr val="tx1"/>
+                </a:solidFill>
+                <a:miter lim="800000"/>
+                <a:headEnd/>
+                <a:tailEnd/>
+              </a14:hiddenLine>
+            </a:ext>
+            <a:ext uri="{AF507438-7753-43E0-B8FC-AC1667EBCBE1}">
+              <a14:hiddenEffects xmlns:a14="http://schemas.microsoft.com/office/drawing/2010/main">
+                <a:effectLst>
+                  <a:outerShdw dist="35921" dir="2700000" algn="ctr" rotWithShape="0">
+                    <a:schemeClr val="bg2"/>
+                  </a:outerShdw>
+                </a:effectLst>
+              </a14:hiddenEffects>
+            </a:ext>
+          </a:extLst>
+        </p:spPr>
+        <p:txBody>
+          <a:bodyPr vert="horz" wrap="none" lIns="91440" tIns="45720" rIns="91440" bIns="45720" numCol="1" anchor="ctr" anchorCtr="0" compatLnSpc="1">
+            <a:prstTxWarp prst="textNoShape">
+              <a:avLst/>
+            </a:prstTxWarp>
+            <a:spAutoFit/>
+          </a:bodyPr>
+          <a:lstStyle/>
+          <a:p>
+            <a:pPr marL="0" marR="0" lvl="0" indent="0" algn="l" defTabSz="914400" rtl="0" eaLnBrk="0" fontAlgn="base" latinLnBrk="0" hangingPunct="0">
+              <a:lnSpc>
+                <a:spcPct val="100000"/>
+              </a:lnSpc>
+              <a:spcBef>
+                <a:spcPct val="0"/>
+              </a:spcBef>
+              <a:spcAft>
+                <a:spcPct val="0"/>
+              </a:spcAft>
+              <a:buClrTx/>
+              <a:buSzTx/>
+              <a:buFontTx/>
+              <a:buNone/>
+              <a:tabLst/>
+            </a:pPr>
+            <a:r>
+              <a:rPr kumimoji="0" lang="en-US" altLang="en-US" sz="1000" b="0" i="0" u="none" strike="noStrike" cap="none" normalizeH="0" baseline="0" dirty="0">
+                <a:ln>
+                  <a:noFill/>
+                </a:ln>
+                <a:solidFill>
+                  <a:srgbClr val="000000"/>
+                </a:solidFill>
+                <a:effectLst/>
+                <a:latin typeface="Arial Unicode MS"/>
+              </a:rPr>
+              <a:t>^</a:t>
+            </a:r>
+            <a:r>
+              <a:rPr kumimoji="0" lang="en-US" altLang="en-US" sz="800" b="0" i="0" u="none" strike="noStrike" cap="none" normalizeH="0" baseline="0" dirty="0">
+                <a:ln>
+                  <a:noFill/>
+                </a:ln>
+                <a:solidFill>
+                  <a:schemeClr val="tx1"/>
+                </a:solidFill>
+                <a:effectLst/>
+              </a:rPr>
+              <a:t> </a:t>
+            </a:r>
+            <a:endParaRPr kumimoji="0" lang="en-US" altLang="en-US" sz="1800" b="0" i="0" u="none" strike="noStrike" cap="none" normalizeH="0" baseline="0" dirty="0">
+              <a:ln>
+                <a:noFill/>
+              </a:ln>
+              <a:solidFill>
+                <a:schemeClr val="tx1"/>
+              </a:solidFill>
+              <a:effectLst/>
+              <a:latin typeface="Arial" panose="020B0604020202020204" pitchFamily="34" charset="0"/>
+            </a:endParaRPr>
+          </a:p>
+        </p:txBody>
+      </p:sp>
+    </p:spTree>
+    <p:extLst>
+      <p:ext uri="{BB962C8B-B14F-4D97-AF65-F5344CB8AC3E}">
+        <p14:creationId xmlns:p14="http://schemas.microsoft.com/office/powerpoint/2010/main" val="983683832"/>
+      </p:ext>
+    </p:extLst>
+  </p:cSld>
+  <p:clrMapOvr>
+    <a:masterClrMapping/>
+  </p:clrMapOvr>
+</p:sld>
+</file>
+
+<file path=ppt/slides/slide18.xml><?xml version="1.0" encoding="utf-8"?>
+<p:sld xmlns:a="http://schemas.openxmlformats.org/drawingml/2006/main" xmlns:r="http://schemas.openxmlformats.org/officeDocument/2006/relationships" xmlns:p="http://schemas.openxmlformats.org/presentationml/2006/main">
+  <p:cSld>
+    <p:spTree>
+      <p:nvGrpSpPr>
+        <p:cNvPr id="1" name=""/>
+        <p:cNvGrpSpPr/>
+        <p:nvPr/>
+      </p:nvGrpSpPr>
+      <p:grpSpPr>
+        <a:xfrm>
+          <a:off x="0" y="0"/>
+          <a:ext cx="0" cy="0"/>
+          <a:chOff x="0" y="0"/>
+          <a:chExt cx="0" cy="0"/>
+        </a:xfrm>
+      </p:grpSpPr>
+      <p:sp>
+        <p:nvSpPr>
+          <p:cNvPr id="2" name="Title 1">
+            <a:extLst>
+              <a:ext uri="{FF2B5EF4-FFF2-40B4-BE49-F238E27FC236}">
+                <a16:creationId xmlns:a16="http://schemas.microsoft.com/office/drawing/2014/main" id="{12BB0325-E21C-47A7-A703-629916768A1C}"/>
+              </a:ext>
+            </a:extLst>
+          </p:cNvPr>
+          <p:cNvSpPr>
+            <a:spLocks noGrp="1"/>
+          </p:cNvSpPr>
+          <p:nvPr>
+            <p:ph type="title"/>
+          </p:nvPr>
+        </p:nvSpPr>
+        <p:spPr/>
+        <p:txBody>
+          <a:bodyPr/>
+          <a:lstStyle/>
+          <a:p>
+            <a:r>
+              <a:rPr lang="es-CO" dirty="0"/>
+              <a:t>2. Clasificación de palabras</a:t>
+            </a:r>
+            <a:endParaRPr lang="en-US" dirty="0"/>
+          </a:p>
+        </p:txBody>
+      </p:sp>
+      <p:sp>
+        <p:nvSpPr>
+          <p:cNvPr id="3" name="Content Placeholder 2">
+            <a:extLst>
+              <a:ext uri="{FF2B5EF4-FFF2-40B4-BE49-F238E27FC236}">
+                <a16:creationId xmlns:a16="http://schemas.microsoft.com/office/drawing/2014/main" id="{BFBF453B-F1FD-4430-A0B0-73882F14E035}"/>
+              </a:ext>
+            </a:extLst>
+          </p:cNvPr>
+          <p:cNvSpPr>
+            <a:spLocks noGrp="1"/>
+          </p:cNvSpPr>
+          <p:nvPr>
+            <p:ph idx="1"/>
+          </p:nvPr>
+        </p:nvSpPr>
+        <p:spPr/>
+        <p:txBody>
+          <a:bodyPr>
+            <a:normAutofit/>
+          </a:bodyPr>
+          <a:lstStyle/>
+          <a:p>
+            <a:pPr marL="0" indent="0">
+              <a:buNone/>
+            </a:pPr>
+            <a:r>
+              <a:rPr lang="en-US" dirty="0" err="1"/>
+              <a:t>Vimos</a:t>
+            </a:r>
+            <a:r>
+              <a:rPr lang="en-US" dirty="0"/>
+              <a:t> que </a:t>
+            </a:r>
+            <a:r>
+              <a:rPr lang="en-US" dirty="0" err="1"/>
+              <a:t>nos</a:t>
+            </a:r>
+            <a:r>
+              <a:rPr lang="en-US" dirty="0"/>
+              <a:t> </a:t>
+            </a:r>
+            <a:r>
+              <a:rPr lang="en-US" dirty="0" err="1"/>
+              <a:t>muestra</a:t>
+            </a:r>
+            <a:r>
+              <a:rPr lang="en-US" dirty="0"/>
+              <a:t> una </a:t>
+            </a:r>
+            <a:r>
+              <a:rPr lang="en-US" dirty="0" err="1"/>
+              <a:t>lista</a:t>
+            </a:r>
+            <a:r>
+              <a:rPr lang="en-US" dirty="0"/>
+              <a:t> </a:t>
+            </a:r>
+            <a:r>
+              <a:rPr lang="en-US" dirty="0" err="1"/>
+              <a:t>gigante</a:t>
+            </a:r>
+            <a:r>
+              <a:rPr lang="en-US" dirty="0"/>
+              <a:t> de palabras. </a:t>
+            </a:r>
+            <a:r>
+              <a:rPr lang="en-US" dirty="0" err="1"/>
+              <a:t>Ahora</a:t>
+            </a:r>
+            <a:r>
+              <a:rPr lang="en-US" dirty="0"/>
+              <a:t> </a:t>
+            </a:r>
+            <a:r>
+              <a:rPr lang="en-US" dirty="0" err="1"/>
+              <a:t>vamos</a:t>
+            </a:r>
+            <a:r>
+              <a:rPr lang="en-US" dirty="0"/>
+              <a:t> a </a:t>
+            </a:r>
+            <a:r>
+              <a:rPr lang="en-US" dirty="0" err="1"/>
+              <a:t>ordenar</a:t>
+            </a:r>
+            <a:r>
+              <a:rPr lang="en-US" dirty="0"/>
+              <a:t> </a:t>
+            </a:r>
+            <a:r>
+              <a:rPr lang="en-US" dirty="0" err="1"/>
+              <a:t>ortograficamente</a:t>
+            </a:r>
+            <a:r>
+              <a:rPr lang="en-US" dirty="0"/>
+              <a:t> la </a:t>
+            </a:r>
+            <a:r>
+              <a:rPr lang="en-US" dirty="0" err="1"/>
+              <a:t>lista</a:t>
+            </a:r>
+            <a:r>
+              <a:rPr lang="en-US" dirty="0"/>
+              <a:t> (sort –r) y </a:t>
+            </a:r>
+            <a:r>
+              <a:rPr lang="en-US" dirty="0" err="1"/>
+              <a:t>luego</a:t>
+            </a:r>
+            <a:r>
+              <a:rPr lang="en-US" dirty="0"/>
+              <a:t> </a:t>
+            </a:r>
+            <a:r>
+              <a:rPr lang="en-US" dirty="0" err="1"/>
+              <a:t>contaremos</a:t>
+            </a:r>
+            <a:r>
+              <a:rPr lang="en-US" dirty="0"/>
+              <a:t> las palabras que se </a:t>
+            </a:r>
+            <a:r>
+              <a:rPr lang="en-US" dirty="0" err="1"/>
+              <a:t>repiten</a:t>
+            </a:r>
+            <a:r>
+              <a:rPr lang="en-US" dirty="0"/>
+              <a:t> (</a:t>
+            </a:r>
+            <a:r>
+              <a:rPr lang="en-US" dirty="0" err="1"/>
+              <a:t>uniq</a:t>
+            </a:r>
+            <a:r>
+              <a:rPr lang="en-US" dirty="0"/>
+              <a:t> –c). Podemos </a:t>
+            </a:r>
+            <a:r>
+              <a:rPr lang="en-US" dirty="0" err="1"/>
+              <a:t>hacer</a:t>
+            </a:r>
+            <a:r>
+              <a:rPr lang="en-US" dirty="0"/>
+              <a:t> </a:t>
+            </a:r>
+            <a:r>
+              <a:rPr lang="en-US" dirty="0" err="1"/>
+              <a:t>esto</a:t>
+            </a:r>
+            <a:r>
+              <a:rPr lang="en-US" dirty="0"/>
+              <a:t> a</a:t>
+            </a:r>
+            <a:r>
+              <a:rPr lang="es-CO" dirty="0" err="1"/>
+              <a:t>ñadiendo</a:t>
+            </a:r>
+            <a:r>
+              <a:rPr lang="es-CO" dirty="0"/>
+              <a:t> o </a:t>
+            </a:r>
+            <a:r>
+              <a:rPr lang="es-CO" i="1" dirty="0" err="1"/>
+              <a:t>piping</a:t>
+            </a:r>
+            <a:r>
+              <a:rPr lang="es-CO" i="1" dirty="0"/>
+              <a:t> </a:t>
+            </a:r>
+            <a:r>
+              <a:rPr lang="en-US" dirty="0"/>
+              <a:t>(|) </a:t>
+            </a:r>
+            <a:r>
+              <a:rPr lang="en-US" dirty="0" err="1"/>
+              <a:t>todos</a:t>
+            </a:r>
+            <a:r>
+              <a:rPr lang="en-US" dirty="0"/>
+              <a:t> los commandos y </a:t>
+            </a:r>
+            <a:r>
+              <a:rPr lang="en-US" dirty="0" err="1"/>
+              <a:t>luego</a:t>
+            </a:r>
+            <a:r>
+              <a:rPr lang="en-US" dirty="0"/>
+              <a:t> </a:t>
+            </a:r>
+            <a:r>
+              <a:rPr lang="en-US" dirty="0" err="1"/>
+              <a:t>creando</a:t>
+            </a:r>
+            <a:r>
+              <a:rPr lang="en-US" dirty="0"/>
+              <a:t> un nuevo </a:t>
+            </a:r>
+            <a:r>
+              <a:rPr lang="en-US" dirty="0" err="1"/>
+              <a:t>archivo</a:t>
+            </a:r>
+            <a:r>
+              <a:rPr lang="en-US" dirty="0"/>
+              <a:t> (&gt;)</a:t>
+            </a:r>
+          </a:p>
+          <a:p>
+            <a:pPr marL="0" indent="0">
+              <a:buNone/>
+            </a:pPr>
+            <a:endParaRPr lang="en-US" dirty="0"/>
+          </a:p>
+          <a:p>
+            <a:pPr marL="0" indent="0">
+              <a:buNone/>
+            </a:pPr>
+            <a:r>
+              <a:rPr lang="es-CO" dirty="0"/>
+              <a:t>Sintaxis: $ </a:t>
+            </a:r>
+            <a:r>
+              <a:rPr lang="es-CO" b="1" i="1" dirty="0"/>
+              <a:t>comando 1 </a:t>
+            </a:r>
+            <a:r>
+              <a:rPr lang="en-US" b="1" i="1" dirty="0"/>
+              <a:t>+ &lt; + </a:t>
+            </a:r>
+            <a:r>
+              <a:rPr lang="en-US" b="1" i="1" dirty="0" err="1"/>
+              <a:t>archivo</a:t>
+            </a:r>
+            <a:r>
+              <a:rPr lang="en-US" b="1" i="1" dirty="0"/>
+              <a:t> de </a:t>
+            </a:r>
+            <a:r>
+              <a:rPr lang="en-US" b="1" i="1" dirty="0" err="1"/>
+              <a:t>texto</a:t>
+            </a:r>
+            <a:r>
+              <a:rPr lang="en-US" b="1" i="1" dirty="0"/>
+              <a:t> + | + commando 2 + | + </a:t>
+            </a:r>
+            <a:r>
+              <a:rPr lang="en-US" b="1" i="1" dirty="0" err="1"/>
+              <a:t>comando</a:t>
+            </a:r>
+            <a:r>
+              <a:rPr lang="en-US" b="1" i="1" dirty="0"/>
+              <a:t> 3 + &gt; (output) + </a:t>
+            </a:r>
+            <a:r>
+              <a:rPr lang="en-US" b="1" i="1" dirty="0" err="1"/>
+              <a:t>nombre</a:t>
+            </a:r>
+            <a:r>
+              <a:rPr lang="en-US" b="1" i="1" dirty="0"/>
+              <a:t> de </a:t>
+            </a:r>
+            <a:r>
+              <a:rPr lang="en-US" b="1" i="1" dirty="0" err="1"/>
+              <a:t>archivo</a:t>
+            </a:r>
+            <a:r>
+              <a:rPr lang="en-US" b="1" i="1" dirty="0"/>
+              <a:t> de </a:t>
+            </a:r>
+            <a:r>
+              <a:rPr lang="en-US" b="1" i="1" dirty="0" err="1"/>
+              <a:t>salida</a:t>
+            </a:r>
+            <a:endParaRPr lang="es-CO" dirty="0"/>
+          </a:p>
+          <a:p>
+            <a:pPr marL="0" indent="0">
+              <a:buNone/>
+            </a:pPr>
+            <a:endParaRPr lang="es-CO" dirty="0"/>
+          </a:p>
+          <a:p>
+            <a:pPr marL="0" indent="0">
+              <a:buNone/>
+            </a:pPr>
+            <a:r>
+              <a:rPr lang="es-CO" sz="2400" dirty="0"/>
+              <a:t>$ sed '</a:t>
+            </a:r>
+            <a:r>
+              <a:rPr lang="en-US" sz="2400" dirty="0"/>
+              <a:t>s/[^a-</a:t>
+            </a:r>
+            <a:r>
+              <a:rPr lang="en-US" sz="2400" dirty="0" err="1"/>
+              <a:t>zA</a:t>
+            </a:r>
+            <a:r>
+              <a:rPr lang="en-US" sz="2400" dirty="0"/>
+              <a:t>-Z]\+/\n/g'</a:t>
+            </a:r>
+            <a:r>
+              <a:rPr lang="es-CO" sz="2400" dirty="0"/>
+              <a:t> </a:t>
+            </a:r>
+            <a:r>
+              <a:rPr lang="en-US" sz="2400" dirty="0"/>
+              <a:t> &lt; </a:t>
+            </a:r>
+            <a:r>
+              <a:rPr lang="en-US" sz="2400" dirty="0" err="1"/>
+              <a:t>tuarchivodetexto</a:t>
+            </a:r>
+            <a:r>
+              <a:rPr lang="en-US" sz="2400" dirty="0"/>
+              <a:t> | sort -r | </a:t>
+            </a:r>
+            <a:r>
+              <a:rPr lang="en-US" sz="2400" dirty="0" err="1"/>
+              <a:t>uniq</a:t>
+            </a:r>
+            <a:r>
+              <a:rPr lang="en-US" sz="2400" dirty="0"/>
+              <a:t> -c &gt; </a:t>
+            </a:r>
+            <a:r>
+              <a:rPr lang="en-US" sz="2400" dirty="0" err="1"/>
+              <a:t>archivodesalida</a:t>
+            </a:r>
+            <a:endParaRPr lang="es-CO" sz="2400" dirty="0"/>
+          </a:p>
+          <a:p>
+            <a:pPr marL="0" indent="0">
+              <a:buNone/>
+            </a:pPr>
+            <a:endParaRPr lang="en-US" dirty="0"/>
+          </a:p>
+        </p:txBody>
+      </p:sp>
+    </p:spTree>
+    <p:extLst>
+      <p:ext uri="{BB962C8B-B14F-4D97-AF65-F5344CB8AC3E}">
+        <p14:creationId xmlns:p14="http://schemas.microsoft.com/office/powerpoint/2010/main" val="2956403197"/>
+      </p:ext>
+    </p:extLst>
+  </p:cSld>
+  <p:clrMapOvr>
+    <a:masterClrMapping/>
+  </p:clrMapOvr>
+</p:sld>
+</file>
+
+<file path=ppt/slides/slide19.xml><?xml version="1.0" encoding="utf-8"?>
+<p:sld xmlns:a="http://schemas.openxmlformats.org/drawingml/2006/main" xmlns:r="http://schemas.openxmlformats.org/officeDocument/2006/relationships" xmlns:p="http://schemas.openxmlformats.org/presentationml/2006/main">
+  <p:cSld>
+    <p:bg>
+      <p:bgPr>
+        <a:solidFill>
+          <a:schemeClr val="bg1"/>
+        </a:solidFill>
+        <a:effectLst/>
+      </p:bgPr>
+    </p:bg>
+    <p:spTree>
+      <p:nvGrpSpPr>
+        <p:cNvPr id="1" name=""/>
+        <p:cNvGrpSpPr/>
+        <p:nvPr/>
+      </p:nvGrpSpPr>
+      <p:grpSpPr>
+        <a:xfrm>
+          <a:off x="0" y="0"/>
+          <a:ext cx="0" cy="0"/>
+          <a:chOff x="0" y="0"/>
+          <a:chExt cx="0" cy="0"/>
+        </a:xfrm>
+      </p:grpSpPr>
+      <p:cxnSp>
+        <p:nvCxnSpPr>
+          <p:cNvPr id="10" name="Straight Connector 9">
+            <a:extLst>
+              <a:ext uri="{FF2B5EF4-FFF2-40B4-BE49-F238E27FC236}">
+                <a16:creationId xmlns:a16="http://schemas.microsoft.com/office/drawing/2014/main" id="{D2E961F1-4A28-4A5F-BBD4-6E400E5E6C75}"/>
+              </a:ext>
+              <a:ext uri="{C183D7F6-B498-43B3-948B-1728B52AA6E4}">
+                <adec:decorative xmlns:adec="http://schemas.microsoft.com/office/drawing/2017/decorative" val="1"/>
+              </a:ext>
+            </a:extLst>
+          </p:cNvPr>
+          <p:cNvCxnSpPr>
+            <a:cxnSpLocks noGrp="1" noRot="1" noChangeAspect="1" noMove="1" noResize="1" noEditPoints="1" noAdjustHandles="1" noChangeArrowheads="1" noChangeShapeType="1"/>
+          </p:cNvCxnSpPr>
+          <p:nvPr>
+            <p:extLst>
+              <p:ext uri="{386F3935-93C4-4BCD-93E2-E3B085C9AB24}">
+                <p16:designElem xmlns:p16="http://schemas.microsoft.com/office/powerpoint/2015/main" val="1"/>
+              </p:ext>
+            </p:extLst>
+          </p:nvPr>
+        </p:nvCxnSpPr>
+        <p:spPr bwMode="white">
+          <a:xfrm>
+            <a:off x="0" y="272357"/>
+            <a:ext cx="12188824" cy="0"/>
+          </a:xfrm>
+          <a:prstGeom prst="line">
+            <a:avLst/>
+          </a:prstGeom>
+          <a:ln w="50800">
+            <a:solidFill>
+              <a:schemeClr val="tx1">
+                <a:lumMod val="75000"/>
+                <a:lumOff val="25000"/>
+              </a:schemeClr>
+            </a:solidFill>
+          </a:ln>
+        </p:spPr>
+        <p:style>
+          <a:lnRef idx="1">
+            <a:schemeClr val="accent1"/>
+          </a:lnRef>
+          <a:fillRef idx="0">
+            <a:schemeClr val="accent1"/>
+          </a:fillRef>
+          <a:effectRef idx="0">
+            <a:schemeClr val="accent1"/>
+          </a:effectRef>
+          <a:fontRef idx="minor">
+            <a:schemeClr val="tx1"/>
+          </a:fontRef>
+        </p:style>
+      </p:cxnSp>
+      <p:sp>
+        <p:nvSpPr>
+          <p:cNvPr id="12" name="Rectangle 11">
+            <a:extLst>
+              <a:ext uri="{FF2B5EF4-FFF2-40B4-BE49-F238E27FC236}">
+                <a16:creationId xmlns:a16="http://schemas.microsoft.com/office/drawing/2014/main" id="{7F57BEA8-497D-4AA8-8A18-BDCD696B25FE}"/>
+              </a:ext>
+              <a:ext uri="{C183D7F6-B498-43B3-948B-1728B52AA6E4}">
+                <adec:decorative xmlns:adec="http://schemas.microsoft.com/office/drawing/2017/decorative" val="1"/>
+              </a:ext>
+            </a:extLst>
+          </p:cNvPr>
+          <p:cNvSpPr>
+            <a:spLocks noGrp="1" noRot="1" noChangeAspect="1" noMove="1" noResize="1" noEditPoints="1" noAdjustHandles="1" noChangeArrowheads="1" noChangeShapeType="1" noTextEdit="1"/>
+          </p:cNvSpPr>
+          <p:nvPr>
+            <p:extLst>
+              <p:ext uri="{386F3935-93C4-4BCD-93E2-E3B085C9AB24}">
+                <p16:designElem xmlns:p16="http://schemas.microsoft.com/office/powerpoint/2015/main" val="1"/>
+              </p:ext>
+            </p:extLst>
+          </p:nvPr>
+        </p:nvSpPr>
+        <p:spPr>
+          <a:xfrm>
+            <a:off x="0" y="368596"/>
+            <a:ext cx="12192000" cy="1735555"/>
+          </a:xfrm>
+          <a:prstGeom prst="rect">
+            <a:avLst/>
+          </a:prstGeom>
+          <a:solidFill>
+            <a:schemeClr val="tx1">
+              <a:lumMod val="75000"/>
+              <a:lumOff val="25000"/>
+            </a:schemeClr>
+          </a:solidFill>
+          <a:ln>
+            <a:noFill/>
+          </a:ln>
+        </p:spPr>
+        <p:style>
+          <a:lnRef idx="2">
+            <a:schemeClr val="accent1">
+              <a:shade val="50000"/>
+            </a:schemeClr>
+          </a:lnRef>
+          <a:fillRef idx="1">
+            <a:schemeClr val="accent1"/>
+          </a:fillRef>
+          <a:effectRef idx="0">
+            <a:schemeClr val="accent1"/>
+          </a:effectRef>
+          <a:fontRef idx="minor">
+            <a:schemeClr val="lt1"/>
+          </a:fontRef>
+        </p:style>
+        <p:txBody>
+          <a:bodyPr rtlCol="0" anchor="ctr"/>
+          <a:lstStyle/>
+          <a:p>
+            <a:pPr marL="0" marR="0" lvl="0" indent="0" algn="ctr" defTabSz="914400" rtl="0" eaLnBrk="1" fontAlgn="auto" latinLnBrk="0" hangingPunct="1">
+              <a:lnSpc>
+                <a:spcPct val="100000"/>
+              </a:lnSpc>
+              <a:spcBef>
+                <a:spcPts val="0"/>
+              </a:spcBef>
+              <a:spcAft>
+                <a:spcPts val="0"/>
+              </a:spcAft>
+              <a:buClrTx/>
+              <a:buSzTx/>
+              <a:buFontTx/>
+              <a:buNone/>
+              <a:tabLst/>
+              <a:defRPr/>
+            </a:pPr>
+            <a:endParaRPr kumimoji="0" lang="en-US" sz="1800" b="0" i="0" u="none" strike="noStrike" kern="1200" cap="none" spc="0" normalizeH="0" baseline="0" noProof="0">
+              <a:ln>
+                <a:noFill/>
+              </a:ln>
+              <a:solidFill>
+                <a:prstClr val="white"/>
+              </a:solidFill>
+              <a:effectLst/>
+              <a:uLnTx/>
+              <a:uFillTx/>
+              <a:latin typeface="Calibri" panose="020F0502020204030204"/>
+              <a:ea typeface="+mn-ea"/>
+              <a:cs typeface="+mn-cs"/>
+            </a:endParaRPr>
+          </a:p>
+        </p:txBody>
+      </p:sp>
+      <p:sp>
+        <p:nvSpPr>
+          <p:cNvPr id="2" name="Title 1">
+            <a:extLst>
+              <a:ext uri="{FF2B5EF4-FFF2-40B4-BE49-F238E27FC236}">
+                <a16:creationId xmlns:a16="http://schemas.microsoft.com/office/drawing/2014/main" id="{068BC1C6-A582-4F6C-BE9B-93F679F9C80D}"/>
+              </a:ext>
+            </a:extLst>
+          </p:cNvPr>
+          <p:cNvSpPr>
+            <a:spLocks noGrp="1"/>
+          </p:cNvSpPr>
+          <p:nvPr>
+            <p:ph type="title"/>
+          </p:nvPr>
+        </p:nvSpPr>
+        <p:spPr>
+          <a:xfrm>
+            <a:off x="526073" y="489439"/>
+            <a:ext cx="11139854" cy="930447"/>
+          </a:xfrm>
+        </p:spPr>
+        <p:txBody>
+          <a:bodyPr vert="horz" lIns="91440" tIns="45720" rIns="91440" bIns="45720" rtlCol="0" anchor="b">
+            <a:normAutofit/>
+          </a:bodyPr>
+          <a:lstStyle/>
+          <a:p>
+            <a:pPr algn="ctr"/>
+            <a:r>
+              <a:rPr lang="en-US" sz="5400" kern="1200" dirty="0" err="1">
+                <a:solidFill>
+                  <a:schemeClr val="bg1"/>
+                </a:solidFill>
+                <a:latin typeface="+mj-lt"/>
+                <a:ea typeface="+mj-ea"/>
+                <a:cs typeface="+mj-cs"/>
+              </a:rPr>
+              <a:t>Compilación</a:t>
+            </a:r>
+            <a:endParaRPr lang="en-US" sz="5400" kern="1200" dirty="0">
+              <a:solidFill>
+                <a:schemeClr val="bg1"/>
+              </a:solidFill>
+              <a:latin typeface="+mj-lt"/>
+              <a:ea typeface="+mj-ea"/>
+              <a:cs typeface="+mj-cs"/>
+            </a:endParaRPr>
+          </a:p>
+        </p:txBody>
+      </p:sp>
+      <p:cxnSp>
+        <p:nvCxnSpPr>
+          <p:cNvPr id="14" name="Straight Connector 13">
+            <a:extLst>
+              <a:ext uri="{FF2B5EF4-FFF2-40B4-BE49-F238E27FC236}">
+                <a16:creationId xmlns:a16="http://schemas.microsoft.com/office/drawing/2014/main" id="{A82415D3-DDE5-4D63-8CB3-23A5EC581B27}"/>
+              </a:ext>
+              <a:ext uri="{C183D7F6-B498-43B3-948B-1728B52AA6E4}">
+                <adec:decorative xmlns:adec="http://schemas.microsoft.com/office/drawing/2017/decorative" val="1"/>
+              </a:ext>
+            </a:extLst>
+          </p:cNvPr>
+          <p:cNvCxnSpPr>
+            <a:cxnSpLocks noGrp="1" noRot="1" noChangeAspect="1" noMove="1" noResize="1" noEditPoints="1" noAdjustHandles="1" noChangeArrowheads="1" noChangeShapeType="1"/>
+          </p:cNvCxnSpPr>
+          <p:nvPr>
+            <p:extLst>
+              <p:ext uri="{386F3935-93C4-4BCD-93E2-E3B085C9AB24}">
+                <p16:designElem xmlns:p16="http://schemas.microsoft.com/office/powerpoint/2015/main" val="1"/>
+              </p:ext>
+            </p:extLst>
+          </p:nvPr>
+        </p:nvCxnSpPr>
+        <p:spPr>
+          <a:xfrm>
+            <a:off x="4724400" y="1479733"/>
+            <a:ext cx="2743200" cy="0"/>
+          </a:xfrm>
+          <a:prstGeom prst="line">
+            <a:avLst/>
+          </a:prstGeom>
+          <a:ln w="19050">
+            <a:solidFill>
+              <a:schemeClr val="bg1">
+                <a:alpha val="75000"/>
+              </a:schemeClr>
+            </a:solidFill>
+          </a:ln>
+        </p:spPr>
+        <p:style>
+          <a:lnRef idx="1">
+            <a:schemeClr val="accent1"/>
+          </a:lnRef>
+          <a:fillRef idx="0">
+            <a:schemeClr val="accent1"/>
+          </a:fillRef>
+          <a:effectRef idx="0">
+            <a:schemeClr val="accent1"/>
+          </a:effectRef>
+          <a:fontRef idx="minor">
+            <a:schemeClr val="tx1"/>
+          </a:fontRef>
+        </p:style>
+      </p:cxnSp>
+      <p:cxnSp>
+        <p:nvCxnSpPr>
+          <p:cNvPr id="16" name="Straight Connector 15">
+            <a:extLst>
+              <a:ext uri="{FF2B5EF4-FFF2-40B4-BE49-F238E27FC236}">
+                <a16:creationId xmlns:a16="http://schemas.microsoft.com/office/drawing/2014/main" id="{AD7193FB-6AE6-4B3B-8F89-56B55DD63B4D}"/>
+              </a:ext>
+              <a:ext uri="{C183D7F6-B498-43B3-948B-1728B52AA6E4}">
+                <adec:decorative xmlns:adec="http://schemas.microsoft.com/office/drawing/2017/decorative" val="1"/>
+              </a:ext>
+            </a:extLst>
+          </p:cNvPr>
+          <p:cNvCxnSpPr>
+            <a:cxnSpLocks noGrp="1" noRot="1" noChangeAspect="1" noMove="1" noResize="1" noEditPoints="1" noAdjustHandles="1" noChangeArrowheads="1" noChangeShapeType="1"/>
+          </p:cNvCxnSpPr>
+          <p:nvPr>
+            <p:extLst>
+              <p:ext uri="{386F3935-93C4-4BCD-93E2-E3B085C9AB24}">
+                <p16:designElem xmlns:p16="http://schemas.microsoft.com/office/powerpoint/2015/main" val="1"/>
+              </p:ext>
+            </p:extLst>
+          </p:nvPr>
+        </p:nvCxnSpPr>
+        <p:spPr bwMode="white">
+          <a:xfrm>
+            <a:off x="0" y="2201402"/>
+            <a:ext cx="12188824" cy="0"/>
+          </a:xfrm>
+          <a:prstGeom prst="line">
+            <a:avLst/>
+          </a:prstGeom>
+          <a:ln w="50800">
+            <a:solidFill>
+              <a:schemeClr val="tx1">
+                <a:lumMod val="75000"/>
+                <a:lumOff val="25000"/>
+              </a:schemeClr>
+            </a:solidFill>
+          </a:ln>
+        </p:spPr>
+        <p:style>
+          <a:lnRef idx="1">
+            <a:schemeClr val="accent1"/>
+          </a:lnRef>
+          <a:fillRef idx="0">
+            <a:schemeClr val="accent1"/>
+          </a:fillRef>
+          <a:effectRef idx="0">
+            <a:schemeClr val="accent1"/>
+          </a:effectRef>
+          <a:fontRef idx="minor">
+            <a:schemeClr val="tx1"/>
+          </a:fontRef>
+        </p:style>
+      </p:cxnSp>
+      <p:sp>
+        <p:nvSpPr>
+          <p:cNvPr id="9" name="Content Placeholder 8">
+            <a:extLst>
+              <a:ext uri="{FF2B5EF4-FFF2-40B4-BE49-F238E27FC236}">
+                <a16:creationId xmlns:a16="http://schemas.microsoft.com/office/drawing/2014/main" id="{E53FA83E-D3EC-4586-95B5-9D062613B60A}"/>
+              </a:ext>
+            </a:extLst>
+          </p:cNvPr>
+          <p:cNvSpPr>
+            <a:spLocks noGrp="1"/>
+          </p:cNvSpPr>
+          <p:nvPr>
+            <p:ph idx="1"/>
+          </p:nvPr>
+        </p:nvSpPr>
+        <p:spPr>
+          <a:xfrm>
+            <a:off x="838200" y="3061286"/>
+            <a:ext cx="10515600" cy="3115676"/>
+          </a:xfrm>
+        </p:spPr>
+        <p:txBody>
+          <a:bodyPr/>
+          <a:lstStyle/>
+          <a:p>
+            <a:pPr marL="0" indent="0">
+              <a:buNone/>
+            </a:pPr>
+            <a:r>
+              <a:rPr lang="es-CO" dirty="0"/>
+              <a:t>Ojo:</a:t>
+            </a:r>
+          </a:p>
+          <a:p>
+            <a:pPr marL="0" indent="0">
+              <a:buNone/>
+            </a:pPr>
+            <a:r>
+              <a:rPr lang="en-US" dirty="0"/>
+              <a:t>&lt; : se </a:t>
+            </a:r>
+            <a:r>
+              <a:rPr lang="en-US" dirty="0" err="1"/>
+              <a:t>utiliza</a:t>
+            </a:r>
+            <a:r>
+              <a:rPr lang="en-US" dirty="0"/>
+              <a:t> para </a:t>
+            </a:r>
+            <a:r>
+              <a:rPr lang="en-US" dirty="0" err="1"/>
+              <a:t>decirle</a:t>
+            </a:r>
+            <a:r>
+              <a:rPr lang="en-US" dirty="0"/>
+              <a:t> a Linux que </a:t>
+            </a:r>
+            <a:r>
+              <a:rPr lang="en-US" dirty="0" err="1"/>
+              <a:t>queremos</a:t>
+            </a:r>
+            <a:r>
+              <a:rPr lang="en-US" dirty="0"/>
+              <a:t> que </a:t>
+            </a:r>
+            <a:r>
+              <a:rPr lang="en-US" dirty="0" err="1"/>
+              <a:t>procese</a:t>
+            </a:r>
+            <a:r>
+              <a:rPr lang="en-US" dirty="0"/>
+              <a:t> ese </a:t>
+            </a:r>
+            <a:r>
+              <a:rPr lang="en-US" dirty="0" err="1"/>
+              <a:t>texto</a:t>
+            </a:r>
+            <a:endParaRPr lang="en-US" dirty="0"/>
+          </a:p>
+          <a:p>
+            <a:pPr marL="0" indent="0">
+              <a:buNone/>
+            </a:pPr>
+            <a:r>
+              <a:rPr lang="en-US" dirty="0"/>
+              <a:t>&gt; : </a:t>
+            </a:r>
+            <a:r>
+              <a:rPr lang="es-CO" dirty="0"/>
+              <a:t>Aquí Linux nos crea un archivo con el resultado del comando. </a:t>
+            </a:r>
+          </a:p>
+          <a:p>
+            <a:pPr marL="0" indent="0">
+              <a:buNone/>
+            </a:pPr>
+            <a:endParaRPr lang="es-CO" dirty="0"/>
+          </a:p>
+          <a:p>
+            <a:pPr marL="0" indent="0">
+              <a:buNone/>
+            </a:pPr>
+            <a:r>
+              <a:rPr lang="es-CO" dirty="0"/>
+              <a:t>No olvides mirar el texto de salida con $ </a:t>
+            </a:r>
+            <a:r>
+              <a:rPr lang="es-CO" i="1" dirty="0" err="1"/>
+              <a:t>cat</a:t>
+            </a:r>
+            <a:endParaRPr lang="es-CO" i="1" dirty="0"/>
+          </a:p>
+          <a:p>
+            <a:pPr marL="0" indent="0">
+              <a:buNone/>
+            </a:pPr>
+            <a:r>
+              <a:rPr lang="es-CO" i="1" dirty="0"/>
+              <a:t>¿Qué pasa si añadimos </a:t>
+            </a:r>
+            <a:r>
+              <a:rPr lang="en-US" b="1" dirty="0"/>
+              <a:t>|</a:t>
+            </a:r>
+            <a:r>
+              <a:rPr lang="es-CO" b="1" dirty="0"/>
+              <a:t>sed 5q</a:t>
+            </a:r>
+            <a:r>
+              <a:rPr lang="es-CO" i="1" dirty="0"/>
+              <a:t>?</a:t>
+            </a:r>
+            <a:endParaRPr lang="es-CO" dirty="0"/>
+          </a:p>
+        </p:txBody>
+      </p:sp>
+      <p:pic>
+        <p:nvPicPr>
+          <p:cNvPr id="13" name="Picture 12">
+            <a:extLst>
+              <a:ext uri="{FF2B5EF4-FFF2-40B4-BE49-F238E27FC236}">
+                <a16:creationId xmlns:a16="http://schemas.microsoft.com/office/drawing/2014/main" id="{D425BD3F-57AB-4743-B167-CB742C750A10}"/>
+              </a:ext>
+            </a:extLst>
+          </p:cNvPr>
+          <p:cNvPicPr>
+            <a:picLocks noChangeAspect="1"/>
+          </p:cNvPicPr>
+          <p:nvPr/>
+        </p:nvPicPr>
+        <p:blipFill>
+          <a:blip r:embed="rId3"/>
+          <a:stretch>
+            <a:fillRect/>
+          </a:stretch>
+        </p:blipFill>
+        <p:spPr>
+          <a:xfrm>
+            <a:off x="-3176" y="2454760"/>
+            <a:ext cx="12192000" cy="353169"/>
+          </a:xfrm>
+          <a:prstGeom prst="rect">
+            <a:avLst/>
+          </a:prstGeom>
+        </p:spPr>
+      </p:pic>
+      <p:pic>
+        <p:nvPicPr>
+          <p:cNvPr id="17" name="Picture 16">
+            <a:extLst>
+              <a:ext uri="{FF2B5EF4-FFF2-40B4-BE49-F238E27FC236}">
+                <a16:creationId xmlns:a16="http://schemas.microsoft.com/office/drawing/2014/main" id="{16C3DF09-7469-405E-AD55-6D7F5DFB7908}"/>
+              </a:ext>
+            </a:extLst>
+          </p:cNvPr>
+          <p:cNvPicPr>
+            <a:picLocks noChangeAspect="1"/>
+          </p:cNvPicPr>
+          <p:nvPr/>
+        </p:nvPicPr>
+        <p:blipFill>
+          <a:blip r:embed="rId4"/>
+          <a:stretch>
+            <a:fillRect/>
+          </a:stretch>
+        </p:blipFill>
+        <p:spPr>
+          <a:xfrm>
+            <a:off x="-3176" y="6176727"/>
+            <a:ext cx="12192000" cy="297366"/>
+          </a:xfrm>
+          <a:prstGeom prst="rect">
+            <a:avLst/>
+          </a:prstGeom>
+        </p:spPr>
+      </p:pic>
+    </p:spTree>
+    <p:extLst>
+      <p:ext uri="{BB962C8B-B14F-4D97-AF65-F5344CB8AC3E}">
+        <p14:creationId xmlns:p14="http://schemas.microsoft.com/office/powerpoint/2010/main" val="2215443179"/>
       </p:ext>
     </p:extLst>
   </p:cSld>
@@ -9373,6 +11900,2849 @@
 </p:sld>
 </file>
 
+<file path=ppt/slides/slide20.xml><?xml version="1.0" encoding="utf-8"?>
+<p:sld xmlns:a="http://schemas.openxmlformats.org/drawingml/2006/main" xmlns:r="http://schemas.openxmlformats.org/officeDocument/2006/relationships" xmlns:p="http://schemas.openxmlformats.org/presentationml/2006/main">
+  <p:cSld>
+    <p:spTree>
+      <p:nvGrpSpPr>
+        <p:cNvPr id="1" name=""/>
+        <p:cNvGrpSpPr/>
+        <p:nvPr/>
+      </p:nvGrpSpPr>
+      <p:grpSpPr>
+        <a:xfrm>
+          <a:off x="0" y="0"/>
+          <a:ext cx="0" cy="0"/>
+          <a:chOff x="0" y="0"/>
+          <a:chExt cx="0" cy="0"/>
+        </a:xfrm>
+      </p:grpSpPr>
+      <p:sp>
+        <p:nvSpPr>
+          <p:cNvPr id="2" name="Title 1">
+            <a:extLst>
+              <a:ext uri="{FF2B5EF4-FFF2-40B4-BE49-F238E27FC236}">
+                <a16:creationId xmlns:a16="http://schemas.microsoft.com/office/drawing/2014/main" id="{20345E41-2BFD-4053-90DA-D8F0B61CA6C2}"/>
+              </a:ext>
+            </a:extLst>
+          </p:cNvPr>
+          <p:cNvSpPr>
+            <a:spLocks noGrp="1"/>
+          </p:cNvSpPr>
+          <p:nvPr>
+            <p:ph type="title"/>
+          </p:nvPr>
+        </p:nvSpPr>
+        <p:spPr/>
+        <p:txBody>
+          <a:bodyPr/>
+          <a:lstStyle/>
+          <a:p>
+            <a:pPr algn="ctr"/>
+            <a:r>
+              <a:rPr lang="es-CO" dirty="0"/>
+              <a:t>Práctica de Linux</a:t>
+            </a:r>
+            <a:endParaRPr lang="en-US" dirty="0"/>
+          </a:p>
+        </p:txBody>
+      </p:sp>
+      <p:sp>
+        <p:nvSpPr>
+          <p:cNvPr id="3" name="Content Placeholder 2">
+            <a:extLst>
+              <a:ext uri="{FF2B5EF4-FFF2-40B4-BE49-F238E27FC236}">
+                <a16:creationId xmlns:a16="http://schemas.microsoft.com/office/drawing/2014/main" id="{0BA8C3D6-E811-4BD9-A615-01EF8F1527AD}"/>
+              </a:ext>
+            </a:extLst>
+          </p:cNvPr>
+          <p:cNvSpPr>
+            <a:spLocks noGrp="1"/>
+          </p:cNvSpPr>
+          <p:nvPr>
+            <p:ph idx="1"/>
+          </p:nvPr>
+        </p:nvSpPr>
+        <p:spPr/>
+        <p:txBody>
+          <a:bodyPr/>
+          <a:lstStyle/>
+          <a:p>
+            <a:pPr marL="0" indent="0">
+              <a:buNone/>
+            </a:pPr>
+            <a:r>
+              <a:rPr lang="en-US" dirty="0"/>
+              <a:t>0. </a:t>
+            </a:r>
+            <a:r>
+              <a:rPr lang="en-US" dirty="0" err="1"/>
+              <a:t>Manejar</a:t>
+            </a:r>
+            <a:r>
+              <a:rPr lang="en-US" dirty="0"/>
+              <a:t> </a:t>
+            </a:r>
+            <a:r>
+              <a:rPr lang="en-US" dirty="0" err="1"/>
+              <a:t>archivos</a:t>
+            </a:r>
+            <a:r>
+              <a:rPr lang="en-US" dirty="0"/>
+              <a:t> y </a:t>
+            </a:r>
+            <a:r>
+              <a:rPr lang="en-US" dirty="0" err="1"/>
+              <a:t>directorios</a:t>
+            </a:r>
+            <a:r>
+              <a:rPr lang="en-US" dirty="0"/>
+              <a:t> de </a:t>
+            </a:r>
+            <a:r>
+              <a:rPr lang="en-US" dirty="0" err="1"/>
+              <a:t>carpetas</a:t>
+            </a:r>
+            <a:endParaRPr lang="en-US" dirty="0"/>
+          </a:p>
+          <a:p>
+            <a:pPr marL="514350" indent="-514350">
+              <a:buFont typeface="+mj-lt"/>
+              <a:buAutoNum type="arabicPeriod"/>
+            </a:pPr>
+            <a:r>
+              <a:rPr lang="en-US" dirty="0" err="1"/>
+              <a:t>Contar</a:t>
+            </a:r>
+            <a:r>
+              <a:rPr lang="en-US" dirty="0"/>
+              <a:t> palabras de un </a:t>
+            </a:r>
+            <a:r>
+              <a:rPr lang="en-US" dirty="0" err="1"/>
+              <a:t>texto</a:t>
+            </a:r>
+            <a:endParaRPr lang="en-US" dirty="0"/>
+          </a:p>
+          <a:p>
+            <a:pPr marL="514350" indent="-514350">
+              <a:buAutoNum type="arabicPeriod"/>
+            </a:pPr>
+            <a:r>
+              <a:rPr lang="en-US" dirty="0" err="1"/>
+              <a:t>Clasificación</a:t>
+            </a:r>
+            <a:r>
+              <a:rPr lang="en-US" dirty="0"/>
+              <a:t> de palabras </a:t>
+            </a:r>
+          </a:p>
+          <a:p>
+            <a:pPr marL="514350" indent="-514350">
+              <a:buAutoNum type="arabicPeriod"/>
+            </a:pPr>
+            <a:r>
+              <a:rPr lang="en-US" dirty="0" err="1">
+                <a:solidFill>
+                  <a:srgbClr val="FF0000"/>
+                </a:solidFill>
+              </a:rPr>
+              <a:t>Filtrar</a:t>
+            </a:r>
+            <a:r>
+              <a:rPr lang="en-US" dirty="0">
+                <a:solidFill>
+                  <a:srgbClr val="FF0000"/>
+                </a:solidFill>
+              </a:rPr>
+              <a:t> </a:t>
+            </a:r>
+            <a:r>
+              <a:rPr lang="en-US" dirty="0" err="1">
+                <a:solidFill>
+                  <a:srgbClr val="FF0000"/>
+                </a:solidFill>
+              </a:rPr>
+              <a:t>concordancias</a:t>
+            </a:r>
+            <a:r>
+              <a:rPr lang="en-US" dirty="0">
+                <a:solidFill>
+                  <a:srgbClr val="FF0000"/>
+                </a:solidFill>
+              </a:rPr>
+              <a:t> de palabras</a:t>
+            </a:r>
+          </a:p>
+          <a:p>
+            <a:endParaRPr lang="en-US" dirty="0"/>
+          </a:p>
+        </p:txBody>
+      </p:sp>
+    </p:spTree>
+    <p:extLst>
+      <p:ext uri="{BB962C8B-B14F-4D97-AF65-F5344CB8AC3E}">
+        <p14:creationId xmlns:p14="http://schemas.microsoft.com/office/powerpoint/2010/main" val="735250981"/>
+      </p:ext>
+    </p:extLst>
+  </p:cSld>
+  <p:clrMapOvr>
+    <a:masterClrMapping/>
+  </p:clrMapOvr>
+</p:sld>
+</file>
+
+<file path=ppt/slides/slide21.xml><?xml version="1.0" encoding="utf-8"?>
+<p:sld xmlns:a="http://schemas.openxmlformats.org/drawingml/2006/main" xmlns:r="http://schemas.openxmlformats.org/officeDocument/2006/relationships" xmlns:p="http://schemas.openxmlformats.org/presentationml/2006/main">
+  <p:cSld>
+    <p:spTree>
+      <p:nvGrpSpPr>
+        <p:cNvPr id="1" name=""/>
+        <p:cNvGrpSpPr/>
+        <p:nvPr/>
+      </p:nvGrpSpPr>
+      <p:grpSpPr>
+        <a:xfrm>
+          <a:off x="0" y="0"/>
+          <a:ext cx="0" cy="0"/>
+          <a:chOff x="0" y="0"/>
+          <a:chExt cx="0" cy="0"/>
+        </a:xfrm>
+      </p:grpSpPr>
+      <p:sp>
+        <p:nvSpPr>
+          <p:cNvPr id="2" name="Title 1">
+            <a:extLst>
+              <a:ext uri="{FF2B5EF4-FFF2-40B4-BE49-F238E27FC236}">
+                <a16:creationId xmlns:a16="http://schemas.microsoft.com/office/drawing/2014/main" id="{9BD3B7FB-A598-452B-ACC7-44740E0B45A7}"/>
+              </a:ext>
+            </a:extLst>
+          </p:cNvPr>
+          <p:cNvSpPr>
+            <a:spLocks noGrp="1"/>
+          </p:cNvSpPr>
+          <p:nvPr>
+            <p:ph type="title"/>
+          </p:nvPr>
+        </p:nvSpPr>
+        <p:spPr/>
+        <p:txBody>
+          <a:bodyPr/>
+          <a:lstStyle/>
+          <a:p>
+            <a:r>
+              <a:rPr lang="es-CO" dirty="0"/>
+              <a:t>3. Filtrar concordancias de palabras</a:t>
+            </a:r>
+            <a:endParaRPr lang="en-US" dirty="0"/>
+          </a:p>
+        </p:txBody>
+      </p:sp>
+      <p:sp>
+        <p:nvSpPr>
+          <p:cNvPr id="3" name="Content Placeholder 2">
+            <a:extLst>
+              <a:ext uri="{FF2B5EF4-FFF2-40B4-BE49-F238E27FC236}">
+                <a16:creationId xmlns:a16="http://schemas.microsoft.com/office/drawing/2014/main" id="{54FFB58E-9BDC-4127-850A-5CBBB325035E}"/>
+              </a:ext>
+            </a:extLst>
+          </p:cNvPr>
+          <p:cNvSpPr>
+            <a:spLocks noGrp="1"/>
+          </p:cNvSpPr>
+          <p:nvPr>
+            <p:ph idx="1"/>
+          </p:nvPr>
+        </p:nvSpPr>
+        <p:spPr/>
+        <p:txBody>
+          <a:bodyPr/>
+          <a:lstStyle/>
+          <a:p>
+            <a:pPr marL="0" indent="0">
+              <a:buNone/>
+            </a:pPr>
+            <a:r>
+              <a:rPr lang="es-CO" dirty="0"/>
+              <a:t>Contexto: algunas veces queremos encontrar instancias de palabras, morfemas y otros elementos en el corpus. Con el comando </a:t>
+            </a:r>
+            <a:r>
+              <a:rPr lang="es-CO" i="1" dirty="0"/>
+              <a:t>grep </a:t>
+            </a:r>
+            <a:r>
+              <a:rPr lang="es-CO" dirty="0"/>
+              <a:t>podemos hacer esto. </a:t>
+            </a:r>
+          </a:p>
+          <a:p>
+            <a:pPr marL="0" indent="0">
+              <a:buNone/>
+            </a:pPr>
+            <a:r>
+              <a:rPr lang="es-CO" dirty="0"/>
+              <a:t>Digamos que nos interesa saber si el estudiante utiliza el morfema ‘-</a:t>
+            </a:r>
+            <a:r>
+              <a:rPr lang="es-CO" dirty="0" err="1"/>
+              <a:t>ado</a:t>
+            </a:r>
+            <a:r>
+              <a:rPr lang="es-CO" dirty="0"/>
+              <a:t>’. </a:t>
+            </a:r>
+          </a:p>
+          <a:p>
+            <a:pPr marL="0" indent="0">
+              <a:buNone/>
+            </a:pPr>
+            <a:endParaRPr lang="es-CO" dirty="0"/>
+          </a:p>
+          <a:p>
+            <a:pPr marL="0" indent="0">
+              <a:buNone/>
+            </a:pPr>
+            <a:r>
+              <a:rPr lang="es-CO" dirty="0"/>
+              <a:t>Sintaxis: $ </a:t>
+            </a:r>
+            <a:r>
+              <a:rPr lang="es-CO" b="1" i="1" dirty="0"/>
+              <a:t>comando </a:t>
+            </a:r>
+            <a:r>
+              <a:rPr lang="en-US" b="1" i="1" dirty="0"/>
+              <a:t>+ </a:t>
+            </a:r>
+            <a:r>
+              <a:rPr lang="es-CO" dirty="0"/>
+              <a:t>'</a:t>
+            </a:r>
+            <a:r>
+              <a:rPr lang="en-US" b="1" i="1" dirty="0" err="1"/>
+              <a:t>filtro</a:t>
+            </a:r>
+            <a:r>
+              <a:rPr lang="es-CO" dirty="0"/>
+              <a:t>'</a:t>
+            </a:r>
+            <a:r>
+              <a:rPr lang="en-US" b="1" i="1" dirty="0"/>
+              <a:t> + </a:t>
+            </a:r>
+            <a:r>
+              <a:rPr lang="en-US" b="1" i="1" dirty="0" err="1"/>
+              <a:t>archivo</a:t>
+            </a:r>
+            <a:r>
+              <a:rPr lang="en-US" b="1" i="1" dirty="0"/>
+              <a:t> de </a:t>
+            </a:r>
+            <a:r>
+              <a:rPr lang="en-US" b="1" i="1" dirty="0" err="1"/>
+              <a:t>texto</a:t>
+            </a:r>
+            <a:endParaRPr lang="en-US" b="1" i="1" dirty="0"/>
+          </a:p>
+          <a:p>
+            <a:pPr marL="0" indent="0">
+              <a:buNone/>
+            </a:pPr>
+            <a:endParaRPr lang="en-US" b="1" i="1" dirty="0"/>
+          </a:p>
+          <a:p>
+            <a:pPr marL="0" indent="0">
+              <a:buNone/>
+            </a:pPr>
+            <a:r>
+              <a:rPr lang="es-CO" dirty="0"/>
+              <a:t>$ grep '</a:t>
+            </a:r>
+            <a:r>
+              <a:rPr lang="es-CO" dirty="0" err="1"/>
+              <a:t>ado</a:t>
+            </a:r>
+            <a:r>
+              <a:rPr lang="es-CO" dirty="0"/>
+              <a:t>' UpperBeginner.txt</a:t>
+            </a:r>
+          </a:p>
+          <a:p>
+            <a:pPr marL="0" indent="0">
+              <a:buNone/>
+            </a:pPr>
+            <a:endParaRPr lang="en-US" dirty="0"/>
+          </a:p>
+        </p:txBody>
+      </p:sp>
+    </p:spTree>
+    <p:extLst>
+      <p:ext uri="{BB962C8B-B14F-4D97-AF65-F5344CB8AC3E}">
+        <p14:creationId xmlns:p14="http://schemas.microsoft.com/office/powerpoint/2010/main" val="3592465129"/>
+      </p:ext>
+    </p:extLst>
+  </p:cSld>
+  <p:clrMapOvr>
+    <a:masterClrMapping/>
+  </p:clrMapOvr>
+</p:sld>
+</file>
+
+<file path=ppt/slides/slide22.xml><?xml version="1.0" encoding="utf-8"?>
+<p:sld xmlns:a="http://schemas.openxmlformats.org/drawingml/2006/main" xmlns:r="http://schemas.openxmlformats.org/officeDocument/2006/relationships" xmlns:p="http://schemas.openxmlformats.org/presentationml/2006/main">
+  <p:cSld>
+    <p:spTree>
+      <p:nvGrpSpPr>
+        <p:cNvPr id="1" name=""/>
+        <p:cNvGrpSpPr/>
+        <p:nvPr/>
+      </p:nvGrpSpPr>
+      <p:grpSpPr>
+        <a:xfrm>
+          <a:off x="0" y="0"/>
+          <a:ext cx="0" cy="0"/>
+          <a:chOff x="0" y="0"/>
+          <a:chExt cx="0" cy="0"/>
+        </a:xfrm>
+      </p:grpSpPr>
+      <p:sp>
+        <p:nvSpPr>
+          <p:cNvPr id="2" name="Title 1">
+            <a:extLst>
+              <a:ext uri="{FF2B5EF4-FFF2-40B4-BE49-F238E27FC236}">
+                <a16:creationId xmlns:a16="http://schemas.microsoft.com/office/drawing/2014/main" id="{B8C50B0B-E888-4412-B8D8-C893988F51B5}"/>
+              </a:ext>
+            </a:extLst>
+          </p:cNvPr>
+          <p:cNvSpPr>
+            <a:spLocks noGrp="1"/>
+          </p:cNvSpPr>
+          <p:nvPr>
+            <p:ph type="title"/>
+          </p:nvPr>
+        </p:nvSpPr>
+        <p:spPr/>
+        <p:txBody>
+          <a:bodyPr/>
+          <a:lstStyle/>
+          <a:p>
+            <a:r>
+              <a:rPr lang="es-CO" dirty="0"/>
+              <a:t>3. Filtrar concordancias de palabras</a:t>
+            </a:r>
+            <a:endParaRPr lang="en-US" dirty="0"/>
+          </a:p>
+        </p:txBody>
+      </p:sp>
+      <p:sp>
+        <p:nvSpPr>
+          <p:cNvPr id="3" name="Content Placeholder 2">
+            <a:extLst>
+              <a:ext uri="{FF2B5EF4-FFF2-40B4-BE49-F238E27FC236}">
+                <a16:creationId xmlns:a16="http://schemas.microsoft.com/office/drawing/2014/main" id="{2132369F-82B0-4797-81DC-3EF6B0F6AFBC}"/>
+              </a:ext>
+            </a:extLst>
+          </p:cNvPr>
+          <p:cNvSpPr>
+            <a:spLocks noGrp="1"/>
+          </p:cNvSpPr>
+          <p:nvPr>
+            <p:ph idx="1"/>
+          </p:nvPr>
+        </p:nvSpPr>
+        <p:spPr/>
+        <p:txBody>
+          <a:bodyPr>
+            <a:normAutofit fontScale="92500" lnSpcReduction="10000"/>
+          </a:bodyPr>
+          <a:lstStyle/>
+          <a:p>
+            <a:pPr marL="0" indent="0">
+              <a:buNone/>
+            </a:pPr>
+            <a:r>
+              <a:rPr lang="en-US" dirty="0"/>
+              <a:t>Pero </a:t>
+            </a:r>
+            <a:r>
+              <a:rPr lang="en-US" dirty="0" err="1"/>
+              <a:t>nos</a:t>
+            </a:r>
+            <a:r>
+              <a:rPr lang="en-US" dirty="0"/>
+              <a:t> </a:t>
+            </a:r>
+            <a:r>
+              <a:rPr lang="en-US" dirty="0" err="1"/>
+              <a:t>muestra</a:t>
+            </a:r>
+            <a:r>
+              <a:rPr lang="en-US" dirty="0"/>
+              <a:t> </a:t>
+            </a:r>
+            <a:r>
+              <a:rPr lang="en-US" dirty="0" err="1"/>
+              <a:t>todas</a:t>
+            </a:r>
+            <a:r>
+              <a:rPr lang="en-US" dirty="0"/>
+              <a:t> las </a:t>
+            </a:r>
+            <a:r>
+              <a:rPr lang="en-US" dirty="0" err="1"/>
+              <a:t>lineas</a:t>
+            </a:r>
+            <a:r>
+              <a:rPr lang="en-US" dirty="0"/>
+              <a:t> que </a:t>
+            </a:r>
+            <a:r>
+              <a:rPr lang="en-US" dirty="0" err="1"/>
+              <a:t>contengan</a:t>
+            </a:r>
+            <a:r>
+              <a:rPr lang="en-US" dirty="0"/>
+              <a:t> </a:t>
+            </a:r>
+            <a:r>
+              <a:rPr lang="en-US" dirty="0" err="1"/>
+              <a:t>esta</a:t>
+            </a:r>
+            <a:r>
+              <a:rPr lang="en-US" dirty="0"/>
+              <a:t> </a:t>
+            </a:r>
+            <a:r>
+              <a:rPr lang="en-US" dirty="0" err="1"/>
+              <a:t>secuencia</a:t>
+            </a:r>
+            <a:r>
+              <a:rPr lang="en-US" dirty="0"/>
+              <a:t> de </a:t>
+            </a:r>
+            <a:r>
+              <a:rPr lang="en-US" dirty="0" err="1"/>
+              <a:t>caracteres</a:t>
+            </a:r>
+            <a:r>
+              <a:rPr lang="en-US" dirty="0"/>
+              <a:t>. Sin embargo </a:t>
+            </a:r>
+            <a:r>
+              <a:rPr lang="en-US" dirty="0" err="1"/>
+              <a:t>necesitamos</a:t>
+            </a:r>
+            <a:r>
+              <a:rPr lang="en-US" dirty="0"/>
+              <a:t> </a:t>
+            </a:r>
+            <a:r>
+              <a:rPr lang="en-US" dirty="0" err="1"/>
+              <a:t>el</a:t>
+            </a:r>
+            <a:r>
+              <a:rPr lang="en-US" dirty="0"/>
+              <a:t> </a:t>
+            </a:r>
+            <a:r>
+              <a:rPr lang="en-US" dirty="0" err="1"/>
+              <a:t>sufijo</a:t>
+            </a:r>
+            <a:r>
+              <a:rPr lang="en-US" dirty="0"/>
+              <a:t> ‘-ado’ que </a:t>
+            </a:r>
+            <a:r>
+              <a:rPr lang="en-US" dirty="0" err="1"/>
+              <a:t>está</a:t>
+            </a:r>
+            <a:r>
+              <a:rPr lang="en-US" dirty="0"/>
+              <a:t> </a:t>
+            </a:r>
+            <a:r>
+              <a:rPr lang="en-US" dirty="0" err="1"/>
+              <a:t>en</a:t>
+            </a:r>
+            <a:r>
+              <a:rPr lang="en-US" dirty="0"/>
+              <a:t> </a:t>
+            </a:r>
+            <a:r>
+              <a:rPr lang="en-US" dirty="0" err="1"/>
+              <a:t>cada</a:t>
+            </a:r>
+            <a:r>
+              <a:rPr lang="en-US" dirty="0"/>
+              <a:t> palabra. </a:t>
+            </a:r>
+            <a:r>
+              <a:rPr lang="es-CO" dirty="0"/>
+              <a:t>Para esto necesitamos </a:t>
+            </a:r>
+            <a:r>
+              <a:rPr lang="en-US" dirty="0"/>
+              <a:t>la </a:t>
+            </a:r>
+            <a:r>
+              <a:rPr lang="en-US" dirty="0" err="1"/>
+              <a:t>opci</a:t>
+            </a:r>
+            <a:r>
+              <a:rPr lang="es-CO" dirty="0" err="1"/>
+              <a:t>ón</a:t>
+            </a:r>
+            <a:r>
+              <a:rPr lang="es-CO" dirty="0"/>
+              <a:t> \&gt;.</a:t>
+            </a:r>
+          </a:p>
+          <a:p>
+            <a:pPr marL="0" indent="0">
+              <a:buNone/>
+            </a:pPr>
+            <a:endParaRPr lang="es-CO" dirty="0"/>
+          </a:p>
+          <a:p>
+            <a:pPr marL="0" indent="0">
+              <a:buNone/>
+            </a:pPr>
+            <a:r>
+              <a:rPr lang="es-CO" dirty="0"/>
+              <a:t>$ grep '</a:t>
+            </a:r>
+            <a:r>
+              <a:rPr lang="es-CO" dirty="0" err="1"/>
+              <a:t>ado</a:t>
+            </a:r>
+            <a:r>
+              <a:rPr lang="es-CO" dirty="0"/>
+              <a:t>\&gt;' UpperBeginner.txt</a:t>
+            </a:r>
+          </a:p>
+          <a:p>
+            <a:pPr marL="0" indent="0">
+              <a:buNone/>
+            </a:pPr>
+            <a:endParaRPr lang="es-CO" dirty="0"/>
+          </a:p>
+          <a:p>
+            <a:pPr marL="0" indent="0">
+              <a:buNone/>
+            </a:pPr>
+            <a:r>
+              <a:rPr lang="es-CO" dirty="0"/>
+              <a:t>Nota: Con la opción </a:t>
+            </a:r>
+            <a:r>
+              <a:rPr lang="es-CO" b="1" dirty="0"/>
+              <a:t>-c </a:t>
+            </a:r>
+            <a:r>
+              <a:rPr lang="es-CO" dirty="0"/>
+              <a:t>contamos las concordancias. Con </a:t>
+            </a:r>
+            <a:r>
+              <a:rPr lang="es-CO" b="1" dirty="0"/>
+              <a:t>\&lt;</a:t>
+            </a:r>
+            <a:r>
+              <a:rPr lang="es-CO" dirty="0"/>
+              <a:t> podemos encontrar una concordancia a inicio de palabra.</a:t>
+            </a:r>
+          </a:p>
+          <a:p>
+            <a:pPr marL="0" indent="0">
+              <a:buNone/>
+            </a:pPr>
+            <a:endParaRPr lang="es-CO" dirty="0"/>
+          </a:p>
+          <a:p>
+            <a:pPr marL="0" indent="0" algn="ctr">
+              <a:buNone/>
+            </a:pPr>
+            <a:r>
+              <a:rPr lang="es-CO" b="1" dirty="0"/>
+              <a:t>¿Cuántas palabras hay que inicien con </a:t>
+            </a:r>
+            <a:r>
+              <a:rPr lang="es-CO" b="1" dirty="0" err="1"/>
+              <a:t>im</a:t>
+            </a:r>
+            <a:r>
+              <a:rPr lang="es-CO" b="1" dirty="0"/>
+              <a:t>-?</a:t>
+            </a:r>
+          </a:p>
+        </p:txBody>
+      </p:sp>
+    </p:spTree>
+    <p:extLst>
+      <p:ext uri="{BB962C8B-B14F-4D97-AF65-F5344CB8AC3E}">
+        <p14:creationId xmlns:p14="http://schemas.microsoft.com/office/powerpoint/2010/main" val="232991802"/>
+      </p:ext>
+    </p:extLst>
+  </p:cSld>
+  <p:clrMapOvr>
+    <a:masterClrMapping/>
+  </p:clrMapOvr>
+</p:sld>
+</file>
+
+<file path=ppt/slides/slide23.xml><?xml version="1.0" encoding="utf-8"?>
+<p:sld xmlns:a="http://schemas.openxmlformats.org/drawingml/2006/main" xmlns:r="http://schemas.openxmlformats.org/officeDocument/2006/relationships" xmlns:p="http://schemas.openxmlformats.org/presentationml/2006/main">
+  <p:cSld>
+    <p:spTree>
+      <p:nvGrpSpPr>
+        <p:cNvPr id="1" name=""/>
+        <p:cNvGrpSpPr/>
+        <p:nvPr/>
+      </p:nvGrpSpPr>
+      <p:grpSpPr>
+        <a:xfrm>
+          <a:off x="0" y="0"/>
+          <a:ext cx="0" cy="0"/>
+          <a:chOff x="0" y="0"/>
+          <a:chExt cx="0" cy="0"/>
+        </a:xfrm>
+      </p:grpSpPr>
+      <p:sp>
+        <p:nvSpPr>
+          <p:cNvPr id="2" name="Title 1">
+            <a:extLst>
+              <a:ext uri="{FF2B5EF4-FFF2-40B4-BE49-F238E27FC236}">
+                <a16:creationId xmlns:a16="http://schemas.microsoft.com/office/drawing/2014/main" id="{B1F153F9-DA0D-4098-B498-05DAE6E9A7BB}"/>
+              </a:ext>
+            </a:extLst>
+          </p:cNvPr>
+          <p:cNvSpPr>
+            <a:spLocks noGrp="1"/>
+          </p:cNvSpPr>
+          <p:nvPr>
+            <p:ph type="title"/>
+          </p:nvPr>
+        </p:nvSpPr>
+        <p:spPr/>
+        <p:txBody>
+          <a:bodyPr/>
+          <a:lstStyle/>
+          <a:p>
+            <a:r>
+              <a:rPr lang="en-US" dirty="0"/>
+              <a:t>Oh </a:t>
+            </a:r>
+            <a:r>
+              <a:rPr lang="en-US" dirty="0" err="1"/>
+              <a:t>oh</a:t>
+            </a:r>
+            <a:r>
+              <a:rPr lang="en-US" dirty="0"/>
+              <a:t>, hay un </a:t>
+            </a:r>
+            <a:r>
+              <a:rPr lang="en-US" dirty="0" err="1"/>
+              <a:t>problema</a:t>
+            </a:r>
+            <a:r>
+              <a:rPr lang="en-US" dirty="0"/>
+              <a:t>!</a:t>
+            </a:r>
+          </a:p>
+        </p:txBody>
+      </p:sp>
+      <p:sp>
+        <p:nvSpPr>
+          <p:cNvPr id="3" name="Content Placeholder 2">
+            <a:extLst>
+              <a:ext uri="{FF2B5EF4-FFF2-40B4-BE49-F238E27FC236}">
+                <a16:creationId xmlns:a16="http://schemas.microsoft.com/office/drawing/2014/main" id="{6A23016B-4D9B-43C0-B10A-D9FE290F0E51}"/>
+              </a:ext>
+            </a:extLst>
+          </p:cNvPr>
+          <p:cNvSpPr>
+            <a:spLocks noGrp="1"/>
+          </p:cNvSpPr>
+          <p:nvPr>
+            <p:ph idx="1"/>
+          </p:nvPr>
+        </p:nvSpPr>
+        <p:spPr/>
+        <p:txBody>
+          <a:bodyPr/>
+          <a:lstStyle/>
+          <a:p>
+            <a:r>
+              <a:rPr lang="en-US" dirty="0" err="1"/>
+              <a:t>Sabemos</a:t>
+            </a:r>
+            <a:r>
+              <a:rPr lang="en-US" dirty="0"/>
+              <a:t> que hay </a:t>
+            </a:r>
+            <a:r>
+              <a:rPr lang="en-US" dirty="0" err="1"/>
+              <a:t>más</a:t>
+            </a:r>
+            <a:r>
+              <a:rPr lang="en-US" dirty="0"/>
+              <a:t> de 1 </a:t>
+            </a:r>
+            <a:r>
+              <a:rPr lang="en-US" dirty="0" err="1"/>
+              <a:t>instancia</a:t>
+            </a:r>
+            <a:r>
+              <a:rPr lang="en-US" dirty="0"/>
+              <a:t> de palabras que </a:t>
+            </a:r>
+            <a:r>
+              <a:rPr lang="en-US" dirty="0" err="1"/>
+              <a:t>empiezan</a:t>
+            </a:r>
+            <a:r>
+              <a:rPr lang="en-US" dirty="0"/>
+              <a:t> con </a:t>
+            </a:r>
+            <a:r>
+              <a:rPr lang="en-US" dirty="0" err="1"/>
+              <a:t>el</a:t>
+            </a:r>
+            <a:r>
+              <a:rPr lang="en-US" dirty="0"/>
+              <a:t> </a:t>
+            </a:r>
+            <a:r>
+              <a:rPr lang="en-US" dirty="0" err="1"/>
+              <a:t>prefijo</a:t>
+            </a:r>
+            <a:r>
+              <a:rPr lang="en-US" dirty="0"/>
+              <a:t> –</a:t>
+            </a:r>
+            <a:r>
+              <a:rPr lang="en-US" dirty="0" err="1"/>
+              <a:t>im</a:t>
+            </a:r>
+            <a:r>
+              <a:rPr lang="en-US" dirty="0"/>
+              <a:t>, </a:t>
+            </a:r>
+            <a:r>
+              <a:rPr lang="en-US" dirty="0" err="1"/>
+              <a:t>pero</a:t>
+            </a:r>
+            <a:r>
+              <a:rPr lang="en-US" dirty="0"/>
+              <a:t> </a:t>
+            </a:r>
+            <a:r>
+              <a:rPr lang="es-CO" dirty="0"/>
+              <a:t>¿</a:t>
+            </a:r>
+            <a:r>
+              <a:rPr lang="en-US" dirty="0"/>
+              <a:t>por </a:t>
+            </a:r>
+            <a:r>
+              <a:rPr lang="en-US" dirty="0" err="1"/>
+              <a:t>qué</a:t>
+            </a:r>
+            <a:r>
+              <a:rPr lang="en-US" dirty="0"/>
+              <a:t> </a:t>
+            </a:r>
+            <a:r>
+              <a:rPr lang="en-US" dirty="0" err="1"/>
+              <a:t>el</a:t>
+            </a:r>
+            <a:r>
+              <a:rPr lang="en-US" dirty="0"/>
+              <a:t> </a:t>
+            </a:r>
+            <a:r>
+              <a:rPr lang="en-US" dirty="0" err="1"/>
+              <a:t>programa</a:t>
+            </a:r>
+            <a:r>
+              <a:rPr lang="en-US" dirty="0"/>
+              <a:t> </a:t>
+            </a:r>
+            <a:r>
+              <a:rPr lang="en-US" dirty="0" err="1"/>
+              <a:t>nos</a:t>
+            </a:r>
+            <a:r>
+              <a:rPr lang="en-US" dirty="0"/>
+              <a:t> </a:t>
+            </a:r>
+            <a:r>
+              <a:rPr lang="en-US" dirty="0" err="1"/>
+              <a:t>est</a:t>
+            </a:r>
+            <a:r>
+              <a:rPr lang="es-CO" dirty="0"/>
+              <a:t>á contando incorrectamente?</a:t>
+            </a:r>
+          </a:p>
+          <a:p>
+            <a:r>
+              <a:rPr lang="es-CO" dirty="0"/>
+              <a:t>$ grep cuenta una línea a la vez y termina de contar cuando empieza otro párrafo</a:t>
+            </a:r>
+          </a:p>
+          <a:p>
+            <a:r>
+              <a:rPr lang="es-CO" dirty="0"/>
+              <a:t>Tendremos que hacer algo antes: eliminar los saltos de línea ‘ \n’ con </a:t>
+            </a:r>
+            <a:r>
+              <a:rPr lang="es-CO" i="1" dirty="0" err="1"/>
+              <a:t>tr</a:t>
+            </a:r>
+            <a:r>
+              <a:rPr lang="es-CO" i="1" dirty="0"/>
+              <a:t> </a:t>
+            </a:r>
+            <a:r>
+              <a:rPr lang="es-CO" dirty="0"/>
+              <a:t>y luego podremos hacer la cuenta.</a:t>
+            </a:r>
+            <a:endParaRPr lang="es-CO" i="1" dirty="0"/>
+          </a:p>
+          <a:p>
+            <a:pPr marL="0" indent="0">
+              <a:buNone/>
+            </a:pPr>
+            <a:r>
+              <a:rPr lang="es-CO" b="1" i="1" dirty="0"/>
+              <a:t>Solución:</a:t>
+            </a:r>
+          </a:p>
+          <a:p>
+            <a:pPr marL="0" indent="0">
+              <a:buNone/>
+            </a:pPr>
+            <a:r>
+              <a:rPr lang="es-CO" i="1" dirty="0"/>
+              <a:t>$ </a:t>
+            </a:r>
+            <a:r>
+              <a:rPr lang="es-CO" i="1" dirty="0" err="1"/>
+              <a:t>tr</a:t>
+            </a:r>
+            <a:r>
+              <a:rPr lang="es-CO" i="1" dirty="0"/>
+              <a:t> ' ' '\n' &lt; UpperBeginner.txt | grep -c '\&lt;</a:t>
+            </a:r>
+            <a:r>
+              <a:rPr lang="es-CO" i="1" dirty="0" err="1"/>
+              <a:t>im</a:t>
+            </a:r>
+            <a:r>
+              <a:rPr lang="es-CO" i="1" dirty="0"/>
+              <a:t>'</a:t>
+            </a:r>
+            <a:endParaRPr lang="en-US" dirty="0"/>
+          </a:p>
+        </p:txBody>
+      </p:sp>
+    </p:spTree>
+    <p:extLst>
+      <p:ext uri="{BB962C8B-B14F-4D97-AF65-F5344CB8AC3E}">
+        <p14:creationId xmlns:p14="http://schemas.microsoft.com/office/powerpoint/2010/main" val="1119519535"/>
+      </p:ext>
+    </p:extLst>
+  </p:cSld>
+  <p:clrMapOvr>
+    <a:masterClrMapping/>
+  </p:clrMapOvr>
+  <p:timing>
+    <p:tnLst>
+      <p:par>
+        <p:cTn id="1" dur="indefinite" restart="never" nodeType="tmRoot">
+          <p:childTnLst>
+            <p:seq concurrent="1" nextAc="seek">
+              <p:cTn id="2" dur="indefinite" nodeType="mainSeq">
+                <p:childTnLst>
+                  <p:par>
+                    <p:cTn id="3" fill="hold">
+                      <p:stCondLst>
+                        <p:cond delay="indefinite"/>
+                      </p:stCondLst>
+                      <p:childTnLst>
+                        <p:par>
+                          <p:cTn id="4" fill="hold">
+                            <p:stCondLst>
+                              <p:cond delay="0"/>
+                            </p:stCondLst>
+                            <p:childTnLst>
+                              <p:par>
+                                <p:cTn id="5" presetID="16" presetClass="entr" presetSubtype="21" fill="hold" nodeType="clickEffect">
+                                  <p:stCondLst>
+                                    <p:cond delay="0"/>
+                                  </p:stCondLst>
+                                  <p:childTnLst>
+                                    <p:set>
+                                      <p:cBhvr>
+                                        <p:cTn id="6" dur="1" fill="hold">
+                                          <p:stCondLst>
+                                            <p:cond delay="0"/>
+                                          </p:stCondLst>
+                                        </p:cTn>
+                                        <p:tgtEl>
+                                          <p:spTgt spid="3">
+                                            <p:txEl>
+                                              <p:pRg st="3" end="3"/>
+                                            </p:txEl>
+                                          </p:spTgt>
+                                        </p:tgtEl>
+                                        <p:attrNameLst>
+                                          <p:attrName>style.visibility</p:attrName>
+                                        </p:attrNameLst>
+                                      </p:cBhvr>
+                                      <p:to>
+                                        <p:strVal val="visible"/>
+                                      </p:to>
+                                    </p:set>
+                                    <p:animEffect transition="in" filter="barn(inVertical)">
+                                      <p:cBhvr>
+                                        <p:cTn id="7" dur="500"/>
+                                        <p:tgtEl>
+                                          <p:spTgt spid="3">
+                                            <p:txEl>
+                                              <p:pRg st="3" end="3"/>
+                                            </p:txEl>
+                                          </p:spTgt>
+                                        </p:tgtEl>
+                                      </p:cBhvr>
+                                    </p:animEffect>
+                                  </p:childTnLst>
+                                </p:cTn>
+                              </p:par>
+                              <p:par>
+                                <p:cTn id="8" presetID="16" presetClass="entr" presetSubtype="21" fill="hold" nodeType="withEffect">
+                                  <p:stCondLst>
+                                    <p:cond delay="0"/>
+                                  </p:stCondLst>
+                                  <p:childTnLst>
+                                    <p:set>
+                                      <p:cBhvr>
+                                        <p:cTn id="9" dur="1" fill="hold">
+                                          <p:stCondLst>
+                                            <p:cond delay="0"/>
+                                          </p:stCondLst>
+                                        </p:cTn>
+                                        <p:tgtEl>
+                                          <p:spTgt spid="3">
+                                            <p:txEl>
+                                              <p:pRg st="4" end="4"/>
+                                            </p:txEl>
+                                          </p:spTgt>
+                                        </p:tgtEl>
+                                        <p:attrNameLst>
+                                          <p:attrName>style.visibility</p:attrName>
+                                        </p:attrNameLst>
+                                      </p:cBhvr>
+                                      <p:to>
+                                        <p:strVal val="visible"/>
+                                      </p:to>
+                                    </p:set>
+                                    <p:animEffect transition="in" filter="barn(inVertical)">
+                                      <p:cBhvr>
+                                        <p:cTn id="10" dur="500"/>
+                                        <p:tgtEl>
+                                          <p:spTgt spid="3">
+                                            <p:txEl>
+                                              <p:pRg st="4" end="4"/>
+                                            </p:txEl>
+                                          </p:spTgt>
+                                        </p:tgtEl>
+                                      </p:cBhvr>
+                                    </p:animEffect>
+                                  </p:childTnLst>
+                                </p:cTn>
+                              </p:par>
+                            </p:childTnLst>
+                          </p:cTn>
+                        </p:par>
+                      </p:childTnLst>
+                    </p:cTn>
+                  </p:par>
+                </p:childTnLst>
+              </p:cTn>
+              <p:prevCondLst>
+                <p:cond evt="onPrev" delay="0">
+                  <p:tgtEl>
+                    <p:sldTgt/>
+                  </p:tgtEl>
+                </p:cond>
+              </p:prevCondLst>
+              <p:nextCondLst>
+                <p:cond evt="onNext" delay="0">
+                  <p:tgtEl>
+                    <p:sldTgt/>
+                  </p:tgtEl>
+                </p:cond>
+              </p:nextCondLst>
+            </p:seq>
+          </p:childTnLst>
+        </p:cTn>
+      </p:par>
+    </p:tnLst>
+  </p:timing>
+</p:sld>
+</file>
+
+<file path=ppt/slides/slide24.xml><?xml version="1.0" encoding="utf-8"?>
+<p:sld xmlns:a="http://schemas.openxmlformats.org/drawingml/2006/main" xmlns:r="http://schemas.openxmlformats.org/officeDocument/2006/relationships" xmlns:p="http://schemas.openxmlformats.org/presentationml/2006/main">
+  <p:cSld>
+    <p:spTree>
+      <p:nvGrpSpPr>
+        <p:cNvPr id="1" name=""/>
+        <p:cNvGrpSpPr/>
+        <p:nvPr/>
+      </p:nvGrpSpPr>
+      <p:grpSpPr>
+        <a:xfrm>
+          <a:off x="0" y="0"/>
+          <a:ext cx="0" cy="0"/>
+          <a:chOff x="0" y="0"/>
+          <a:chExt cx="0" cy="0"/>
+        </a:xfrm>
+      </p:grpSpPr>
+      <p:sp>
+        <p:nvSpPr>
+          <p:cNvPr id="2" name="Title 1">
+            <a:extLst>
+              <a:ext uri="{FF2B5EF4-FFF2-40B4-BE49-F238E27FC236}">
+                <a16:creationId xmlns:a16="http://schemas.microsoft.com/office/drawing/2014/main" id="{B2340BDC-66CF-442E-AE7B-BC53EDE2B26D}"/>
+              </a:ext>
+            </a:extLst>
+          </p:cNvPr>
+          <p:cNvSpPr>
+            <a:spLocks noGrp="1"/>
+          </p:cNvSpPr>
+          <p:nvPr>
+            <p:ph type="title"/>
+          </p:nvPr>
+        </p:nvSpPr>
+        <p:spPr/>
+        <p:txBody>
+          <a:bodyPr/>
+          <a:lstStyle/>
+          <a:p>
+            <a:pPr algn="ctr"/>
+            <a:r>
+              <a:rPr lang="es-CO" dirty="0"/>
+              <a:t>3. Filtrar concordancias de palabras: reemplazar</a:t>
+            </a:r>
+            <a:r>
+              <a:rPr lang="en-US" dirty="0"/>
+              <a:t>/remover</a:t>
+            </a:r>
+          </a:p>
+        </p:txBody>
+      </p:sp>
+      <p:sp>
+        <p:nvSpPr>
+          <p:cNvPr id="3" name="Content Placeholder 2">
+            <a:extLst>
+              <a:ext uri="{FF2B5EF4-FFF2-40B4-BE49-F238E27FC236}">
+                <a16:creationId xmlns:a16="http://schemas.microsoft.com/office/drawing/2014/main" id="{197F200E-3D18-4401-9762-2463B125F8CA}"/>
+              </a:ext>
+            </a:extLst>
+          </p:cNvPr>
+          <p:cNvSpPr>
+            <a:spLocks noGrp="1"/>
+          </p:cNvSpPr>
+          <p:nvPr>
+            <p:ph idx="1"/>
+          </p:nvPr>
+        </p:nvSpPr>
+        <p:spPr/>
+        <p:txBody>
+          <a:bodyPr/>
+          <a:lstStyle/>
+          <a:p>
+            <a:pPr marL="0" indent="0">
+              <a:buNone/>
+            </a:pPr>
+            <a:r>
+              <a:rPr lang="es-CO" dirty="0"/>
+              <a:t>Si te fijas en el texto hay muchos caracteres como este: &lt;</a:t>
+            </a:r>
+            <a:r>
+              <a:rPr lang="es-CO" dirty="0" err="1"/>
+              <a:t>br</a:t>
+            </a:r>
+            <a:r>
+              <a:rPr lang="es-CO" dirty="0"/>
+              <a:t>/&gt;</a:t>
+            </a:r>
+            <a:r>
+              <a:rPr lang="en-US" dirty="0"/>
+              <a:t> (</a:t>
+            </a:r>
+            <a:r>
+              <a:rPr lang="en-US" dirty="0" err="1"/>
+              <a:t>salto</a:t>
+            </a:r>
+            <a:r>
+              <a:rPr lang="en-US" dirty="0"/>
+              <a:t> de </a:t>
+            </a:r>
+            <a:r>
+              <a:rPr lang="en-US" dirty="0" err="1"/>
+              <a:t>línea</a:t>
+            </a:r>
+            <a:r>
+              <a:rPr lang="en-US" dirty="0"/>
+              <a:t>). Al </a:t>
+            </a:r>
+            <a:r>
+              <a:rPr lang="en-US" dirty="0" err="1"/>
+              <a:t>parecer</a:t>
+            </a:r>
+            <a:r>
+              <a:rPr lang="en-US" dirty="0"/>
+              <a:t> se </a:t>
+            </a:r>
+            <a:r>
+              <a:rPr lang="en-US" dirty="0" err="1"/>
+              <a:t>transfirieron</a:t>
+            </a:r>
+            <a:r>
+              <a:rPr lang="en-US" dirty="0"/>
+              <a:t> </a:t>
+            </a:r>
+            <a:r>
+              <a:rPr lang="en-US" dirty="0" err="1"/>
+              <a:t>como</a:t>
+            </a:r>
+            <a:r>
+              <a:rPr lang="en-US" dirty="0"/>
+              <a:t> </a:t>
+            </a:r>
+            <a:r>
+              <a:rPr lang="en-US" dirty="0" err="1"/>
+              <a:t>caracteres</a:t>
+            </a:r>
+            <a:r>
+              <a:rPr lang="en-US" dirty="0"/>
+              <a:t> html </a:t>
+            </a:r>
+            <a:r>
+              <a:rPr lang="en-US" dirty="0" err="1"/>
+              <a:t>cuando</a:t>
+            </a:r>
+            <a:r>
+              <a:rPr lang="en-US" dirty="0"/>
+              <a:t> </a:t>
+            </a:r>
+            <a:r>
+              <a:rPr lang="en-US" dirty="0" err="1"/>
+              <a:t>copié</a:t>
+            </a:r>
+            <a:r>
+              <a:rPr lang="en-US" dirty="0"/>
+              <a:t> y </a:t>
+            </a:r>
+            <a:r>
+              <a:rPr lang="en-US" dirty="0" err="1"/>
+              <a:t>pegué</a:t>
+            </a:r>
+            <a:r>
+              <a:rPr lang="en-US" dirty="0"/>
+              <a:t> </a:t>
+            </a:r>
+            <a:r>
+              <a:rPr lang="en-US" dirty="0" err="1"/>
+              <a:t>el</a:t>
+            </a:r>
+            <a:r>
+              <a:rPr lang="en-US" dirty="0"/>
+              <a:t> </a:t>
+            </a:r>
+            <a:r>
+              <a:rPr lang="en-US" dirty="0" err="1"/>
+              <a:t>texto</a:t>
+            </a:r>
+            <a:r>
+              <a:rPr lang="en-US" dirty="0"/>
+              <a:t>. </a:t>
+            </a:r>
+            <a:r>
+              <a:rPr lang="en-US" dirty="0" err="1"/>
+              <a:t>Necesitamos</a:t>
+            </a:r>
+            <a:r>
+              <a:rPr lang="en-US" dirty="0"/>
+              <a:t> </a:t>
+            </a:r>
+            <a:r>
+              <a:rPr lang="en-US" dirty="0" err="1"/>
+              <a:t>eliminarlos</a:t>
+            </a:r>
+            <a:r>
+              <a:rPr lang="en-US" dirty="0"/>
+              <a:t>! El </a:t>
+            </a:r>
+            <a:r>
+              <a:rPr lang="en-US" dirty="0" err="1"/>
+              <a:t>comando</a:t>
+            </a:r>
+            <a:r>
+              <a:rPr lang="en-US" dirty="0"/>
+              <a:t> </a:t>
+            </a:r>
+            <a:r>
+              <a:rPr lang="en-US" i="1" dirty="0"/>
+              <a:t>sed </a:t>
+            </a:r>
+            <a:r>
+              <a:rPr lang="en-US" dirty="0" err="1"/>
+              <a:t>hará</a:t>
+            </a:r>
+            <a:r>
+              <a:rPr lang="en-US" dirty="0"/>
+              <a:t> </a:t>
+            </a:r>
+            <a:r>
+              <a:rPr lang="en-US" dirty="0" err="1"/>
+              <a:t>el</a:t>
+            </a:r>
+            <a:r>
+              <a:rPr lang="en-US" dirty="0"/>
+              <a:t> </a:t>
+            </a:r>
+            <a:r>
+              <a:rPr lang="en-US" dirty="0" err="1"/>
+              <a:t>trabajo</a:t>
+            </a:r>
+            <a:r>
+              <a:rPr lang="en-US" dirty="0"/>
+              <a:t>:</a:t>
+            </a:r>
+          </a:p>
+          <a:p>
+            <a:pPr marL="0" indent="0">
+              <a:buNone/>
+            </a:pPr>
+            <a:endParaRPr lang="en-US" dirty="0"/>
+          </a:p>
+          <a:p>
+            <a:pPr marL="0" indent="0">
+              <a:buNone/>
+            </a:pPr>
+            <a:r>
+              <a:rPr lang="en-US" dirty="0" err="1"/>
+              <a:t>Intento</a:t>
+            </a:r>
+            <a:r>
+              <a:rPr lang="en-US" dirty="0"/>
+              <a:t> 1: </a:t>
+            </a:r>
+          </a:p>
+          <a:p>
+            <a:pPr marL="0" indent="0">
+              <a:buNone/>
+            </a:pPr>
+            <a:r>
+              <a:rPr lang="en-US" dirty="0"/>
+              <a:t>$ sed 's/&lt;</a:t>
+            </a:r>
+            <a:r>
+              <a:rPr lang="en-US" dirty="0" err="1"/>
+              <a:t>br</a:t>
+            </a:r>
+            <a:r>
+              <a:rPr lang="en-US" dirty="0"/>
+              <a:t>//g' UpperBeginner.txt</a:t>
+            </a:r>
+          </a:p>
+          <a:p>
+            <a:pPr marL="0" indent="0">
+              <a:buNone/>
+            </a:pPr>
+            <a:r>
+              <a:rPr lang="en-US" dirty="0" err="1"/>
+              <a:t>Intento</a:t>
+            </a:r>
+            <a:r>
+              <a:rPr lang="en-US" dirty="0"/>
+              <a:t> 2: </a:t>
+            </a:r>
+          </a:p>
+          <a:p>
+            <a:pPr marL="0" indent="0">
+              <a:buNone/>
+            </a:pPr>
+            <a:r>
+              <a:rPr lang="en-US" dirty="0"/>
+              <a:t>$ sed 's/&lt;</a:t>
+            </a:r>
+            <a:r>
+              <a:rPr lang="en-US" dirty="0" err="1"/>
+              <a:t>br</a:t>
+            </a:r>
+            <a:r>
+              <a:rPr lang="en-US" dirty="0">
+                <a:solidFill>
+                  <a:srgbClr val="FF0000"/>
+                </a:solidFill>
+              </a:rPr>
+              <a:t>[^&gt;]*&gt;</a:t>
+            </a:r>
+            <a:r>
+              <a:rPr lang="en-US" dirty="0"/>
+              <a:t>//g' UpperBeginner.txt</a:t>
+            </a:r>
+          </a:p>
+        </p:txBody>
+      </p:sp>
+    </p:spTree>
+    <p:extLst>
+      <p:ext uri="{BB962C8B-B14F-4D97-AF65-F5344CB8AC3E}">
+        <p14:creationId xmlns:p14="http://schemas.microsoft.com/office/powerpoint/2010/main" val="4122541822"/>
+      </p:ext>
+    </p:extLst>
+  </p:cSld>
+  <p:clrMapOvr>
+    <a:masterClrMapping/>
+  </p:clrMapOvr>
+  <p:timing>
+    <p:tnLst>
+      <p:par>
+        <p:cTn id="1" dur="indefinite" restart="never" nodeType="tmRoot">
+          <p:childTnLst>
+            <p:seq concurrent="1" nextAc="seek">
+              <p:cTn id="2" dur="indefinite" nodeType="mainSeq">
+                <p:childTnLst>
+                  <p:par>
+                    <p:cTn id="3" fill="hold">
+                      <p:stCondLst>
+                        <p:cond delay="indefinite"/>
+                      </p:stCondLst>
+                      <p:childTnLst>
+                        <p:par>
+                          <p:cTn id="4" fill="hold">
+                            <p:stCondLst>
+                              <p:cond delay="0"/>
+                            </p:stCondLst>
+                            <p:childTnLst>
+                              <p:par>
+                                <p:cTn id="5" presetID="42" presetClass="entr" presetSubtype="0" fill="hold" nodeType="clickEffect">
+                                  <p:stCondLst>
+                                    <p:cond delay="0"/>
+                                  </p:stCondLst>
+                                  <p:childTnLst>
+                                    <p:set>
+                                      <p:cBhvr>
+                                        <p:cTn id="6" dur="1" fill="hold">
+                                          <p:stCondLst>
+                                            <p:cond delay="0"/>
+                                          </p:stCondLst>
+                                        </p:cTn>
+                                        <p:tgtEl>
+                                          <p:spTgt spid="3">
+                                            <p:txEl>
+                                              <p:pRg st="4" end="4"/>
+                                            </p:txEl>
+                                          </p:spTgt>
+                                        </p:tgtEl>
+                                        <p:attrNameLst>
+                                          <p:attrName>style.visibility</p:attrName>
+                                        </p:attrNameLst>
+                                      </p:cBhvr>
+                                      <p:to>
+                                        <p:strVal val="visible"/>
+                                      </p:to>
+                                    </p:set>
+                                    <p:animEffect transition="in" filter="fade">
+                                      <p:cBhvr>
+                                        <p:cTn id="7" dur="1000"/>
+                                        <p:tgtEl>
+                                          <p:spTgt spid="3">
+                                            <p:txEl>
+                                              <p:pRg st="4" end="4"/>
+                                            </p:txEl>
+                                          </p:spTgt>
+                                        </p:tgtEl>
+                                      </p:cBhvr>
+                                    </p:animEffect>
+                                    <p:anim calcmode="lin" valueType="num">
+                                      <p:cBhvr>
+                                        <p:cTn id="8" dur="1000" fill="hold"/>
+                                        <p:tgtEl>
+                                          <p:spTgt spid="3">
+                                            <p:txEl>
+                                              <p:pRg st="4" end="4"/>
+                                            </p:txEl>
+                                          </p:spTgt>
+                                        </p:tgtEl>
+                                        <p:attrNameLst>
+                                          <p:attrName>ppt_x</p:attrName>
+                                        </p:attrNameLst>
+                                      </p:cBhvr>
+                                      <p:tavLst>
+                                        <p:tav tm="0">
+                                          <p:val>
+                                            <p:strVal val="#ppt_x"/>
+                                          </p:val>
+                                        </p:tav>
+                                        <p:tav tm="100000">
+                                          <p:val>
+                                            <p:strVal val="#ppt_x"/>
+                                          </p:val>
+                                        </p:tav>
+                                      </p:tavLst>
+                                    </p:anim>
+                                    <p:anim calcmode="lin" valueType="num">
+                                      <p:cBhvr>
+                                        <p:cTn id="9" dur="1000" fill="hold"/>
+                                        <p:tgtEl>
+                                          <p:spTgt spid="3">
+                                            <p:txEl>
+                                              <p:pRg st="4" end="4"/>
+                                            </p:txEl>
+                                          </p:spTgt>
+                                        </p:tgtEl>
+                                        <p:attrNameLst>
+                                          <p:attrName>ppt_y</p:attrName>
+                                        </p:attrNameLst>
+                                      </p:cBhvr>
+                                      <p:tavLst>
+                                        <p:tav tm="0">
+                                          <p:val>
+                                            <p:strVal val="#ppt_y+.1"/>
+                                          </p:val>
+                                        </p:tav>
+                                        <p:tav tm="100000">
+                                          <p:val>
+                                            <p:strVal val="#ppt_y"/>
+                                          </p:val>
+                                        </p:tav>
+                                      </p:tavLst>
+                                    </p:anim>
+                                  </p:childTnLst>
+                                </p:cTn>
+                              </p:par>
+                              <p:par>
+                                <p:cTn id="10" presetID="42" presetClass="entr" presetSubtype="0" fill="hold" nodeType="withEffect">
+                                  <p:stCondLst>
+                                    <p:cond delay="0"/>
+                                  </p:stCondLst>
+                                  <p:childTnLst>
+                                    <p:set>
+                                      <p:cBhvr>
+                                        <p:cTn id="11" dur="1" fill="hold">
+                                          <p:stCondLst>
+                                            <p:cond delay="0"/>
+                                          </p:stCondLst>
+                                        </p:cTn>
+                                        <p:tgtEl>
+                                          <p:spTgt spid="3">
+                                            <p:txEl>
+                                              <p:pRg st="5" end="5"/>
+                                            </p:txEl>
+                                          </p:spTgt>
+                                        </p:tgtEl>
+                                        <p:attrNameLst>
+                                          <p:attrName>style.visibility</p:attrName>
+                                        </p:attrNameLst>
+                                      </p:cBhvr>
+                                      <p:to>
+                                        <p:strVal val="visible"/>
+                                      </p:to>
+                                    </p:set>
+                                    <p:animEffect transition="in" filter="fade">
+                                      <p:cBhvr>
+                                        <p:cTn id="12" dur="1000"/>
+                                        <p:tgtEl>
+                                          <p:spTgt spid="3">
+                                            <p:txEl>
+                                              <p:pRg st="5" end="5"/>
+                                            </p:txEl>
+                                          </p:spTgt>
+                                        </p:tgtEl>
+                                      </p:cBhvr>
+                                    </p:animEffect>
+                                    <p:anim calcmode="lin" valueType="num">
+                                      <p:cBhvr>
+                                        <p:cTn id="13" dur="1000" fill="hold"/>
+                                        <p:tgtEl>
+                                          <p:spTgt spid="3">
+                                            <p:txEl>
+                                              <p:pRg st="5" end="5"/>
+                                            </p:txEl>
+                                          </p:spTgt>
+                                        </p:tgtEl>
+                                        <p:attrNameLst>
+                                          <p:attrName>ppt_x</p:attrName>
+                                        </p:attrNameLst>
+                                      </p:cBhvr>
+                                      <p:tavLst>
+                                        <p:tav tm="0">
+                                          <p:val>
+                                            <p:strVal val="#ppt_x"/>
+                                          </p:val>
+                                        </p:tav>
+                                        <p:tav tm="100000">
+                                          <p:val>
+                                            <p:strVal val="#ppt_x"/>
+                                          </p:val>
+                                        </p:tav>
+                                      </p:tavLst>
+                                    </p:anim>
+                                    <p:anim calcmode="lin" valueType="num">
+                                      <p:cBhvr>
+                                        <p:cTn id="14" dur="1000" fill="hold"/>
+                                        <p:tgtEl>
+                                          <p:spTgt spid="3">
+                                            <p:txEl>
+                                              <p:pRg st="5" end="5"/>
+                                            </p:txEl>
+                                          </p:spTgt>
+                                        </p:tgtEl>
+                                        <p:attrNameLst>
+                                          <p:attrName>ppt_y</p:attrName>
+                                        </p:attrNameLst>
+                                      </p:cBhvr>
+                                      <p:tavLst>
+                                        <p:tav tm="0">
+                                          <p:val>
+                                            <p:strVal val="#ppt_y+.1"/>
+                                          </p:val>
+                                        </p:tav>
+                                        <p:tav tm="100000">
+                                          <p:val>
+                                            <p:strVal val="#ppt_y"/>
+                                          </p:val>
+                                        </p:tav>
+                                      </p:tavLst>
+                                    </p:anim>
+                                  </p:childTnLst>
+                                </p:cTn>
+                              </p:par>
+                            </p:childTnLst>
+                          </p:cTn>
+                        </p:par>
+                      </p:childTnLst>
+                    </p:cTn>
+                  </p:par>
+                </p:childTnLst>
+              </p:cTn>
+              <p:prevCondLst>
+                <p:cond evt="onPrev" delay="0">
+                  <p:tgtEl>
+                    <p:sldTgt/>
+                  </p:tgtEl>
+                </p:cond>
+              </p:prevCondLst>
+              <p:nextCondLst>
+                <p:cond evt="onNext" delay="0">
+                  <p:tgtEl>
+                    <p:sldTgt/>
+                  </p:tgtEl>
+                </p:cond>
+              </p:nextCondLst>
+            </p:seq>
+          </p:childTnLst>
+        </p:cTn>
+      </p:par>
+    </p:tnLst>
+  </p:timing>
+</p:sld>
+</file>
+
+<file path=ppt/slides/slide25.xml><?xml version="1.0" encoding="utf-8"?>
+<p:sld xmlns:a="http://schemas.openxmlformats.org/drawingml/2006/main" xmlns:r="http://schemas.openxmlformats.org/officeDocument/2006/relationships" xmlns:p="http://schemas.openxmlformats.org/presentationml/2006/main">
+  <p:cSld>
+    <p:spTree>
+      <p:nvGrpSpPr>
+        <p:cNvPr id="1" name=""/>
+        <p:cNvGrpSpPr/>
+        <p:nvPr/>
+      </p:nvGrpSpPr>
+      <p:grpSpPr>
+        <a:xfrm>
+          <a:off x="0" y="0"/>
+          <a:ext cx="0" cy="0"/>
+          <a:chOff x="0" y="0"/>
+          <a:chExt cx="0" cy="0"/>
+        </a:xfrm>
+      </p:grpSpPr>
+      <p:sp>
+        <p:nvSpPr>
+          <p:cNvPr id="2" name="Title 1">
+            <a:extLst>
+              <a:ext uri="{FF2B5EF4-FFF2-40B4-BE49-F238E27FC236}">
+                <a16:creationId xmlns:a16="http://schemas.microsoft.com/office/drawing/2014/main" id="{18122894-29D1-4A09-B71D-CEB347DA6C00}"/>
+              </a:ext>
+            </a:extLst>
+          </p:cNvPr>
+          <p:cNvSpPr>
+            <a:spLocks noGrp="1"/>
+          </p:cNvSpPr>
+          <p:nvPr>
+            <p:ph type="title"/>
+          </p:nvPr>
+        </p:nvSpPr>
+        <p:spPr/>
+        <p:txBody>
+          <a:bodyPr/>
+          <a:lstStyle/>
+          <a:p>
+            <a:r>
+              <a:rPr lang="es-CO" dirty="0"/>
+              <a:t>Las expresiones regulares</a:t>
+            </a:r>
+            <a:endParaRPr lang="en-US" dirty="0"/>
+          </a:p>
+        </p:txBody>
+      </p:sp>
+      <p:sp>
+        <p:nvSpPr>
+          <p:cNvPr id="3" name="Content Placeholder 2">
+            <a:extLst>
+              <a:ext uri="{FF2B5EF4-FFF2-40B4-BE49-F238E27FC236}">
+                <a16:creationId xmlns:a16="http://schemas.microsoft.com/office/drawing/2014/main" id="{CC5CD665-5923-4824-A84E-AE6446F60293}"/>
+              </a:ext>
+            </a:extLst>
+          </p:cNvPr>
+          <p:cNvSpPr>
+            <a:spLocks noGrp="1"/>
+          </p:cNvSpPr>
+          <p:nvPr>
+            <p:ph idx="1"/>
+          </p:nvPr>
+        </p:nvSpPr>
+        <p:spPr/>
+        <p:txBody>
+          <a:bodyPr>
+            <a:normAutofit fontScale="77500" lnSpcReduction="20000"/>
+          </a:bodyPr>
+          <a:lstStyle/>
+          <a:p>
+            <a:pPr marL="0" indent="0">
+              <a:buNone/>
+            </a:pPr>
+            <a:r>
+              <a:rPr lang="es-CO" dirty="0"/>
+              <a:t>Secuencias de caracteres que permiten buscar un patrón en un texto. </a:t>
+            </a:r>
+          </a:p>
+          <a:p>
+            <a:pPr marL="0" indent="0">
+              <a:buNone/>
+            </a:pPr>
+            <a:r>
+              <a:rPr lang="es-CO" dirty="0"/>
+              <a:t>Algunos ejemplos útiles son: </a:t>
+            </a:r>
+          </a:p>
+          <a:p>
+            <a:pPr marL="0" indent="0">
+              <a:buNone/>
+            </a:pPr>
+            <a:r>
+              <a:rPr lang="en-US" dirty="0" err="1"/>
+              <a:t>Ejemplos</a:t>
+            </a:r>
+            <a:r>
+              <a:rPr lang="en-US" dirty="0"/>
+              <a:t>		</a:t>
+            </a:r>
+            <a:r>
+              <a:rPr lang="en-US" dirty="0" err="1"/>
+              <a:t>Explicación</a:t>
+            </a:r>
+            <a:endParaRPr lang="en-US" dirty="0"/>
+          </a:p>
+          <a:p>
+            <a:pPr marL="0" indent="0">
+              <a:buNone/>
+            </a:pPr>
+            <a:r>
+              <a:rPr lang="en-US" dirty="0"/>
+              <a:t>[a-z]			</a:t>
+            </a:r>
+            <a:r>
+              <a:rPr lang="en-US" dirty="0" err="1"/>
+              <a:t>encuentra</a:t>
+            </a:r>
+            <a:r>
+              <a:rPr lang="en-US" dirty="0"/>
+              <a:t> </a:t>
+            </a:r>
+            <a:r>
+              <a:rPr lang="en-US" dirty="0" err="1"/>
+              <a:t>cualquier</a:t>
+            </a:r>
+            <a:r>
+              <a:rPr lang="en-US" dirty="0"/>
+              <a:t> </a:t>
+            </a:r>
+            <a:r>
+              <a:rPr lang="en-US" dirty="0" err="1"/>
+              <a:t>letra</a:t>
+            </a:r>
+            <a:r>
+              <a:rPr lang="en-US" dirty="0"/>
+              <a:t> </a:t>
+            </a:r>
+            <a:r>
+              <a:rPr lang="en-US" dirty="0" err="1"/>
+              <a:t>minúscula</a:t>
+            </a:r>
+            <a:endParaRPr lang="en-US" dirty="0"/>
+          </a:p>
+          <a:p>
+            <a:pPr marL="0" indent="0">
+              <a:buNone/>
+            </a:pPr>
+            <a:r>
+              <a:rPr lang="en-US" dirty="0"/>
+              <a:t>[А-Z]			</a:t>
+            </a:r>
+            <a:r>
+              <a:rPr lang="en-US" dirty="0" err="1"/>
+              <a:t>encuentra</a:t>
+            </a:r>
+            <a:r>
+              <a:rPr lang="en-US" dirty="0"/>
+              <a:t> </a:t>
+            </a:r>
+            <a:r>
+              <a:rPr lang="en-US" dirty="0" err="1"/>
+              <a:t>cuaquier</a:t>
+            </a:r>
+            <a:r>
+              <a:rPr lang="en-US" dirty="0"/>
+              <a:t> </a:t>
+            </a:r>
+            <a:r>
+              <a:rPr lang="en-US" dirty="0" err="1"/>
+              <a:t>letra</a:t>
+            </a:r>
+            <a:r>
+              <a:rPr lang="en-US" dirty="0"/>
+              <a:t> </a:t>
+            </a:r>
+            <a:r>
+              <a:rPr lang="en-US" dirty="0" err="1"/>
+              <a:t>mayúscula</a:t>
+            </a:r>
+            <a:endParaRPr lang="en-US" dirty="0"/>
+          </a:p>
+          <a:p>
+            <a:pPr marL="0" indent="0">
+              <a:buNone/>
+            </a:pPr>
+            <a:r>
+              <a:rPr lang="en-US" dirty="0"/>
+              <a:t>[0-9]			</a:t>
+            </a:r>
+            <a:r>
+              <a:rPr lang="en-US" dirty="0" err="1"/>
+              <a:t>encuentra</a:t>
+            </a:r>
+            <a:r>
+              <a:rPr lang="en-US" dirty="0"/>
+              <a:t> </a:t>
+            </a:r>
+            <a:r>
+              <a:rPr lang="en-US" dirty="0" err="1"/>
+              <a:t>cualquier</a:t>
+            </a:r>
+            <a:r>
+              <a:rPr lang="en-US" dirty="0"/>
+              <a:t> </a:t>
+            </a:r>
+            <a:r>
+              <a:rPr lang="en-US" dirty="0" err="1"/>
+              <a:t>dígito</a:t>
+            </a:r>
+            <a:endParaRPr lang="en-US" dirty="0"/>
+          </a:p>
+          <a:p>
+            <a:pPr marL="0" indent="0">
+              <a:buNone/>
+            </a:pPr>
+            <a:r>
+              <a:rPr lang="en-US" dirty="0"/>
+              <a:t>[</a:t>
+            </a:r>
+            <a:r>
+              <a:rPr lang="en-US" dirty="0" err="1"/>
+              <a:t>aeiouAEIOU</a:t>
+            </a:r>
+            <a:r>
+              <a:rPr lang="en-US" dirty="0"/>
+              <a:t>]		</a:t>
+            </a:r>
+            <a:r>
+              <a:rPr lang="en-US" dirty="0" err="1"/>
+              <a:t>encuentral</a:t>
+            </a:r>
+            <a:r>
+              <a:rPr lang="en-US" dirty="0"/>
+              <a:t> </a:t>
+            </a:r>
+            <a:r>
+              <a:rPr lang="en-US" dirty="0" err="1"/>
+              <a:t>cualquier</a:t>
+            </a:r>
+            <a:r>
+              <a:rPr lang="en-US" dirty="0"/>
+              <a:t> vocal</a:t>
+            </a:r>
+          </a:p>
+          <a:p>
+            <a:pPr marL="0" indent="0">
+              <a:buNone/>
+            </a:pPr>
+            <a:r>
+              <a:rPr lang="en-US" dirty="0"/>
+              <a:t>[^ </a:t>
+            </a:r>
+            <a:r>
+              <a:rPr lang="en-US" dirty="0" err="1"/>
+              <a:t>aeiouAEIOU</a:t>
+            </a:r>
+            <a:r>
+              <a:rPr lang="en-US" dirty="0"/>
+              <a:t>]	</a:t>
+            </a:r>
+            <a:r>
+              <a:rPr lang="en-US" dirty="0" err="1"/>
+              <a:t>encuentra</a:t>
+            </a:r>
+            <a:r>
+              <a:rPr lang="en-US" dirty="0"/>
+              <a:t> </a:t>
+            </a:r>
+            <a:r>
+              <a:rPr lang="en-US" dirty="0" err="1"/>
+              <a:t>cualquier</a:t>
+            </a:r>
+            <a:r>
+              <a:rPr lang="en-US" dirty="0"/>
+              <a:t> </a:t>
+            </a:r>
+            <a:r>
+              <a:rPr lang="en-US" dirty="0" err="1"/>
+              <a:t>caracter</a:t>
+            </a:r>
+            <a:r>
+              <a:rPr lang="en-US" dirty="0"/>
+              <a:t> que no sea una vocal</a:t>
+            </a:r>
+          </a:p>
+          <a:p>
+            <a:pPr marL="0" indent="0">
+              <a:buNone/>
+            </a:pPr>
+            <a:r>
+              <a:rPr lang="en-US" dirty="0"/>
+              <a:t>^			</a:t>
+            </a:r>
+            <a:r>
+              <a:rPr lang="en-US" dirty="0" err="1"/>
+              <a:t>inicio</a:t>
+            </a:r>
+            <a:r>
+              <a:rPr lang="en-US" dirty="0"/>
+              <a:t> de </a:t>
+            </a:r>
+            <a:r>
+              <a:rPr lang="en-US" dirty="0" err="1"/>
+              <a:t>línea</a:t>
+            </a:r>
+            <a:r>
+              <a:rPr lang="en-US" dirty="0"/>
+              <a:t> (</a:t>
+            </a:r>
+            <a:r>
+              <a:rPr lang="en-US" dirty="0" err="1"/>
+              <a:t>ojo</a:t>
+            </a:r>
+            <a:r>
+              <a:rPr lang="en-US" dirty="0"/>
+              <a:t>: </a:t>
+            </a:r>
+            <a:r>
+              <a:rPr lang="en-US" dirty="0" err="1"/>
+              <a:t>cuando</a:t>
+            </a:r>
+            <a:r>
+              <a:rPr lang="en-US" dirty="0"/>
+              <a:t> </a:t>
+            </a:r>
+            <a:r>
+              <a:rPr lang="en-US" dirty="0" err="1"/>
+              <a:t>está</a:t>
+            </a:r>
+            <a:r>
+              <a:rPr lang="en-US" dirty="0"/>
+              <a:t> </a:t>
+            </a:r>
+            <a:r>
+              <a:rPr lang="en-US" dirty="0" err="1"/>
+              <a:t>fuera</a:t>
+            </a:r>
+            <a:r>
+              <a:rPr lang="en-US" dirty="0"/>
+              <a:t> de los </a:t>
+            </a:r>
+            <a:r>
+              <a:rPr lang="en-US" dirty="0" err="1"/>
+              <a:t>corchetes</a:t>
+            </a:r>
+            <a:r>
+              <a:rPr lang="en-US" dirty="0"/>
+              <a:t>)</a:t>
+            </a:r>
+          </a:p>
+          <a:p>
+            <a:pPr marL="0" indent="0">
+              <a:buNone/>
+            </a:pPr>
+            <a:r>
+              <a:rPr lang="en-US" dirty="0"/>
+              <a:t>$			fin de </a:t>
+            </a:r>
+            <a:r>
+              <a:rPr lang="en-US" dirty="0" err="1"/>
+              <a:t>línea</a:t>
+            </a:r>
+            <a:endParaRPr lang="en-US" dirty="0"/>
+          </a:p>
+          <a:p>
+            <a:pPr marL="0" indent="0">
+              <a:buNone/>
+            </a:pPr>
+            <a:r>
+              <a:rPr lang="en-US" dirty="0"/>
+              <a:t>*			</a:t>
+            </a:r>
+            <a:r>
+              <a:rPr lang="en-US" dirty="0" err="1"/>
+              <a:t>Encuentra</a:t>
+            </a:r>
+            <a:r>
+              <a:rPr lang="en-US" dirty="0"/>
+              <a:t> una o m</a:t>
+            </a:r>
+            <a:r>
+              <a:rPr lang="es-CO" dirty="0" err="1"/>
+              <a:t>ás</a:t>
+            </a:r>
+            <a:r>
+              <a:rPr lang="es-CO" dirty="0"/>
+              <a:t> veces</a:t>
+            </a:r>
+          </a:p>
+          <a:p>
+            <a:pPr marL="0" indent="0">
+              <a:buNone/>
+            </a:pPr>
+            <a:r>
+              <a:rPr lang="en-US" dirty="0"/>
+              <a:t>\w			</a:t>
+            </a:r>
+            <a:r>
+              <a:rPr lang="en-US" dirty="0" err="1"/>
+              <a:t>cualquier</a:t>
+            </a:r>
+            <a:r>
+              <a:rPr lang="en-US" dirty="0"/>
+              <a:t> </a:t>
+            </a:r>
+            <a:r>
+              <a:rPr lang="en-US" dirty="0" err="1"/>
+              <a:t>caracter</a:t>
+            </a:r>
+            <a:r>
+              <a:rPr lang="en-US" dirty="0"/>
+              <a:t> </a:t>
+            </a:r>
+            <a:r>
+              <a:rPr lang="en-US" dirty="0" err="1"/>
+              <a:t>alfanum</a:t>
+            </a:r>
+            <a:r>
+              <a:rPr lang="es-CO" dirty="0"/>
+              <a:t>érico</a:t>
+            </a:r>
+            <a:endParaRPr lang="en-US" dirty="0"/>
+          </a:p>
+        </p:txBody>
+      </p:sp>
+    </p:spTree>
+    <p:extLst>
+      <p:ext uri="{BB962C8B-B14F-4D97-AF65-F5344CB8AC3E}">
+        <p14:creationId xmlns:p14="http://schemas.microsoft.com/office/powerpoint/2010/main" val="1640437911"/>
+      </p:ext>
+    </p:extLst>
+  </p:cSld>
+  <p:clrMapOvr>
+    <a:masterClrMapping/>
+  </p:clrMapOvr>
+</p:sld>
+</file>
+
+<file path=ppt/slides/slide26.xml><?xml version="1.0" encoding="utf-8"?>
+<p:sld xmlns:a="http://schemas.openxmlformats.org/drawingml/2006/main" xmlns:r="http://schemas.openxmlformats.org/officeDocument/2006/relationships" xmlns:p="http://schemas.openxmlformats.org/presentationml/2006/main">
+  <p:cSld>
+    <p:spTree>
+      <p:nvGrpSpPr>
+        <p:cNvPr id="1" name=""/>
+        <p:cNvGrpSpPr/>
+        <p:nvPr/>
+      </p:nvGrpSpPr>
+      <p:grpSpPr>
+        <a:xfrm>
+          <a:off x="0" y="0"/>
+          <a:ext cx="0" cy="0"/>
+          <a:chOff x="0" y="0"/>
+          <a:chExt cx="0" cy="0"/>
+        </a:xfrm>
+      </p:grpSpPr>
+      <p:sp>
+        <p:nvSpPr>
+          <p:cNvPr id="2" name="Title 1">
+            <a:extLst>
+              <a:ext uri="{FF2B5EF4-FFF2-40B4-BE49-F238E27FC236}">
+                <a16:creationId xmlns:a16="http://schemas.microsoft.com/office/drawing/2014/main" id="{6C58E95D-0B0D-4E73-8022-034B8CF47B72}"/>
+              </a:ext>
+            </a:extLst>
+          </p:cNvPr>
+          <p:cNvSpPr>
+            <a:spLocks noGrp="1"/>
+          </p:cNvSpPr>
+          <p:nvPr>
+            <p:ph type="title"/>
+          </p:nvPr>
+        </p:nvSpPr>
+        <p:spPr/>
+        <p:txBody>
+          <a:bodyPr/>
+          <a:lstStyle/>
+          <a:p>
+            <a:r>
+              <a:rPr lang="es-CO" dirty="0"/>
+              <a:t>¿Qué aprendimos?</a:t>
+            </a:r>
+            <a:endParaRPr lang="en-US" dirty="0"/>
+          </a:p>
+        </p:txBody>
+      </p:sp>
+      <p:sp>
+        <p:nvSpPr>
+          <p:cNvPr id="3" name="Content Placeholder 2">
+            <a:extLst>
+              <a:ext uri="{FF2B5EF4-FFF2-40B4-BE49-F238E27FC236}">
+                <a16:creationId xmlns:a16="http://schemas.microsoft.com/office/drawing/2014/main" id="{DB548475-0430-459D-A289-1146545F5873}"/>
+              </a:ext>
+            </a:extLst>
+          </p:cNvPr>
+          <p:cNvSpPr>
+            <a:spLocks noGrp="1"/>
+          </p:cNvSpPr>
+          <p:nvPr>
+            <p:ph idx="1"/>
+          </p:nvPr>
+        </p:nvSpPr>
+        <p:spPr/>
+        <p:txBody>
+          <a:bodyPr/>
+          <a:lstStyle/>
+          <a:p>
+            <a:r>
+              <a:rPr lang="es-CO" dirty="0"/>
+              <a:t>Términos comunes y populares</a:t>
+            </a:r>
+          </a:p>
+          <a:p>
+            <a:r>
+              <a:rPr lang="es-CO" dirty="0"/>
+              <a:t>Ubicación y creación de carpetas en la Terminal</a:t>
+            </a:r>
+          </a:p>
+          <a:p>
+            <a:r>
+              <a:rPr lang="es-CO" dirty="0"/>
+              <a:t>Contamos palabras, líneas y caracteres de un texto</a:t>
+            </a:r>
+          </a:p>
+          <a:p>
+            <a:r>
+              <a:rPr lang="es-CO" dirty="0"/>
+              <a:t>Visualizamos un texto en la terminal</a:t>
+            </a:r>
+          </a:p>
+          <a:p>
+            <a:r>
+              <a:rPr lang="es-CO" dirty="0"/>
+              <a:t>Creamos listas de palabras con </a:t>
+            </a:r>
+            <a:r>
+              <a:rPr lang="es-CO" i="1" dirty="0"/>
+              <a:t>sed</a:t>
+            </a:r>
+          </a:p>
+          <a:p>
+            <a:r>
+              <a:rPr lang="es-CO" dirty="0"/>
+              <a:t>Ordenamos las listas de palabras y contamos las repeticiones</a:t>
+            </a:r>
+          </a:p>
+          <a:p>
+            <a:r>
+              <a:rPr lang="es-CO" dirty="0"/>
+              <a:t>Filtramos palabras y contamos morfemas</a:t>
+            </a:r>
+          </a:p>
+          <a:p>
+            <a:r>
+              <a:rPr lang="es-CO" dirty="0"/>
+              <a:t> removimos secuencias de caracteres indeseados</a:t>
+            </a:r>
+          </a:p>
+          <a:p>
+            <a:endParaRPr lang="es-CO" dirty="0"/>
+          </a:p>
+          <a:p>
+            <a:endParaRPr lang="es-CO" dirty="0"/>
+          </a:p>
+          <a:p>
+            <a:endParaRPr lang="es-CO" dirty="0"/>
+          </a:p>
+          <a:p>
+            <a:endParaRPr lang="en-US" dirty="0"/>
+          </a:p>
+        </p:txBody>
+      </p:sp>
+    </p:spTree>
+    <p:extLst>
+      <p:ext uri="{BB962C8B-B14F-4D97-AF65-F5344CB8AC3E}">
+        <p14:creationId xmlns:p14="http://schemas.microsoft.com/office/powerpoint/2010/main" val="2131371082"/>
+      </p:ext>
+    </p:extLst>
+  </p:cSld>
+  <p:clrMapOvr>
+    <a:masterClrMapping/>
+  </p:clrMapOvr>
+</p:sld>
+</file>
+
+<file path=ppt/slides/slide27.xml><?xml version="1.0" encoding="utf-8"?>
+<p:sld xmlns:a="http://schemas.openxmlformats.org/drawingml/2006/main" xmlns:r="http://schemas.openxmlformats.org/officeDocument/2006/relationships" xmlns:p="http://schemas.openxmlformats.org/presentationml/2006/main">
+  <p:cSld>
+    <p:spTree>
+      <p:nvGrpSpPr>
+        <p:cNvPr id="1" name=""/>
+        <p:cNvGrpSpPr/>
+        <p:nvPr/>
+      </p:nvGrpSpPr>
+      <p:grpSpPr>
+        <a:xfrm>
+          <a:off x="0" y="0"/>
+          <a:ext cx="0" cy="0"/>
+          <a:chOff x="0" y="0"/>
+          <a:chExt cx="0" cy="0"/>
+        </a:xfrm>
+      </p:grpSpPr>
+      <p:sp>
+        <p:nvSpPr>
+          <p:cNvPr id="2" name="Title 1">
+            <a:extLst>
+              <a:ext uri="{FF2B5EF4-FFF2-40B4-BE49-F238E27FC236}">
+                <a16:creationId xmlns:a16="http://schemas.microsoft.com/office/drawing/2014/main" id="{DF357037-CC33-4982-AEF3-32371D9EA72C}"/>
+              </a:ext>
+            </a:extLst>
+          </p:cNvPr>
+          <p:cNvSpPr>
+            <a:spLocks noGrp="1"/>
+          </p:cNvSpPr>
+          <p:nvPr>
+            <p:ph type="title"/>
+          </p:nvPr>
+        </p:nvSpPr>
+        <p:spPr/>
+        <p:txBody>
+          <a:bodyPr/>
+          <a:lstStyle/>
+          <a:p>
+            <a:r>
+              <a:rPr lang="en-US" dirty="0"/>
+              <a:t>Lista de </a:t>
+            </a:r>
+            <a:r>
+              <a:rPr lang="en-US" dirty="0" err="1"/>
+              <a:t>comandos</a:t>
+            </a:r>
+            <a:r>
+              <a:rPr lang="en-US" dirty="0"/>
+              <a:t> </a:t>
+            </a:r>
+            <a:r>
+              <a:rPr lang="es-CO" dirty="0"/>
+              <a:t>útiles </a:t>
+            </a:r>
+            <a:r>
+              <a:rPr lang="en-US" dirty="0"/>
+              <a:t>que </a:t>
+            </a:r>
+            <a:r>
+              <a:rPr lang="en-US" dirty="0" err="1"/>
+              <a:t>vimos</a:t>
+            </a:r>
+            <a:endParaRPr lang="en-US" dirty="0"/>
+          </a:p>
+        </p:txBody>
+      </p:sp>
+      <p:sp>
+        <p:nvSpPr>
+          <p:cNvPr id="3" name="Content Placeholder 2">
+            <a:extLst>
+              <a:ext uri="{FF2B5EF4-FFF2-40B4-BE49-F238E27FC236}">
+                <a16:creationId xmlns:a16="http://schemas.microsoft.com/office/drawing/2014/main" id="{0154F623-7F27-4AD0-96BF-7CD320F82928}"/>
+              </a:ext>
+            </a:extLst>
+          </p:cNvPr>
+          <p:cNvSpPr>
+            <a:spLocks noGrp="1"/>
+          </p:cNvSpPr>
+          <p:nvPr>
+            <p:ph idx="1"/>
+          </p:nvPr>
+        </p:nvSpPr>
+        <p:spPr>
+          <a:xfrm>
+            <a:off x="5204298" y="1671637"/>
+            <a:ext cx="6032770" cy="4351338"/>
+          </a:xfrm>
+        </p:spPr>
+        <p:txBody>
+          <a:bodyPr/>
+          <a:lstStyle/>
+          <a:p>
+            <a:pPr marL="0" indent="0">
+              <a:buNone/>
+            </a:pPr>
+            <a:r>
+              <a:rPr lang="en-US" dirty="0"/>
+              <a:t>$ </a:t>
+            </a:r>
+            <a:r>
+              <a:rPr lang="en-US" dirty="0" err="1"/>
+              <a:t>wc</a:t>
+            </a:r>
+            <a:endParaRPr lang="en-US" dirty="0"/>
+          </a:p>
+          <a:p>
+            <a:pPr marL="0" indent="0">
+              <a:buNone/>
+            </a:pPr>
+            <a:r>
+              <a:rPr lang="en-US" dirty="0"/>
+              <a:t>$ cat</a:t>
+            </a:r>
+          </a:p>
+          <a:p>
+            <a:pPr marL="0" indent="0">
+              <a:buNone/>
+            </a:pPr>
+            <a:r>
+              <a:rPr lang="en-US" dirty="0"/>
+              <a:t>$ sort</a:t>
+            </a:r>
+          </a:p>
+          <a:p>
+            <a:pPr marL="0" indent="0">
+              <a:buNone/>
+            </a:pPr>
+            <a:r>
+              <a:rPr lang="en-US" dirty="0"/>
+              <a:t>$ </a:t>
+            </a:r>
+            <a:r>
+              <a:rPr lang="en-US" dirty="0" err="1"/>
+              <a:t>uniq</a:t>
+            </a:r>
+            <a:endParaRPr lang="en-US" dirty="0"/>
+          </a:p>
+          <a:p>
+            <a:pPr marL="0" indent="0">
+              <a:buNone/>
+            </a:pPr>
+            <a:r>
+              <a:rPr lang="en-US" dirty="0"/>
+              <a:t>$ sed</a:t>
+            </a:r>
+          </a:p>
+          <a:p>
+            <a:pPr marL="0" indent="0">
+              <a:buNone/>
+            </a:pPr>
+            <a:r>
+              <a:rPr lang="en-US" dirty="0"/>
+              <a:t>$ tr</a:t>
+            </a:r>
+          </a:p>
+          <a:p>
+            <a:pPr marL="0" indent="0">
+              <a:buNone/>
+            </a:pPr>
+            <a:r>
+              <a:rPr lang="en-US" dirty="0"/>
+              <a:t>$ grep</a:t>
+            </a:r>
+          </a:p>
+          <a:p>
+            <a:pPr marL="0" indent="0">
+              <a:buNone/>
+            </a:pPr>
+            <a:endParaRPr lang="en-US" dirty="0"/>
+          </a:p>
+          <a:p>
+            <a:endParaRPr lang="en-US" dirty="0"/>
+          </a:p>
+        </p:txBody>
+      </p:sp>
+      <p:pic>
+        <p:nvPicPr>
+          <p:cNvPr id="5" name="Picture 4">
+            <a:extLst>
+              <a:ext uri="{FF2B5EF4-FFF2-40B4-BE49-F238E27FC236}">
+                <a16:creationId xmlns:a16="http://schemas.microsoft.com/office/drawing/2014/main" id="{0D886177-19B7-480A-868E-C028C3006111}"/>
+              </a:ext>
+            </a:extLst>
+          </p:cNvPr>
+          <p:cNvPicPr>
+            <a:picLocks noChangeAspect="1"/>
+          </p:cNvPicPr>
+          <p:nvPr/>
+        </p:nvPicPr>
+        <p:blipFill>
+          <a:blip r:embed="rId2"/>
+          <a:stretch>
+            <a:fillRect/>
+          </a:stretch>
+        </p:blipFill>
+        <p:spPr>
+          <a:xfrm>
+            <a:off x="1201993" y="1671637"/>
+            <a:ext cx="2286000" cy="3514725"/>
+          </a:xfrm>
+          <a:prstGeom prst="rect">
+            <a:avLst/>
+          </a:prstGeom>
+        </p:spPr>
+      </p:pic>
+    </p:spTree>
+    <p:extLst>
+      <p:ext uri="{BB962C8B-B14F-4D97-AF65-F5344CB8AC3E}">
+        <p14:creationId xmlns:p14="http://schemas.microsoft.com/office/powerpoint/2010/main" val="1022234789"/>
+      </p:ext>
+    </p:extLst>
+  </p:cSld>
+  <p:clrMapOvr>
+    <a:masterClrMapping/>
+  </p:clrMapOvr>
+</p:sld>
+</file>
+
+<file path=ppt/slides/slide28.xml><?xml version="1.0" encoding="utf-8"?>
+<p:sld xmlns:a="http://schemas.openxmlformats.org/drawingml/2006/main" xmlns:r="http://schemas.openxmlformats.org/officeDocument/2006/relationships" xmlns:p="http://schemas.openxmlformats.org/presentationml/2006/main">
+  <p:cSld>
+    <p:spTree>
+      <p:nvGrpSpPr>
+        <p:cNvPr id="1" name=""/>
+        <p:cNvGrpSpPr/>
+        <p:nvPr/>
+      </p:nvGrpSpPr>
+      <p:grpSpPr>
+        <a:xfrm>
+          <a:off x="0" y="0"/>
+          <a:ext cx="0" cy="0"/>
+          <a:chOff x="0" y="0"/>
+          <a:chExt cx="0" cy="0"/>
+        </a:xfrm>
+      </p:grpSpPr>
+      <p:sp>
+        <p:nvSpPr>
+          <p:cNvPr id="2" name="Title 1">
+            <a:extLst>
+              <a:ext uri="{FF2B5EF4-FFF2-40B4-BE49-F238E27FC236}">
+                <a16:creationId xmlns:a16="http://schemas.microsoft.com/office/drawing/2014/main" id="{48FD1575-20ED-4A9B-A774-B0E2EBB19EDC}"/>
+              </a:ext>
+            </a:extLst>
+          </p:cNvPr>
+          <p:cNvSpPr>
+            <a:spLocks noGrp="1"/>
+          </p:cNvSpPr>
+          <p:nvPr>
+            <p:ph type="title"/>
+          </p:nvPr>
+        </p:nvSpPr>
+        <p:spPr/>
+        <p:txBody>
+          <a:bodyPr/>
+          <a:lstStyle/>
+          <a:p>
+            <a:r>
+              <a:rPr lang="es-CO" dirty="0" err="1"/>
+              <a:t>Lab</a:t>
+            </a:r>
+            <a:r>
+              <a:rPr lang="es-CO" dirty="0"/>
+              <a:t> </a:t>
+            </a:r>
+            <a:r>
+              <a:rPr lang="es-CO" dirty="0" err="1"/>
+              <a:t>assignment</a:t>
+            </a:r>
+            <a:r>
+              <a:rPr lang="es-CO" dirty="0"/>
+              <a:t> 1: la práctica es clave</a:t>
+            </a:r>
+            <a:endParaRPr lang="en-US" dirty="0"/>
+          </a:p>
+        </p:txBody>
+      </p:sp>
+      <p:sp>
+        <p:nvSpPr>
+          <p:cNvPr id="3" name="Content Placeholder 2">
+            <a:extLst>
+              <a:ext uri="{FF2B5EF4-FFF2-40B4-BE49-F238E27FC236}">
+                <a16:creationId xmlns:a16="http://schemas.microsoft.com/office/drawing/2014/main" id="{CF81A9A2-FE34-4E98-8899-4022597CF2BA}"/>
+              </a:ext>
+            </a:extLst>
+          </p:cNvPr>
+          <p:cNvSpPr>
+            <a:spLocks noGrp="1"/>
+          </p:cNvSpPr>
+          <p:nvPr>
+            <p:ph idx="1"/>
+          </p:nvPr>
+        </p:nvSpPr>
+        <p:spPr/>
+        <p:txBody>
+          <a:bodyPr>
+            <a:normAutofit fontScale="85000" lnSpcReduction="10000"/>
+          </a:bodyPr>
+          <a:lstStyle/>
+          <a:p>
+            <a:pPr marL="0" indent="0">
+              <a:buNone/>
+            </a:pPr>
+            <a:r>
+              <a:rPr lang="es-CO" dirty="0"/>
+              <a:t>Datos: LowerBeginner.txt </a:t>
+            </a:r>
+          </a:p>
+          <a:p>
+            <a:pPr marL="514350" indent="-514350">
+              <a:buAutoNum type="arabicPeriod"/>
+            </a:pPr>
+            <a:r>
+              <a:rPr lang="es-CO" dirty="0"/>
+              <a:t>¿Cuántas líneas, palabras y caracteres tiene el texto?</a:t>
+            </a:r>
+          </a:p>
+          <a:p>
+            <a:pPr marL="514350" indent="-514350">
+              <a:buAutoNum type="arabicPeriod"/>
+            </a:pPr>
+            <a:r>
+              <a:rPr lang="es-CO" dirty="0"/>
+              <a:t>¿Qué hace la siguiente línea de código? Explica la función de cada comando.</a:t>
+            </a:r>
+          </a:p>
+          <a:p>
+            <a:pPr marL="0" indent="0">
+              <a:buNone/>
+            </a:pPr>
+            <a:r>
+              <a:rPr lang="es-CO" sz="2400" dirty="0"/>
+              <a:t>$ sed 's/[^a-</a:t>
+            </a:r>
+            <a:r>
+              <a:rPr lang="es-CO" sz="2400" dirty="0" err="1"/>
+              <a:t>zA</a:t>
+            </a:r>
+            <a:r>
+              <a:rPr lang="es-CO" sz="2400" dirty="0"/>
+              <a:t>-Z]\+/\n/g' &lt; LowerBeginner.txt | </a:t>
+            </a:r>
+            <a:r>
+              <a:rPr lang="es-CO" sz="2400" dirty="0" err="1"/>
+              <a:t>sort</a:t>
+            </a:r>
+            <a:r>
+              <a:rPr lang="es-CO" sz="2400" dirty="0"/>
+              <a:t> | </a:t>
+            </a:r>
+            <a:r>
+              <a:rPr lang="es-CO" sz="2400" dirty="0" err="1"/>
+              <a:t>uniq</a:t>
+            </a:r>
+            <a:r>
+              <a:rPr lang="es-CO" sz="2400" dirty="0"/>
+              <a:t> -c | </a:t>
+            </a:r>
+            <a:r>
+              <a:rPr lang="es-CO" sz="2400" dirty="0" err="1"/>
+              <a:t>sort</a:t>
+            </a:r>
+            <a:r>
+              <a:rPr lang="es-CO" sz="2400" dirty="0"/>
+              <a:t> -</a:t>
+            </a:r>
+            <a:r>
+              <a:rPr lang="es-CO" sz="2400" dirty="0" err="1"/>
+              <a:t>nr</a:t>
+            </a:r>
+            <a:r>
+              <a:rPr lang="es-CO" sz="2400" dirty="0"/>
+              <a:t> | sed 10q</a:t>
+            </a:r>
+          </a:p>
+          <a:p>
+            <a:pPr marL="0" indent="0">
+              <a:buNone/>
+            </a:pPr>
+            <a:r>
+              <a:rPr lang="es-CO" dirty="0"/>
+              <a:t>3. ¿Cuáles son las 20 palabras más frecuentes del corpus?</a:t>
+            </a:r>
+          </a:p>
+          <a:p>
+            <a:pPr marL="0" indent="0">
+              <a:buNone/>
+            </a:pPr>
+            <a:r>
+              <a:rPr lang="es-CO" dirty="0"/>
+              <a:t>4. Escoge cualquier tipo de afijo gramática o léxico que te interese. ¿Cuántas veces lo utilizaron los estudiantes?</a:t>
+            </a:r>
+          </a:p>
+          <a:p>
+            <a:pPr marL="0" indent="0">
+              <a:buNone/>
+            </a:pPr>
+            <a:r>
+              <a:rPr lang="es-CO" dirty="0"/>
+              <a:t>5. ¿Qué hace la siguiente línea de código? Explica la función de cada comando.</a:t>
+            </a:r>
+          </a:p>
+          <a:p>
+            <a:pPr marL="0" indent="0">
+              <a:buNone/>
+            </a:pPr>
+            <a:r>
+              <a:rPr lang="en-US" dirty="0"/>
+              <a:t>$ grep --color '\&lt;a\w*a\&gt;' LowerBeginner.txt</a:t>
+            </a:r>
+            <a:endParaRPr lang="es-CO" dirty="0"/>
+          </a:p>
+          <a:p>
+            <a:pPr marL="0" indent="0">
+              <a:buNone/>
+            </a:pPr>
+            <a:r>
+              <a:rPr lang="es-CO" dirty="0"/>
+              <a:t>6. Remueve los saltos de línea </a:t>
+            </a:r>
+            <a:r>
+              <a:rPr lang="es-CO" i="1" dirty="0" err="1"/>
+              <a:t>html</a:t>
+            </a:r>
+            <a:r>
+              <a:rPr lang="es-CO" i="1" dirty="0"/>
+              <a:t> </a:t>
+            </a:r>
+            <a:r>
+              <a:rPr lang="es-CO" dirty="0"/>
+              <a:t>que se copiaron al texto </a:t>
+            </a:r>
+            <a:r>
+              <a:rPr lang="en-US" dirty="0"/>
+              <a:t>(&lt;</a:t>
+            </a:r>
+            <a:r>
+              <a:rPr lang="en-US" dirty="0" err="1"/>
+              <a:t>br</a:t>
+            </a:r>
+            <a:r>
+              <a:rPr lang="en-US" dirty="0"/>
+              <a:t>/&gt;)</a:t>
+            </a:r>
+            <a:endParaRPr lang="es-CO" dirty="0"/>
+          </a:p>
+          <a:p>
+            <a:pPr marL="0" indent="0">
+              <a:buNone/>
+            </a:pPr>
+            <a:endParaRPr lang="es-CO" dirty="0"/>
+          </a:p>
+        </p:txBody>
+      </p:sp>
+    </p:spTree>
+    <p:extLst>
+      <p:ext uri="{BB962C8B-B14F-4D97-AF65-F5344CB8AC3E}">
+        <p14:creationId xmlns:p14="http://schemas.microsoft.com/office/powerpoint/2010/main" val="3754160743"/>
+      </p:ext>
+    </p:extLst>
+  </p:cSld>
+  <p:clrMapOvr>
+    <a:masterClrMapping/>
+  </p:clrMapOvr>
+</p:sld>
+</file>
+
+<file path=ppt/slides/slide29.xml><?xml version="1.0" encoding="utf-8"?>
+<p:sld xmlns:a="http://schemas.openxmlformats.org/drawingml/2006/main" xmlns:r="http://schemas.openxmlformats.org/officeDocument/2006/relationships" xmlns:p="http://schemas.openxmlformats.org/presentationml/2006/main">
+  <p:cSld>
+    <p:spTree>
+      <p:nvGrpSpPr>
+        <p:cNvPr id="1" name=""/>
+        <p:cNvGrpSpPr/>
+        <p:nvPr/>
+      </p:nvGrpSpPr>
+      <p:grpSpPr>
+        <a:xfrm>
+          <a:off x="0" y="0"/>
+          <a:ext cx="0" cy="0"/>
+          <a:chOff x="0" y="0"/>
+          <a:chExt cx="0" cy="0"/>
+        </a:xfrm>
+      </p:grpSpPr>
+      <p:sp>
+        <p:nvSpPr>
+          <p:cNvPr id="2" name="Title 1">
+            <a:extLst>
+              <a:ext uri="{FF2B5EF4-FFF2-40B4-BE49-F238E27FC236}">
+                <a16:creationId xmlns:a16="http://schemas.microsoft.com/office/drawing/2014/main" id="{67000551-428F-455C-9986-7996E8045924}"/>
+              </a:ext>
+            </a:extLst>
+          </p:cNvPr>
+          <p:cNvSpPr>
+            <a:spLocks noGrp="1"/>
+          </p:cNvSpPr>
+          <p:nvPr>
+            <p:ph type="title"/>
+          </p:nvPr>
+        </p:nvSpPr>
+        <p:spPr/>
+        <p:txBody>
+          <a:bodyPr/>
+          <a:lstStyle/>
+          <a:p>
+            <a:r>
+              <a:rPr lang="es-CO"/>
+              <a:t>Próxima clase</a:t>
+            </a:r>
+            <a:endParaRPr lang="en-US"/>
+          </a:p>
+        </p:txBody>
+      </p:sp>
+      <p:sp>
+        <p:nvSpPr>
+          <p:cNvPr id="3" name="Content Placeholder 2">
+            <a:extLst>
+              <a:ext uri="{FF2B5EF4-FFF2-40B4-BE49-F238E27FC236}">
+                <a16:creationId xmlns:a16="http://schemas.microsoft.com/office/drawing/2014/main" id="{25BAC197-2375-47A3-8F08-72A1E0945046}"/>
+              </a:ext>
+            </a:extLst>
+          </p:cNvPr>
+          <p:cNvSpPr>
+            <a:spLocks noGrp="1"/>
+          </p:cNvSpPr>
+          <p:nvPr>
+            <p:ph idx="1"/>
+          </p:nvPr>
+        </p:nvSpPr>
+        <p:spPr/>
+        <p:txBody>
+          <a:bodyPr/>
+          <a:lstStyle/>
+          <a:p>
+            <a:pPr marL="0" indent="0">
+              <a:buNone/>
+            </a:pPr>
+            <a:r>
+              <a:rPr lang="en-US" dirty="0"/>
+              <a:t>Python</a:t>
+            </a:r>
+          </a:p>
+          <a:p>
+            <a:pPr marL="0" indent="0">
+              <a:buNone/>
+            </a:pPr>
+            <a:r>
+              <a:rPr lang="en-US" dirty="0"/>
+              <a:t>- </a:t>
+            </a:r>
+            <a:r>
+              <a:rPr lang="en-US" dirty="0" err="1"/>
+              <a:t>Introducción</a:t>
+            </a:r>
+            <a:endParaRPr lang="en-US" dirty="0"/>
+          </a:p>
+          <a:p>
+            <a:pPr>
+              <a:buFontTx/>
+              <a:buChar char="-"/>
+            </a:pPr>
+            <a:r>
+              <a:rPr lang="en-US" dirty="0" err="1"/>
+              <a:t>Tokenizaci</a:t>
+            </a:r>
+            <a:r>
+              <a:rPr lang="es-CO" dirty="0" err="1"/>
+              <a:t>ón</a:t>
+            </a:r>
+            <a:endParaRPr lang="es-CO" dirty="0"/>
+          </a:p>
+          <a:p>
+            <a:pPr>
+              <a:buFontTx/>
+              <a:buChar char="-"/>
+            </a:pPr>
+            <a:r>
+              <a:rPr lang="es-CO" dirty="0"/>
+              <a:t>Segmentación de oraciones</a:t>
+            </a:r>
+          </a:p>
+          <a:p>
+            <a:pPr>
+              <a:buFontTx/>
+              <a:buChar char="-"/>
+            </a:pPr>
+            <a:r>
+              <a:rPr lang="es-CO" dirty="0"/>
+              <a:t>Utilidades básicas</a:t>
+            </a:r>
+            <a:endParaRPr lang="en-US" dirty="0"/>
+          </a:p>
+        </p:txBody>
+      </p:sp>
+    </p:spTree>
+    <p:extLst>
+      <p:ext uri="{BB962C8B-B14F-4D97-AF65-F5344CB8AC3E}">
+        <p14:creationId xmlns:p14="http://schemas.microsoft.com/office/powerpoint/2010/main" val="4254646389"/>
+      </p:ext>
+    </p:extLst>
+  </p:cSld>
+  <p:clrMapOvr>
+    <a:masterClrMapping/>
+  </p:clrMapOvr>
+</p:sld>
+</file>
+
 <file path=ppt/slides/slide3.xml><?xml version="1.0" encoding="utf-8"?>
 <p:sld xmlns:a="http://schemas.openxmlformats.org/drawingml/2006/main" xmlns:r="http://schemas.openxmlformats.org/officeDocument/2006/relationships" xmlns:p="http://schemas.openxmlformats.org/presentationml/2006/main">
   <p:cSld>
@@ -10143,7 +15513,7 @@
         </p:spPr>
         <p:txBody>
           <a:bodyPr>
-            <a:normAutofit fontScale="85000" lnSpcReduction="20000"/>
+            <a:normAutofit/>
           </a:bodyPr>
           <a:lstStyle/>
           <a:p>
@@ -10384,96 +15754,12 @@
             </a:pPr>
             <a:r>
               <a:rPr lang="en-US" dirty="0" err="1"/>
-              <a:t>Clasificar</a:t>
-            </a:r>
-            <a:r>
-              <a:rPr lang="en-US" dirty="0"/>
-              <a:t> </a:t>
-            </a:r>
-            <a:r>
-              <a:rPr lang="en-US" dirty="0" err="1"/>
-              <a:t>listas</a:t>
-            </a:r>
-            <a:r>
-              <a:rPr lang="en-US" dirty="0"/>
-              <a:t> de palabras de </a:t>
-            </a:r>
-            <a:r>
-              <a:rPr lang="en-US" dirty="0" err="1"/>
-              <a:t>varias</a:t>
-            </a:r>
-            <a:r>
-              <a:rPr lang="en-US" dirty="0"/>
-              <a:t> </a:t>
-            </a:r>
-            <a:r>
-              <a:rPr lang="en-US" dirty="0" err="1"/>
-              <a:t>maneras</a:t>
-            </a:r>
-            <a:r>
-              <a:rPr lang="en-US" dirty="0"/>
-              <a:t>:</a:t>
-            </a:r>
-          </a:p>
-          <a:p>
-            <a:pPr marL="457200" lvl="1" indent="0">
-              <a:buNone/>
-            </a:pPr>
-            <a:r>
-              <a:rPr lang="en-US" dirty="0"/>
-              <a:t>Orden n</a:t>
-            </a:r>
-            <a:r>
-              <a:rPr lang="es-CO" dirty="0" err="1"/>
-              <a:t>umérico</a:t>
-            </a:r>
-            <a:endParaRPr lang="es-CO" dirty="0"/>
-          </a:p>
-          <a:p>
-            <a:pPr marL="457200" lvl="1" indent="0">
-              <a:buNone/>
-            </a:pPr>
-            <a:r>
-              <a:rPr lang="en-US" dirty="0"/>
-              <a:t>Orden </a:t>
-            </a:r>
-            <a:r>
-              <a:rPr lang="en-US" dirty="0" err="1"/>
-              <a:t>lexicográfico</a:t>
-            </a:r>
-            <a:endParaRPr lang="en-US" dirty="0"/>
-          </a:p>
-          <a:p>
-            <a:pPr marL="457200" lvl="1" indent="0">
-              <a:buNone/>
-            </a:pPr>
-            <a:r>
-              <a:rPr lang="en-US" dirty="0"/>
-              <a:t>Orden de </a:t>
-            </a:r>
-            <a:r>
-              <a:rPr lang="en-US" dirty="0" err="1"/>
-              <a:t>rima</a:t>
-            </a:r>
-            <a:endParaRPr lang="en-US" dirty="0"/>
-          </a:p>
-          <a:p>
-            <a:pPr marL="514350" indent="-514350">
-              <a:buAutoNum type="arabicPeriod"/>
-            </a:pPr>
-            <a:r>
-              <a:rPr lang="en-US" dirty="0" err="1"/>
-              <a:t>Computar</a:t>
-            </a:r>
-            <a:r>
-              <a:rPr lang="en-US" dirty="0"/>
-              <a:t> </a:t>
-            </a:r>
-            <a:r>
-              <a:rPr lang="en-US" dirty="0" err="1"/>
-              <a:t>ngrams</a:t>
-            </a:r>
-            <a:endParaRPr lang="en-US" dirty="0"/>
+              <a:t>Clasificación</a:t>
+            </a:r>
+            <a:r>
+              <a:rPr lang="en-US" dirty="0"/>
+              <a:t> de palabras </a:t>
+            </a:r>
           </a:p>
           <a:p>
             <a:pPr marL="514350" indent="-514350">
